--- a/2022/June_Batch/5Javascript/others/new-version/3javascript -Built-in-Datastructure.pptx
+++ b/2022/June_Batch/5Javascript/others/new-version/3javascript -Built-in-Datastructure.pptx
@@ -21,14 +21,23 @@
     <p:sldId id="354" r:id="rId15"/>
     <p:sldId id="355" r:id="rId16"/>
     <p:sldId id="356" r:id="rId17"/>
-    <p:sldId id="407" r:id="rId18"/>
-    <p:sldId id="357" r:id="rId19"/>
-    <p:sldId id="375" r:id="rId20"/>
-    <p:sldId id="404" r:id="rId21"/>
-    <p:sldId id="405" r:id="rId22"/>
-    <p:sldId id="406" r:id="rId23"/>
-    <p:sldId id="376" r:id="rId24"/>
-    <p:sldId id="377" r:id="rId25"/>
+    <p:sldId id="357" r:id="rId18"/>
+    <p:sldId id="407" r:id="rId19"/>
+    <p:sldId id="408" r:id="rId20"/>
+    <p:sldId id="415" r:id="rId21"/>
+    <p:sldId id="409" r:id="rId22"/>
+    <p:sldId id="410" r:id="rId23"/>
+    <p:sldId id="411" r:id="rId24"/>
+    <p:sldId id="412" r:id="rId25"/>
+    <p:sldId id="413" r:id="rId26"/>
+    <p:sldId id="414" r:id="rId27"/>
+    <p:sldId id="416" r:id="rId28"/>
+    <p:sldId id="375" r:id="rId29"/>
+    <p:sldId id="404" r:id="rId30"/>
+    <p:sldId id="405" r:id="rId31"/>
+    <p:sldId id="406" r:id="rId32"/>
+    <p:sldId id="376" r:id="rId33"/>
+    <p:sldId id="377" r:id="rId34"/>
   </p:sldIdLst>
   <p:sldSz cx="12192000" cy="6858000"/>
   <p:notesSz cx="6858000" cy="9144000"/>
@@ -129,7 +138,7 @@
   </p:defaultTextStyle>
   <p:extLst>
     <p:ext uri="{EFAFB233-063F-42B5-8137-9DF3F51BA10A}">
-      <p15:sldGuideLst xmlns="" xmlns:p15="http://schemas.microsoft.com/office/powerpoint/2012/main">
+      <p15:sldGuideLst xmlns:p15="http://schemas.microsoft.com/office/powerpoint/2012/main" xmlns="">
         <p15:guide id="1" orient="horz" pos="2160">
           <p15:clr>
             <a:srgbClr val="A4A3A4"/>
@@ -278,7 +287,7 @@
             <a:fld id="{7FCC5AE5-E495-4913-B643-A95A6AFABB00}" type="datetimeFigureOut">
               <a:rPr kumimoji="1" lang="ja-JP" altLang="en-US" smtClean="0"/>
               <a:pPr/>
-              <a:t>2022/7/21</a:t>
+              <a:t>2022/7/24</a:t>
             </a:fld>
             <a:endParaRPr kumimoji="1" lang="ja-JP" altLang="en-US"/>
           </a:p>
@@ -330,7 +339,7 @@
     </p:spTree>
     <p:extLst>
       <p:ext uri="{BB962C8B-B14F-4D97-AF65-F5344CB8AC3E}">
-        <p14:creationId xmlns="" xmlns:p14="http://schemas.microsoft.com/office/powerpoint/2010/main" val="3096064434"/>
+        <p14:creationId xmlns:p14="http://schemas.microsoft.com/office/powerpoint/2010/main" xmlns="" val="3096064434"/>
       </p:ext>
     </p:extLst>
   </p:cSld>
@@ -450,7 +459,7 @@
             <a:fld id="{7FCC5AE5-E495-4913-B643-A95A6AFABB00}" type="datetimeFigureOut">
               <a:rPr kumimoji="1" lang="ja-JP" altLang="en-US" smtClean="0"/>
               <a:pPr/>
-              <a:t>2022/7/21</a:t>
+              <a:t>2022/7/24</a:t>
             </a:fld>
             <a:endParaRPr kumimoji="1" lang="ja-JP" altLang="en-US"/>
           </a:p>
@@ -502,7 +511,7 @@
     </p:spTree>
     <p:extLst>
       <p:ext uri="{BB962C8B-B14F-4D97-AF65-F5344CB8AC3E}">
-        <p14:creationId xmlns="" xmlns:p14="http://schemas.microsoft.com/office/powerpoint/2010/main" val="71407721"/>
+        <p14:creationId xmlns:p14="http://schemas.microsoft.com/office/powerpoint/2010/main" xmlns="" val="71407721"/>
       </p:ext>
     </p:extLst>
   </p:cSld>
@@ -632,7 +641,7 @@
             <a:fld id="{7FCC5AE5-E495-4913-B643-A95A6AFABB00}" type="datetimeFigureOut">
               <a:rPr kumimoji="1" lang="ja-JP" altLang="en-US" smtClean="0"/>
               <a:pPr/>
-              <a:t>2022/7/21</a:t>
+              <a:t>2022/7/24</a:t>
             </a:fld>
             <a:endParaRPr kumimoji="1" lang="ja-JP" altLang="en-US"/>
           </a:p>
@@ -684,7 +693,7 @@
     </p:spTree>
     <p:extLst>
       <p:ext uri="{BB962C8B-B14F-4D97-AF65-F5344CB8AC3E}">
-        <p14:creationId xmlns="" xmlns:p14="http://schemas.microsoft.com/office/powerpoint/2010/main" val="3852493858"/>
+        <p14:creationId xmlns:p14="http://schemas.microsoft.com/office/powerpoint/2010/main" xmlns="" val="3852493858"/>
       </p:ext>
     </p:extLst>
   </p:cSld>
@@ -804,7 +813,7 @@
             <a:fld id="{7FCC5AE5-E495-4913-B643-A95A6AFABB00}" type="datetimeFigureOut">
               <a:rPr kumimoji="1" lang="ja-JP" altLang="en-US" smtClean="0"/>
               <a:pPr/>
-              <a:t>2022/7/21</a:t>
+              <a:t>2022/7/24</a:t>
             </a:fld>
             <a:endParaRPr kumimoji="1" lang="ja-JP" altLang="en-US"/>
           </a:p>
@@ -856,7 +865,7 @@
     </p:spTree>
     <p:extLst>
       <p:ext uri="{BB962C8B-B14F-4D97-AF65-F5344CB8AC3E}">
-        <p14:creationId xmlns="" xmlns:p14="http://schemas.microsoft.com/office/powerpoint/2010/main" val="282795843"/>
+        <p14:creationId xmlns:p14="http://schemas.microsoft.com/office/powerpoint/2010/main" xmlns="" val="282795843"/>
       </p:ext>
     </p:extLst>
   </p:cSld>
@@ -1052,7 +1061,7 @@
             <a:fld id="{7FCC5AE5-E495-4913-B643-A95A6AFABB00}" type="datetimeFigureOut">
               <a:rPr kumimoji="1" lang="ja-JP" altLang="en-US" smtClean="0"/>
               <a:pPr/>
-              <a:t>2022/7/21</a:t>
+              <a:t>2022/7/24</a:t>
             </a:fld>
             <a:endParaRPr kumimoji="1" lang="ja-JP" altLang="en-US"/>
           </a:p>
@@ -1104,7 +1113,7 @@
     </p:spTree>
     <p:extLst>
       <p:ext uri="{BB962C8B-B14F-4D97-AF65-F5344CB8AC3E}">
-        <p14:creationId xmlns="" xmlns:p14="http://schemas.microsoft.com/office/powerpoint/2010/main" val="1315004973"/>
+        <p14:creationId xmlns:p14="http://schemas.microsoft.com/office/powerpoint/2010/main" xmlns="" val="1315004973"/>
       </p:ext>
     </p:extLst>
   </p:cSld>
@@ -1286,7 +1295,7 @@
             <a:fld id="{7FCC5AE5-E495-4913-B643-A95A6AFABB00}" type="datetimeFigureOut">
               <a:rPr kumimoji="1" lang="ja-JP" altLang="en-US" smtClean="0"/>
               <a:pPr/>
-              <a:t>2022/7/21</a:t>
+              <a:t>2022/7/24</a:t>
             </a:fld>
             <a:endParaRPr kumimoji="1" lang="ja-JP" altLang="en-US"/>
           </a:p>
@@ -1338,7 +1347,7 @@
     </p:spTree>
     <p:extLst>
       <p:ext uri="{BB962C8B-B14F-4D97-AF65-F5344CB8AC3E}">
-        <p14:creationId xmlns="" xmlns:p14="http://schemas.microsoft.com/office/powerpoint/2010/main" val="3048296005"/>
+        <p14:creationId xmlns:p14="http://schemas.microsoft.com/office/powerpoint/2010/main" xmlns="" val="3048296005"/>
       </p:ext>
     </p:extLst>
   </p:cSld>
@@ -1655,7 +1664,7 @@
             <a:fld id="{7FCC5AE5-E495-4913-B643-A95A6AFABB00}" type="datetimeFigureOut">
               <a:rPr kumimoji="1" lang="ja-JP" altLang="en-US" smtClean="0"/>
               <a:pPr/>
-              <a:t>2022/7/21</a:t>
+              <a:t>2022/7/24</a:t>
             </a:fld>
             <a:endParaRPr kumimoji="1" lang="ja-JP" altLang="en-US"/>
           </a:p>
@@ -1707,7 +1716,7 @@
     </p:spTree>
     <p:extLst>
       <p:ext uri="{BB962C8B-B14F-4D97-AF65-F5344CB8AC3E}">
-        <p14:creationId xmlns="" xmlns:p14="http://schemas.microsoft.com/office/powerpoint/2010/main" val="890299385"/>
+        <p14:creationId xmlns:p14="http://schemas.microsoft.com/office/powerpoint/2010/main" xmlns="" val="890299385"/>
       </p:ext>
     </p:extLst>
   </p:cSld>
@@ -1775,7 +1784,7 @@
             <a:fld id="{7FCC5AE5-E495-4913-B643-A95A6AFABB00}" type="datetimeFigureOut">
               <a:rPr kumimoji="1" lang="ja-JP" altLang="en-US" smtClean="0"/>
               <a:pPr/>
-              <a:t>2022/7/21</a:t>
+              <a:t>2022/7/24</a:t>
             </a:fld>
             <a:endParaRPr kumimoji="1" lang="ja-JP" altLang="en-US"/>
           </a:p>
@@ -1827,7 +1836,7 @@
     </p:spTree>
     <p:extLst>
       <p:ext uri="{BB962C8B-B14F-4D97-AF65-F5344CB8AC3E}">
-        <p14:creationId xmlns="" xmlns:p14="http://schemas.microsoft.com/office/powerpoint/2010/main" val="2049573599"/>
+        <p14:creationId xmlns:p14="http://schemas.microsoft.com/office/powerpoint/2010/main" xmlns="" val="2049573599"/>
       </p:ext>
     </p:extLst>
   </p:cSld>
@@ -1872,7 +1881,7 @@
             <a:fld id="{7FCC5AE5-E495-4913-B643-A95A6AFABB00}" type="datetimeFigureOut">
               <a:rPr kumimoji="1" lang="ja-JP" altLang="en-US" smtClean="0"/>
               <a:pPr/>
-              <a:t>2022/7/21</a:t>
+              <a:t>2022/7/24</a:t>
             </a:fld>
             <a:endParaRPr kumimoji="1" lang="ja-JP" altLang="en-US"/>
           </a:p>
@@ -1924,7 +1933,7 @@
     </p:spTree>
     <p:extLst>
       <p:ext uri="{BB962C8B-B14F-4D97-AF65-F5344CB8AC3E}">
-        <p14:creationId xmlns="" xmlns:p14="http://schemas.microsoft.com/office/powerpoint/2010/main" val="1896888541"/>
+        <p14:creationId xmlns:p14="http://schemas.microsoft.com/office/powerpoint/2010/main" xmlns="" val="1896888541"/>
       </p:ext>
     </p:extLst>
   </p:cSld>
@@ -2151,7 +2160,7 @@
             <a:fld id="{7FCC5AE5-E495-4913-B643-A95A6AFABB00}" type="datetimeFigureOut">
               <a:rPr kumimoji="1" lang="ja-JP" altLang="en-US" smtClean="0"/>
               <a:pPr/>
-              <a:t>2022/7/21</a:t>
+              <a:t>2022/7/24</a:t>
             </a:fld>
             <a:endParaRPr kumimoji="1" lang="ja-JP" altLang="en-US"/>
           </a:p>
@@ -2203,7 +2212,7 @@
     </p:spTree>
     <p:extLst>
       <p:ext uri="{BB962C8B-B14F-4D97-AF65-F5344CB8AC3E}">
-        <p14:creationId xmlns="" xmlns:p14="http://schemas.microsoft.com/office/powerpoint/2010/main" val="1581260034"/>
+        <p14:creationId xmlns:p14="http://schemas.microsoft.com/office/powerpoint/2010/main" xmlns="" val="1581260034"/>
       </p:ext>
     </p:extLst>
   </p:cSld>
@@ -2410,7 +2419,7 @@
             <a:fld id="{7FCC5AE5-E495-4913-B643-A95A6AFABB00}" type="datetimeFigureOut">
               <a:rPr kumimoji="1" lang="ja-JP" altLang="en-US" smtClean="0"/>
               <a:pPr/>
-              <a:t>2022/7/21</a:t>
+              <a:t>2022/7/24</a:t>
             </a:fld>
             <a:endParaRPr kumimoji="1" lang="ja-JP" altLang="en-US"/>
           </a:p>
@@ -2462,7 +2471,7 @@
     </p:spTree>
     <p:extLst>
       <p:ext uri="{BB962C8B-B14F-4D97-AF65-F5344CB8AC3E}">
-        <p14:creationId xmlns="" xmlns:p14="http://schemas.microsoft.com/office/powerpoint/2010/main" val="2397771766"/>
+        <p14:creationId xmlns:p14="http://schemas.microsoft.com/office/powerpoint/2010/main" xmlns="" val="2397771766"/>
       </p:ext>
     </p:extLst>
   </p:cSld>
@@ -2625,7 +2634,7 @@
             <a:fld id="{7FCC5AE5-E495-4913-B643-A95A6AFABB00}" type="datetimeFigureOut">
               <a:rPr kumimoji="1" lang="ja-JP" altLang="en-US" smtClean="0"/>
               <a:pPr/>
-              <a:t>2022/7/21</a:t>
+              <a:t>2022/7/24</a:t>
             </a:fld>
             <a:endParaRPr kumimoji="1" lang="ja-JP" altLang="en-US"/>
           </a:p>
@@ -2715,7 +2724,7 @@
           <p:cNvPr id="7" name="TextBox 6">
             <a:extLst>
               <a:ext uri="{FF2B5EF4-FFF2-40B4-BE49-F238E27FC236}">
-                <a16:creationId xmlns="" xmlns:a16="http://schemas.microsoft.com/office/drawing/2014/main" id="{847969B0-9AAB-4EBF-AF99-17A470D83F03}"/>
+                <a16:creationId xmlns:a16="http://schemas.microsoft.com/office/drawing/2014/main" xmlns="" id="{847969B0-9AAB-4EBF-AF99-17A470D83F03}"/>
               </a:ext>
             </a:extLst>
           </p:cNvPr>
@@ -2762,7 +2771,7 @@
     </p:spTree>
     <p:extLst>
       <p:ext uri="{BB962C8B-B14F-4D97-AF65-F5344CB8AC3E}">
-        <p14:creationId xmlns="" xmlns:p14="http://schemas.microsoft.com/office/powerpoint/2010/main" val="492407304"/>
+        <p14:creationId xmlns:p14="http://schemas.microsoft.com/office/powerpoint/2010/main" xmlns="" val="492407304"/>
       </p:ext>
     </p:extLst>
   </p:cSld>
@@ -3186,7 +3195,7 @@
     </p:spTree>
     <p:extLst>
       <p:ext uri="{BB962C8B-B14F-4D97-AF65-F5344CB8AC3E}">
-        <p14:creationId xmlns="" xmlns:p14="http://schemas.microsoft.com/office/powerpoint/2010/main" val="4062787881"/>
+        <p14:creationId xmlns:p14="http://schemas.microsoft.com/office/powerpoint/2010/main" xmlns="" val="4062787881"/>
       </p:ext>
     </p:extLst>
   </p:cSld>
@@ -4244,7 +4253,7 @@
     </p:spTree>
     <p:extLst>
       <p:ext uri="{BB962C8B-B14F-4D97-AF65-F5344CB8AC3E}">
-        <p14:creationId xmlns="" xmlns:p14="http://schemas.microsoft.com/office/powerpoint/2010/main" val="2348806858"/>
+        <p14:creationId xmlns:p14="http://schemas.microsoft.com/office/powerpoint/2010/main" xmlns="" val="2348806858"/>
       </p:ext>
     </p:extLst>
   </p:cSld>
@@ -5186,7 +5195,7 @@
     </p:spTree>
     <p:extLst>
       <p:ext uri="{BB962C8B-B14F-4D97-AF65-F5344CB8AC3E}">
-        <p14:creationId xmlns="" xmlns:p14="http://schemas.microsoft.com/office/powerpoint/2010/main" val="1874104817"/>
+        <p14:creationId xmlns:p14="http://schemas.microsoft.com/office/powerpoint/2010/main" xmlns="" val="1874104817"/>
       </p:ext>
     </p:extLst>
   </p:cSld>
@@ -6333,7 +6342,7 @@
     </p:spTree>
     <p:extLst>
       <p:ext uri="{BB962C8B-B14F-4D97-AF65-F5344CB8AC3E}">
-        <p14:creationId xmlns="" xmlns:p14="http://schemas.microsoft.com/office/powerpoint/2010/main" val="2329377255"/>
+        <p14:creationId xmlns:p14="http://schemas.microsoft.com/office/powerpoint/2010/main" xmlns="" val="2329377255"/>
       </p:ext>
     </p:extLst>
   </p:cSld>
@@ -7149,7 +7158,7 @@
     </p:spTree>
     <p:extLst>
       <p:ext uri="{BB962C8B-B14F-4D97-AF65-F5344CB8AC3E}">
-        <p14:creationId xmlns="" xmlns:p14="http://schemas.microsoft.com/office/powerpoint/2010/main" val="1192523812"/>
+        <p14:creationId xmlns:p14="http://schemas.microsoft.com/office/powerpoint/2010/main" xmlns="" val="1192523812"/>
       </p:ext>
     </p:extLst>
   </p:cSld>
@@ -8003,7 +8012,7 @@
     </p:spTree>
     <p:extLst>
       <p:ext uri="{BB962C8B-B14F-4D97-AF65-F5344CB8AC3E}">
-        <p14:creationId xmlns="" xmlns:p14="http://schemas.microsoft.com/office/powerpoint/2010/main" val="1239172985"/>
+        <p14:creationId xmlns:p14="http://schemas.microsoft.com/office/powerpoint/2010/main" xmlns="" val="1239172985"/>
       </p:ext>
     </p:extLst>
   </p:cSld>
@@ -8770,7 +8779,7 @@
     </p:spTree>
     <p:extLst>
       <p:ext uri="{BB962C8B-B14F-4D97-AF65-F5344CB8AC3E}">
-        <p14:creationId xmlns="" xmlns:p14="http://schemas.microsoft.com/office/powerpoint/2010/main" val="2572437890"/>
+        <p14:creationId xmlns:p14="http://schemas.microsoft.com/office/powerpoint/2010/main" xmlns="" val="2572437890"/>
       </p:ext>
     </p:extLst>
   </p:cSld>
@@ -9154,7 +9163,7 @@
     </p:spTree>
     <p:extLst>
       <p:ext uri="{BB962C8B-B14F-4D97-AF65-F5344CB8AC3E}">
-        <p14:creationId xmlns="" xmlns:p14="http://schemas.microsoft.com/office/powerpoint/2010/main" val="1341943194"/>
+        <p14:creationId xmlns:p14="http://schemas.microsoft.com/office/powerpoint/2010/main" xmlns="" val="1341943194"/>
       </p:ext>
     </p:extLst>
   </p:cSld>
@@ -9172,91 +9181,6 @@
 </file>
 
 <file path=ppt/slides/slide17.xml><?xml version="1.0" encoding="utf-8"?>
-<p:sld xmlns:a="http://schemas.openxmlformats.org/drawingml/2006/main" xmlns:r="http://schemas.openxmlformats.org/officeDocument/2006/relationships" xmlns:p="http://schemas.openxmlformats.org/presentationml/2006/main">
-  <p:cSld>
-    <p:spTree>
-      <p:nvGrpSpPr>
-        <p:cNvPr id="1" name=""/>
-        <p:cNvGrpSpPr/>
-        <p:nvPr/>
-      </p:nvGrpSpPr>
-      <p:grpSpPr>
-        <a:xfrm>
-          <a:off x="0" y="0"/>
-          <a:ext cx="0" cy="0"/>
-          <a:chOff x="0" y="0"/>
-          <a:chExt cx="0" cy="0"/>
-        </a:xfrm>
-      </p:grpSpPr>
-      <p:sp>
-        <p:nvSpPr>
-          <p:cNvPr id="2" name="Title 1"/>
-          <p:cNvSpPr>
-            <a:spLocks noGrp="1"/>
-          </p:cNvSpPr>
-          <p:nvPr>
-            <p:ph type="title"/>
-          </p:nvPr>
-        </p:nvSpPr>
-        <p:spPr/>
-        <p:txBody>
-          <a:bodyPr>
-            <a:normAutofit/>
-          </a:bodyPr>
-          <a:lstStyle/>
-          <a:p>
-            <a:r>
-              <a:rPr lang="en-IN" dirty="0" smtClean="0"/>
-              <a:t>Continue and break statement</a:t>
-            </a:r>
-            <a:endParaRPr lang="en-US" dirty="0"/>
-          </a:p>
-        </p:txBody>
-      </p:sp>
-      <p:pic>
-        <p:nvPicPr>
-          <p:cNvPr id="37890" name="Picture 2"/>
-          <p:cNvPicPr>
-            <a:picLocks noGrp="1" noChangeAspect="1" noChangeArrowheads="1"/>
-          </p:cNvPicPr>
-          <p:nvPr>
-            <p:ph idx="1"/>
-          </p:nvPr>
-        </p:nvPicPr>
-        <p:blipFill>
-          <a:blip r:embed="rId2"/>
-          <a:srcRect/>
-          <a:stretch>
-            <a:fillRect/>
-          </a:stretch>
-        </p:blipFill>
-        <p:spPr bwMode="auto">
-          <a:xfrm>
-            <a:off x="666712" y="1785927"/>
-            <a:ext cx="9239315" cy="4429155"/>
-          </a:xfrm>
-          <a:prstGeom prst="rect">
-            <a:avLst/>
-          </a:prstGeom>
-          <a:noFill/>
-          <a:ln w="9525">
-            <a:noFill/>
-            <a:miter lim="800000"/>
-            <a:headEnd/>
-            <a:tailEnd/>
-          </a:ln>
-          <a:effectLst/>
-        </p:spPr>
-      </p:pic>
-    </p:spTree>
-  </p:cSld>
-  <p:clrMapOvr>
-    <a:masterClrMapping/>
-  </p:clrMapOvr>
-</p:sld>
-</file>
-
-<file path=ppt/slides/slide18.xml><?xml version="1.0" encoding="utf-8"?>
 <p:sld xmlns:a="http://schemas.openxmlformats.org/drawingml/2006/main" xmlns:r="http://schemas.openxmlformats.org/officeDocument/2006/relationships" xmlns:p="http://schemas.openxmlformats.org/presentationml/2006/main">
   <p:cSld>
     <p:spTree>
@@ -9860,7 +9784,7 @@
     </p:spTree>
     <p:extLst>
       <p:ext uri="{BB962C8B-B14F-4D97-AF65-F5344CB8AC3E}">
-        <p14:creationId xmlns="" xmlns:p14="http://schemas.microsoft.com/office/powerpoint/2010/main" val="1938830310"/>
+        <p14:creationId xmlns:p14="http://schemas.microsoft.com/office/powerpoint/2010/main" xmlns="" val="1938830310"/>
       </p:ext>
     </p:extLst>
   </p:cSld>
@@ -9874,6 +9798,91 @@
       </p:par>
     </p:tnLst>
   </p:timing>
+</p:sld>
+</file>
+
+<file path=ppt/slides/slide18.xml><?xml version="1.0" encoding="utf-8"?>
+<p:sld xmlns:a="http://schemas.openxmlformats.org/drawingml/2006/main" xmlns:r="http://schemas.openxmlformats.org/officeDocument/2006/relationships" xmlns:p="http://schemas.openxmlformats.org/presentationml/2006/main">
+  <p:cSld>
+    <p:spTree>
+      <p:nvGrpSpPr>
+        <p:cNvPr id="1" name=""/>
+        <p:cNvGrpSpPr/>
+        <p:nvPr/>
+      </p:nvGrpSpPr>
+      <p:grpSpPr>
+        <a:xfrm>
+          <a:off x="0" y="0"/>
+          <a:ext cx="0" cy="0"/>
+          <a:chOff x="0" y="0"/>
+          <a:chExt cx="0" cy="0"/>
+        </a:xfrm>
+      </p:grpSpPr>
+      <p:sp>
+        <p:nvSpPr>
+          <p:cNvPr id="2" name="Title 1"/>
+          <p:cNvSpPr>
+            <a:spLocks noGrp="1"/>
+          </p:cNvSpPr>
+          <p:nvPr>
+            <p:ph type="title"/>
+          </p:nvPr>
+        </p:nvSpPr>
+        <p:spPr/>
+        <p:txBody>
+          <a:bodyPr>
+            <a:normAutofit/>
+          </a:bodyPr>
+          <a:lstStyle/>
+          <a:p>
+            <a:r>
+              <a:rPr lang="en-IN" dirty="0" smtClean="0"/>
+              <a:t>Continue and break statement</a:t>
+            </a:r>
+            <a:endParaRPr lang="en-US" dirty="0"/>
+          </a:p>
+        </p:txBody>
+      </p:sp>
+      <p:pic>
+        <p:nvPicPr>
+          <p:cNvPr id="37890" name="Picture 2"/>
+          <p:cNvPicPr>
+            <a:picLocks noGrp="1" noChangeAspect="1" noChangeArrowheads="1"/>
+          </p:cNvPicPr>
+          <p:nvPr>
+            <p:ph idx="1"/>
+          </p:nvPr>
+        </p:nvPicPr>
+        <p:blipFill>
+          <a:blip r:embed="rId2"/>
+          <a:srcRect/>
+          <a:stretch>
+            <a:fillRect/>
+          </a:stretch>
+        </p:blipFill>
+        <p:spPr bwMode="auto">
+          <a:xfrm>
+            <a:off x="666712" y="1785927"/>
+            <a:ext cx="9239315" cy="4429155"/>
+          </a:xfrm>
+          <a:prstGeom prst="rect">
+            <a:avLst/>
+          </a:prstGeom>
+          <a:noFill/>
+          <a:ln w="9525">
+            <a:noFill/>
+            <a:miter lim="800000"/>
+            <a:headEnd/>
+            <a:tailEnd/>
+          </a:ln>
+          <a:effectLst/>
+        </p:spPr>
+      </p:pic>
+    </p:spTree>
+  </p:cSld>
+  <p:clrMapOvr>
+    <a:masterClrMapping/>
+  </p:clrMapOvr>
 </p:sld>
 </file>
 
@@ -9896,628 +9905,67 @@
       </p:grpSpPr>
       <p:sp>
         <p:nvSpPr>
-          <p:cNvPr id="4" name="Content Placeholder 13"/>
-          <p:cNvSpPr txBox="1">
-            <a:spLocks/>
+          <p:cNvPr id="2" name="Title 1"/>
+          <p:cNvSpPr>
+            <a:spLocks noGrp="1"/>
           </p:cNvSpPr>
-          <p:nvPr/>
-        </p:nvSpPr>
-        <p:spPr>
+          <p:nvPr>
+            <p:ph type="title"/>
+          </p:nvPr>
+        </p:nvSpPr>
+        <p:spPr/>
+        <p:txBody>
+          <a:bodyPr/>
+          <a:lstStyle/>
+          <a:p>
+            <a:r>
+              <a:rPr lang="en-US" dirty="0" smtClean="0"/>
+              <a:t>While Loop</a:t>
+            </a:r>
+            <a:endParaRPr lang="en-US" dirty="0"/>
+          </a:p>
+        </p:txBody>
+      </p:sp>
+      <p:pic>
+        <p:nvPicPr>
+          <p:cNvPr id="1027" name="Picture 3"/>
+          <p:cNvPicPr>
+            <a:picLocks noGrp="1" noChangeAspect="1" noChangeArrowheads="1"/>
+          </p:cNvPicPr>
+          <p:nvPr>
+            <p:ph idx="1"/>
+          </p:nvPr>
+        </p:nvPicPr>
+        <p:blipFill>
+          <a:blip r:embed="rId2"/>
+          <a:srcRect/>
+          <a:stretch>
+            <a:fillRect/>
+          </a:stretch>
+        </p:blipFill>
+        <p:spPr bwMode="auto">
           <a:xfrm>
-            <a:off x="256350" y="19305"/>
-            <a:ext cx="9791700" cy="630192"/>
+            <a:off x="2272938" y="1708060"/>
+            <a:ext cx="7889966" cy="4351338"/>
           </a:xfrm>
           <a:prstGeom prst="rect">
             <a:avLst/>
           </a:prstGeom>
-        </p:spPr>
-        <p:txBody>
-          <a:bodyPr vert="horz" lIns="91440" tIns="45720" rIns="91440" bIns="45720" rtlCol="0">
-            <a:noAutofit/>
-          </a:bodyPr>
-          <a:lstStyle>
-            <a:lvl1pPr marL="0" indent="0" algn="ctr" defTabSz="914400" rtl="0" eaLnBrk="1" latinLnBrk="0" hangingPunct="1">
-              <a:lnSpc>
-                <a:spcPct val="90000"/>
-              </a:lnSpc>
-              <a:spcBef>
-                <a:spcPts val="1000"/>
-              </a:spcBef>
-              <a:buFont typeface="Arial" panose="020B0604020202020204" pitchFamily="34" charset="0"/>
-              <a:buNone/>
-              <a:defRPr kumimoji="1" sz="2400" kern="1200">
-                <a:solidFill>
-                  <a:schemeClr val="tx1"/>
-                </a:solidFill>
-                <a:latin typeface="+mn-lt"/>
-                <a:ea typeface="+mn-ea"/>
-                <a:cs typeface="+mn-cs"/>
-              </a:defRPr>
-            </a:lvl1pPr>
-            <a:lvl2pPr marL="457200" indent="0" algn="ctr" defTabSz="914400" rtl="0" eaLnBrk="1" latinLnBrk="0" hangingPunct="1">
-              <a:lnSpc>
-                <a:spcPct val="90000"/>
-              </a:lnSpc>
-              <a:spcBef>
-                <a:spcPts val="500"/>
-              </a:spcBef>
-              <a:buFont typeface="Arial" panose="020B0604020202020204" pitchFamily="34" charset="0"/>
-              <a:buNone/>
-              <a:defRPr kumimoji="1" sz="2000" kern="1200">
-                <a:solidFill>
-                  <a:schemeClr val="tx1"/>
-                </a:solidFill>
-                <a:latin typeface="+mn-lt"/>
-                <a:ea typeface="+mn-ea"/>
-                <a:cs typeface="+mn-cs"/>
-              </a:defRPr>
-            </a:lvl2pPr>
-            <a:lvl3pPr marL="914400" indent="0" algn="ctr" defTabSz="914400" rtl="0" eaLnBrk="1" latinLnBrk="0" hangingPunct="1">
-              <a:lnSpc>
-                <a:spcPct val="90000"/>
-              </a:lnSpc>
-              <a:spcBef>
-                <a:spcPts val="500"/>
-              </a:spcBef>
-              <a:buFont typeface="Arial" panose="020B0604020202020204" pitchFamily="34" charset="0"/>
-              <a:buNone/>
-              <a:defRPr kumimoji="1" sz="1800" kern="1200">
-                <a:solidFill>
-                  <a:schemeClr val="tx1"/>
-                </a:solidFill>
-                <a:latin typeface="+mn-lt"/>
-                <a:ea typeface="+mn-ea"/>
-                <a:cs typeface="+mn-cs"/>
-              </a:defRPr>
-            </a:lvl3pPr>
-            <a:lvl4pPr marL="1371600" indent="0" algn="ctr" defTabSz="914400" rtl="0" eaLnBrk="1" latinLnBrk="0" hangingPunct="1">
-              <a:lnSpc>
-                <a:spcPct val="90000"/>
-              </a:lnSpc>
-              <a:spcBef>
-                <a:spcPts val="500"/>
-              </a:spcBef>
-              <a:buFont typeface="Arial" panose="020B0604020202020204" pitchFamily="34" charset="0"/>
-              <a:buNone/>
-              <a:defRPr kumimoji="1" sz="1600" kern="1200">
-                <a:solidFill>
-                  <a:schemeClr val="tx1"/>
-                </a:solidFill>
-                <a:latin typeface="+mn-lt"/>
-                <a:ea typeface="+mn-ea"/>
-                <a:cs typeface="+mn-cs"/>
-              </a:defRPr>
-            </a:lvl4pPr>
-            <a:lvl5pPr marL="1828800" indent="0" algn="ctr" defTabSz="914400" rtl="0" eaLnBrk="1" latinLnBrk="0" hangingPunct="1">
-              <a:lnSpc>
-                <a:spcPct val="90000"/>
-              </a:lnSpc>
-              <a:spcBef>
-                <a:spcPts val="500"/>
-              </a:spcBef>
-              <a:buFont typeface="Arial" panose="020B0604020202020204" pitchFamily="34" charset="0"/>
-              <a:buNone/>
-              <a:defRPr kumimoji="1" sz="1600" kern="1200">
-                <a:solidFill>
-                  <a:schemeClr val="tx1"/>
-                </a:solidFill>
-                <a:latin typeface="+mn-lt"/>
-                <a:ea typeface="+mn-ea"/>
-                <a:cs typeface="+mn-cs"/>
-              </a:defRPr>
-            </a:lvl5pPr>
-            <a:lvl6pPr marL="2286000" indent="0" algn="ctr" defTabSz="914400" rtl="0" eaLnBrk="1" latinLnBrk="0" hangingPunct="1">
-              <a:lnSpc>
-                <a:spcPct val="90000"/>
-              </a:lnSpc>
-              <a:spcBef>
-                <a:spcPts val="500"/>
-              </a:spcBef>
-              <a:buFont typeface="Arial" panose="020B0604020202020204" pitchFamily="34" charset="0"/>
-              <a:buNone/>
-              <a:defRPr kumimoji="1" sz="1600" kern="1200">
-                <a:solidFill>
-                  <a:schemeClr val="tx1"/>
-                </a:solidFill>
-                <a:latin typeface="+mn-lt"/>
-                <a:ea typeface="+mn-ea"/>
-                <a:cs typeface="+mn-cs"/>
-              </a:defRPr>
-            </a:lvl6pPr>
-            <a:lvl7pPr marL="2743200" indent="0" algn="ctr" defTabSz="914400" rtl="0" eaLnBrk="1" latinLnBrk="0" hangingPunct="1">
-              <a:lnSpc>
-                <a:spcPct val="90000"/>
-              </a:lnSpc>
-              <a:spcBef>
-                <a:spcPts val="500"/>
-              </a:spcBef>
-              <a:buFont typeface="Arial" panose="020B0604020202020204" pitchFamily="34" charset="0"/>
-              <a:buNone/>
-              <a:defRPr kumimoji="1" sz="1600" kern="1200">
-                <a:solidFill>
-                  <a:schemeClr val="tx1"/>
-                </a:solidFill>
-                <a:latin typeface="+mn-lt"/>
-                <a:ea typeface="+mn-ea"/>
-                <a:cs typeface="+mn-cs"/>
-              </a:defRPr>
-            </a:lvl7pPr>
-            <a:lvl8pPr marL="3200400" indent="0" algn="ctr" defTabSz="914400" rtl="0" eaLnBrk="1" latinLnBrk="0" hangingPunct="1">
-              <a:lnSpc>
-                <a:spcPct val="90000"/>
-              </a:lnSpc>
-              <a:spcBef>
-                <a:spcPts val="500"/>
-              </a:spcBef>
-              <a:buFont typeface="Arial" panose="020B0604020202020204" pitchFamily="34" charset="0"/>
-              <a:buNone/>
-              <a:defRPr kumimoji="1" sz="1600" kern="1200">
-                <a:solidFill>
-                  <a:schemeClr val="tx1"/>
-                </a:solidFill>
-                <a:latin typeface="+mn-lt"/>
-                <a:ea typeface="+mn-ea"/>
-                <a:cs typeface="+mn-cs"/>
-              </a:defRPr>
-            </a:lvl8pPr>
-            <a:lvl9pPr marL="3657600" indent="0" algn="ctr" defTabSz="914400" rtl="0" eaLnBrk="1" latinLnBrk="0" hangingPunct="1">
-              <a:lnSpc>
-                <a:spcPct val="90000"/>
-              </a:lnSpc>
-              <a:spcBef>
-                <a:spcPts val="500"/>
-              </a:spcBef>
-              <a:buFont typeface="Arial" panose="020B0604020202020204" pitchFamily="34" charset="0"/>
-              <a:buNone/>
-              <a:defRPr kumimoji="1" sz="1600" kern="1200">
-                <a:solidFill>
-                  <a:schemeClr val="tx1"/>
-                </a:solidFill>
-                <a:latin typeface="+mn-lt"/>
-                <a:ea typeface="+mn-ea"/>
-                <a:cs typeface="+mn-cs"/>
-              </a:defRPr>
-            </a:lvl9pPr>
-          </a:lstStyle>
-          <a:p>
-            <a:pPr algn="l"/>
-            <a:r>
-              <a:rPr lang="en-US" sz="3600" b="1" dirty="0" smtClean="0">
-                <a:solidFill>
-                  <a:srgbClr val="0064B5"/>
-                </a:solidFill>
-              </a:rPr>
-              <a:t>Object</a:t>
-            </a:r>
-            <a:endParaRPr lang="en-US" sz="3600" b="1" dirty="0">
-              <a:solidFill>
-                <a:srgbClr val="0064B5"/>
-              </a:solidFill>
-            </a:endParaRPr>
-          </a:p>
-        </p:txBody>
-      </p:sp>
-      <p:sp>
-        <p:nvSpPr>
-          <p:cNvPr id="11" name="Rectangle 10"/>
-          <p:cNvSpPr/>
-          <p:nvPr/>
-        </p:nvSpPr>
-        <p:spPr>
-          <a:xfrm>
-            <a:off x="261248" y="539309"/>
-            <a:ext cx="10228770" cy="369332"/>
-          </a:xfrm>
-          <a:prstGeom prst="rect">
-            <a:avLst/>
-          </a:prstGeom>
-        </p:spPr>
-        <p:txBody>
-          <a:bodyPr wrap="square">
-            <a:spAutoFit/>
-          </a:bodyPr>
-          <a:lstStyle/>
-          <a:p>
-            <a:r>
-              <a:rPr lang="en-US" dirty="0"/>
-              <a:t>JavaScript object is a non-primitive data-type that allows you to store multiple collections of data</a:t>
-            </a:r>
-            <a:endParaRPr lang="en-IN" b="1" u="sng" dirty="0"/>
-          </a:p>
-        </p:txBody>
-      </p:sp>
-      <p:sp>
-        <p:nvSpPr>
-          <p:cNvPr id="21" name="Rectangle 20"/>
-          <p:cNvSpPr/>
-          <p:nvPr/>
-        </p:nvSpPr>
-        <p:spPr>
-          <a:xfrm>
-            <a:off x="332279" y="985826"/>
-            <a:ext cx="4973685" cy="1463994"/>
-          </a:xfrm>
-          <a:prstGeom prst="rect">
-            <a:avLst/>
-          </a:prstGeom>
-          <a:gradFill flip="none" rotWithShape="1">
-            <a:gsLst>
-              <a:gs pos="0">
-                <a:schemeClr val="bg2"/>
-              </a:gs>
-              <a:gs pos="50000">
-                <a:schemeClr val="accent3">
-                  <a:lumMod val="20000"/>
-                  <a:lumOff val="80000"/>
-                  <a:shade val="67500"/>
-                  <a:satMod val="115000"/>
-                </a:schemeClr>
-              </a:gs>
-              <a:gs pos="100000">
-                <a:schemeClr val="accent3">
-                  <a:lumMod val="20000"/>
-                  <a:lumOff val="80000"/>
-                  <a:shade val="100000"/>
-                  <a:satMod val="115000"/>
-                </a:schemeClr>
-              </a:gs>
-            </a:gsLst>
-            <a:lin ang="6600000" scaled="0"/>
-            <a:tileRect/>
-          </a:gradFill>
-          <a:ln>
-            <a:solidFill>
-              <a:schemeClr val="tx1">
-                <a:lumMod val="50000"/>
-                <a:lumOff val="50000"/>
-              </a:schemeClr>
-            </a:solidFill>
+          <a:noFill/>
+          <a:ln w="9525">
+            <a:noFill/>
+            <a:miter lim="800000"/>
+            <a:headEnd/>
+            <a:tailEnd/>
           </a:ln>
-        </p:spPr>
-        <p:style>
-          <a:lnRef idx="2">
-            <a:schemeClr val="accent1">
-              <a:shade val="50000"/>
-            </a:schemeClr>
-          </a:lnRef>
-          <a:fillRef idx="1">
-            <a:schemeClr val="accent1"/>
-          </a:fillRef>
-          <a:effectRef idx="0">
-            <a:schemeClr val="accent1"/>
-          </a:effectRef>
-          <a:fontRef idx="minor">
-            <a:schemeClr val="lt1"/>
-          </a:fontRef>
-        </p:style>
-        <p:txBody>
-          <a:bodyPr rtlCol="0" anchor="ctr"/>
-          <a:lstStyle/>
-          <a:p>
-            <a:r>
-              <a:rPr lang="en-US" sz="1500" b="1" u="sng" dirty="0" smtClean="0">
-                <a:solidFill>
-                  <a:schemeClr val="tx1"/>
-                </a:solidFill>
-              </a:rPr>
-              <a:t>Syntax:</a:t>
-            </a:r>
-          </a:p>
-          <a:p>
-            <a:r>
-              <a:rPr lang="en-US" sz="1500" dirty="0" err="1">
-                <a:solidFill>
-                  <a:schemeClr val="tx1"/>
-                </a:solidFill>
-              </a:rPr>
-              <a:t>const</a:t>
-            </a:r>
-            <a:r>
-              <a:rPr lang="en-US" sz="1500" dirty="0">
-                <a:solidFill>
-                  <a:schemeClr val="tx1"/>
-                </a:solidFill>
-              </a:rPr>
-              <a:t> </a:t>
-            </a:r>
-            <a:r>
-              <a:rPr lang="en-US" sz="1500" dirty="0" err="1">
-                <a:solidFill>
-                  <a:schemeClr val="tx1"/>
-                </a:solidFill>
-              </a:rPr>
-              <a:t>object_name</a:t>
-            </a:r>
-            <a:r>
-              <a:rPr lang="en-US" sz="1500" dirty="0">
-                <a:solidFill>
-                  <a:schemeClr val="tx1"/>
-                </a:solidFill>
-              </a:rPr>
-              <a:t> = {</a:t>
-            </a:r>
-          </a:p>
-          <a:p>
-            <a:r>
-              <a:rPr lang="en-US" sz="1500" dirty="0">
-                <a:solidFill>
-                  <a:schemeClr val="tx1"/>
-                </a:solidFill>
-              </a:rPr>
-              <a:t>   key1: value1,</a:t>
-            </a:r>
-          </a:p>
-          <a:p>
-            <a:r>
-              <a:rPr lang="en-US" sz="1500" dirty="0">
-                <a:solidFill>
-                  <a:schemeClr val="tx1"/>
-                </a:solidFill>
-              </a:rPr>
-              <a:t>   key2: value2</a:t>
-            </a:r>
-          </a:p>
-          <a:p>
-            <a:r>
-              <a:rPr lang="en-US" sz="1500" dirty="0" smtClean="0">
-                <a:solidFill>
-                  <a:schemeClr val="tx1"/>
-                </a:solidFill>
-              </a:rPr>
-              <a:t>}</a:t>
-            </a:r>
-            <a:endParaRPr lang="en-US" sz="1500" b="1" u="sng" dirty="0">
-              <a:solidFill>
-                <a:schemeClr val="tx1"/>
-              </a:solidFill>
-            </a:endParaRPr>
-          </a:p>
-        </p:txBody>
-      </p:sp>
-      <p:sp>
-        <p:nvSpPr>
-          <p:cNvPr id="17" name="Rectangle 16"/>
-          <p:cNvSpPr/>
-          <p:nvPr/>
-        </p:nvSpPr>
-        <p:spPr>
-          <a:xfrm>
-            <a:off x="332278" y="3220010"/>
-            <a:ext cx="4973685" cy="1559022"/>
-          </a:xfrm>
-          <a:prstGeom prst="rect">
-            <a:avLst/>
-          </a:prstGeom>
-          <a:gradFill flip="none" rotWithShape="1">
-            <a:gsLst>
-              <a:gs pos="0">
-                <a:schemeClr val="bg2"/>
-              </a:gs>
-              <a:gs pos="50000">
-                <a:schemeClr val="accent3">
-                  <a:lumMod val="20000"/>
-                  <a:lumOff val="80000"/>
-                  <a:shade val="67500"/>
-                  <a:satMod val="115000"/>
-                </a:schemeClr>
-              </a:gs>
-              <a:gs pos="100000">
-                <a:schemeClr val="accent3">
-                  <a:lumMod val="20000"/>
-                  <a:lumOff val="80000"/>
-                  <a:shade val="100000"/>
-                  <a:satMod val="115000"/>
-                </a:schemeClr>
-              </a:gs>
-            </a:gsLst>
-            <a:lin ang="6600000" scaled="0"/>
-            <a:tileRect/>
-          </a:gradFill>
-          <a:ln>
-            <a:solidFill>
-              <a:schemeClr val="tx1">
-                <a:lumMod val="50000"/>
-                <a:lumOff val="50000"/>
-              </a:schemeClr>
-            </a:solidFill>
-          </a:ln>
-        </p:spPr>
-        <p:style>
-          <a:lnRef idx="2">
-            <a:schemeClr val="accent1">
-              <a:shade val="50000"/>
-            </a:schemeClr>
-          </a:lnRef>
-          <a:fillRef idx="1">
-            <a:schemeClr val="accent1"/>
-          </a:fillRef>
-          <a:effectRef idx="0">
-            <a:schemeClr val="accent1"/>
-          </a:effectRef>
-          <a:fontRef idx="minor">
-            <a:schemeClr val="lt1"/>
-          </a:fontRef>
-        </p:style>
-        <p:txBody>
-          <a:bodyPr rtlCol="0" anchor="ctr"/>
-          <a:lstStyle/>
-          <a:p>
-            <a:r>
-              <a:rPr lang="en-US" sz="1500" dirty="0">
-                <a:solidFill>
-                  <a:schemeClr val="tx1"/>
-                </a:solidFill>
-              </a:rPr>
-              <a:t>// object creation</a:t>
-            </a:r>
-          </a:p>
-          <a:p>
-            <a:r>
-              <a:rPr lang="en-US" sz="1500" dirty="0" smtClean="0">
-                <a:solidFill>
-                  <a:schemeClr val="tx1"/>
-                </a:solidFill>
-              </a:rPr>
-              <a:t>let </a:t>
-            </a:r>
-            <a:r>
-              <a:rPr lang="en-US" sz="1500" dirty="0">
-                <a:solidFill>
-                  <a:schemeClr val="tx1"/>
-                </a:solidFill>
-              </a:rPr>
-              <a:t>person = { </a:t>
-            </a:r>
-          </a:p>
-          <a:p>
-            <a:r>
-              <a:rPr lang="en-US" sz="1500" dirty="0">
-                <a:solidFill>
-                  <a:schemeClr val="tx1"/>
-                </a:solidFill>
-              </a:rPr>
-              <a:t>    name: </a:t>
-            </a:r>
-            <a:r>
-              <a:rPr lang="en-US" sz="1500" dirty="0" smtClean="0">
-                <a:solidFill>
-                  <a:schemeClr val="tx1"/>
-                </a:solidFill>
-              </a:rPr>
-              <a:t>'John',</a:t>
-            </a:r>
-            <a:endParaRPr lang="en-US" sz="1500" dirty="0">
-              <a:solidFill>
-                <a:schemeClr val="tx1"/>
-              </a:solidFill>
-            </a:endParaRPr>
-          </a:p>
-          <a:p>
-            <a:r>
-              <a:rPr lang="en-US" sz="1500" dirty="0">
-                <a:solidFill>
-                  <a:schemeClr val="tx1"/>
-                </a:solidFill>
-              </a:rPr>
-              <a:t>    age: 20</a:t>
-            </a:r>
-          </a:p>
-          <a:p>
-            <a:r>
-              <a:rPr lang="en-US" sz="1500" dirty="0">
-                <a:solidFill>
-                  <a:schemeClr val="tx1"/>
-                </a:solidFill>
-              </a:rPr>
-              <a:t>};</a:t>
-            </a:r>
-          </a:p>
-          <a:p>
-            <a:r>
-              <a:rPr lang="en-US" sz="1500" dirty="0">
-                <a:solidFill>
-                  <a:schemeClr val="tx1"/>
-                </a:solidFill>
-              </a:rPr>
-              <a:t>console.log(</a:t>
-            </a:r>
-            <a:r>
-              <a:rPr lang="en-US" sz="1500" dirty="0" err="1">
-                <a:solidFill>
-                  <a:schemeClr val="tx1"/>
-                </a:solidFill>
-              </a:rPr>
-              <a:t>typeof</a:t>
-            </a:r>
-            <a:r>
-              <a:rPr lang="en-US" sz="1500" dirty="0">
-                <a:solidFill>
-                  <a:schemeClr val="tx1"/>
-                </a:solidFill>
-              </a:rPr>
-              <a:t> person); // object</a:t>
-            </a:r>
-          </a:p>
-        </p:txBody>
-      </p:sp>
-      <p:pic>
-        <p:nvPicPr>
-          <p:cNvPr id="7" name="Picture 6"/>
-          <p:cNvPicPr>
-            <a:picLocks noChangeAspect="1"/>
-          </p:cNvPicPr>
-          <p:nvPr/>
-        </p:nvPicPr>
-        <p:blipFill>
-          <a:blip r:embed="rId2"/>
-          <a:stretch>
-            <a:fillRect/>
-          </a:stretch>
-        </p:blipFill>
-        <p:spPr>
-          <a:xfrm>
-            <a:off x="6156960" y="1100603"/>
-            <a:ext cx="4876800" cy="1295400"/>
-          </a:xfrm>
-          <a:prstGeom prst="rect">
-            <a:avLst/>
-          </a:prstGeom>
+          <a:effectLst/>
         </p:spPr>
       </p:pic>
-      <p:sp>
-        <p:nvSpPr>
-          <p:cNvPr id="2" name="Rectangle 1"/>
-          <p:cNvSpPr/>
-          <p:nvPr/>
-        </p:nvSpPr>
-        <p:spPr>
-          <a:xfrm>
-            <a:off x="6156960" y="3220010"/>
-            <a:ext cx="4208203" cy="369332"/>
-          </a:xfrm>
-          <a:prstGeom prst="rect">
-            <a:avLst/>
-          </a:prstGeom>
-        </p:spPr>
-        <p:txBody>
-          <a:bodyPr wrap="none">
-            <a:spAutoFit/>
-          </a:bodyPr>
-          <a:lstStyle/>
-          <a:p>
-            <a:r>
-              <a:rPr lang="en-US" dirty="0">
-                <a:latin typeface="euclid_circular_a"/>
-              </a:rPr>
-              <a:t>"key: value" pairs are called </a:t>
-            </a:r>
-            <a:r>
-              <a:rPr lang="en-US" b="1" dirty="0">
-                <a:latin typeface="euclid_circular_a"/>
-              </a:rPr>
-              <a:t>properties</a:t>
-            </a:r>
-            <a:endParaRPr lang="en-IN" dirty="0"/>
-          </a:p>
-        </p:txBody>
-      </p:sp>
     </p:spTree>
-    <p:extLst>
-      <p:ext uri="{BB962C8B-B14F-4D97-AF65-F5344CB8AC3E}">
-        <p14:creationId xmlns="" xmlns:p14="http://schemas.microsoft.com/office/powerpoint/2010/main" val="1954856189"/>
-      </p:ext>
-    </p:extLst>
   </p:cSld>
   <p:clrMapOvr>
     <a:masterClrMapping/>
   </p:clrMapOvr>
-  <p:timing>
-    <p:tnLst>
-      <p:par>
-        <p:cTn id="1" dur="indefinite" restart="never" nodeType="tmRoot"/>
-      </p:par>
-    </p:tnLst>
-  </p:timing>
 </p:sld>
 </file>
 
@@ -10637,6 +10085,1348 @@
           <a:lstStyle/>
           <a:p>
             <a:r>
+              <a:rPr lang="en-US" dirty="0" smtClean="0"/>
+              <a:t>Do While Loop </a:t>
+            </a:r>
+            <a:endParaRPr lang="en-US" dirty="0"/>
+          </a:p>
+        </p:txBody>
+      </p:sp>
+      <p:pic>
+        <p:nvPicPr>
+          <p:cNvPr id="7170" name="Picture 2"/>
+          <p:cNvPicPr>
+            <a:picLocks noGrp="1" noChangeAspect="1" noChangeArrowheads="1"/>
+          </p:cNvPicPr>
+          <p:nvPr>
+            <p:ph idx="1"/>
+          </p:nvPr>
+        </p:nvPicPr>
+        <p:blipFill>
+          <a:blip r:embed="rId2"/>
+          <a:srcRect/>
+          <a:stretch>
+            <a:fillRect/>
+          </a:stretch>
+        </p:blipFill>
+        <p:spPr bwMode="auto">
+          <a:xfrm>
+            <a:off x="2286001" y="1520711"/>
+            <a:ext cx="7458891" cy="5062969"/>
+          </a:xfrm>
+          <a:prstGeom prst="rect">
+            <a:avLst/>
+          </a:prstGeom>
+          <a:noFill/>
+          <a:ln w="9525">
+            <a:noFill/>
+            <a:miter lim="800000"/>
+            <a:headEnd/>
+            <a:tailEnd/>
+          </a:ln>
+          <a:effectLst/>
+        </p:spPr>
+      </p:pic>
+    </p:spTree>
+  </p:cSld>
+  <p:clrMapOvr>
+    <a:masterClrMapping/>
+  </p:clrMapOvr>
+</p:sld>
+</file>
+
+<file path=ppt/slides/slide21.xml><?xml version="1.0" encoding="utf-8"?>
+<p:sld xmlns:a="http://schemas.openxmlformats.org/drawingml/2006/main" xmlns:r="http://schemas.openxmlformats.org/officeDocument/2006/relationships" xmlns:p="http://schemas.openxmlformats.org/presentationml/2006/main">
+  <p:cSld>
+    <p:spTree>
+      <p:nvGrpSpPr>
+        <p:cNvPr id="1" name=""/>
+        <p:cNvGrpSpPr/>
+        <p:nvPr/>
+      </p:nvGrpSpPr>
+      <p:grpSpPr>
+        <a:xfrm>
+          <a:off x="0" y="0"/>
+          <a:ext cx="0" cy="0"/>
+          <a:chOff x="0" y="0"/>
+          <a:chExt cx="0" cy="0"/>
+        </a:xfrm>
+      </p:grpSpPr>
+      <p:sp>
+        <p:nvSpPr>
+          <p:cNvPr id="2" name="Title 1"/>
+          <p:cNvSpPr>
+            <a:spLocks noGrp="1"/>
+          </p:cNvSpPr>
+          <p:nvPr>
+            <p:ph type="title"/>
+          </p:nvPr>
+        </p:nvSpPr>
+        <p:spPr/>
+        <p:txBody>
+          <a:bodyPr/>
+          <a:lstStyle/>
+          <a:p>
+            <a:r>
+              <a:rPr lang="en-US" dirty="0" smtClean="0"/>
+              <a:t>Other Loops</a:t>
+            </a:r>
+            <a:endParaRPr lang="en-US" dirty="0"/>
+          </a:p>
+        </p:txBody>
+      </p:sp>
+      <p:pic>
+        <p:nvPicPr>
+          <p:cNvPr id="2050" name="Picture 2"/>
+          <p:cNvPicPr>
+            <a:picLocks noGrp="1" noChangeAspect="1" noChangeArrowheads="1"/>
+          </p:cNvPicPr>
+          <p:nvPr>
+            <p:ph idx="1"/>
+          </p:nvPr>
+        </p:nvPicPr>
+        <p:blipFill>
+          <a:blip r:embed="rId2"/>
+          <a:srcRect/>
+          <a:stretch>
+            <a:fillRect/>
+          </a:stretch>
+        </p:blipFill>
+        <p:spPr bwMode="auto">
+          <a:xfrm>
+            <a:off x="1714636" y="1581672"/>
+            <a:ext cx="8565833" cy="4701562"/>
+          </a:xfrm>
+          <a:prstGeom prst="rect">
+            <a:avLst/>
+          </a:prstGeom>
+          <a:noFill/>
+          <a:ln w="9525">
+            <a:noFill/>
+            <a:miter lim="800000"/>
+            <a:headEnd/>
+            <a:tailEnd/>
+          </a:ln>
+          <a:effectLst/>
+        </p:spPr>
+      </p:pic>
+    </p:spTree>
+  </p:cSld>
+  <p:clrMapOvr>
+    <a:masterClrMapping/>
+  </p:clrMapOvr>
+</p:sld>
+</file>
+
+<file path=ppt/slides/slide22.xml><?xml version="1.0" encoding="utf-8"?>
+<p:sld xmlns:a="http://schemas.openxmlformats.org/drawingml/2006/main" xmlns:r="http://schemas.openxmlformats.org/officeDocument/2006/relationships" xmlns:p="http://schemas.openxmlformats.org/presentationml/2006/main">
+  <p:cSld>
+    <p:spTree>
+      <p:nvGrpSpPr>
+        <p:cNvPr id="1" name=""/>
+        <p:cNvGrpSpPr/>
+        <p:nvPr/>
+      </p:nvGrpSpPr>
+      <p:grpSpPr>
+        <a:xfrm>
+          <a:off x="0" y="0"/>
+          <a:ext cx="0" cy="0"/>
+          <a:chOff x="0" y="0"/>
+          <a:chExt cx="0" cy="0"/>
+        </a:xfrm>
+      </p:grpSpPr>
+      <p:sp>
+        <p:nvSpPr>
+          <p:cNvPr id="2" name="Title 1"/>
+          <p:cNvSpPr>
+            <a:spLocks noGrp="1"/>
+          </p:cNvSpPr>
+          <p:nvPr>
+            <p:ph type="title"/>
+          </p:nvPr>
+        </p:nvSpPr>
+        <p:spPr/>
+        <p:txBody>
+          <a:bodyPr/>
+          <a:lstStyle/>
+          <a:p>
+            <a:r>
+              <a:rPr lang="en-US" dirty="0" smtClean="0"/>
+              <a:t>Other Loops</a:t>
+            </a:r>
+            <a:endParaRPr lang="en-US" dirty="0"/>
+          </a:p>
+        </p:txBody>
+      </p:sp>
+      <p:pic>
+        <p:nvPicPr>
+          <p:cNvPr id="3074" name="Picture 2"/>
+          <p:cNvPicPr>
+            <a:picLocks noGrp="1" noChangeAspect="1" noChangeArrowheads="1"/>
+          </p:cNvPicPr>
+          <p:nvPr>
+            <p:ph idx="1"/>
+          </p:nvPr>
+        </p:nvPicPr>
+        <p:blipFill>
+          <a:blip r:embed="rId2"/>
+          <a:srcRect/>
+          <a:stretch>
+            <a:fillRect/>
+          </a:stretch>
+        </p:blipFill>
+        <p:spPr bwMode="auto">
+          <a:xfrm>
+            <a:off x="947193" y="1384664"/>
+            <a:ext cx="10339116" cy="5225142"/>
+          </a:xfrm>
+          <a:prstGeom prst="rect">
+            <a:avLst/>
+          </a:prstGeom>
+          <a:noFill/>
+          <a:ln w="9525">
+            <a:noFill/>
+            <a:miter lim="800000"/>
+            <a:headEnd/>
+            <a:tailEnd/>
+          </a:ln>
+          <a:effectLst/>
+        </p:spPr>
+      </p:pic>
+    </p:spTree>
+  </p:cSld>
+  <p:clrMapOvr>
+    <a:masterClrMapping/>
+  </p:clrMapOvr>
+</p:sld>
+</file>
+
+<file path=ppt/slides/slide23.xml><?xml version="1.0" encoding="utf-8"?>
+<p:sld xmlns:a="http://schemas.openxmlformats.org/drawingml/2006/main" xmlns:r="http://schemas.openxmlformats.org/officeDocument/2006/relationships" xmlns:p="http://schemas.openxmlformats.org/presentationml/2006/main">
+  <p:cSld>
+    <p:spTree>
+      <p:nvGrpSpPr>
+        <p:cNvPr id="1" name=""/>
+        <p:cNvGrpSpPr/>
+        <p:nvPr/>
+      </p:nvGrpSpPr>
+      <p:grpSpPr>
+        <a:xfrm>
+          <a:off x="0" y="0"/>
+          <a:ext cx="0" cy="0"/>
+          <a:chOff x="0" y="0"/>
+          <a:chExt cx="0" cy="0"/>
+        </a:xfrm>
+      </p:grpSpPr>
+      <p:sp>
+        <p:nvSpPr>
+          <p:cNvPr id="2" name="Title 1"/>
+          <p:cNvSpPr>
+            <a:spLocks noGrp="1"/>
+          </p:cNvSpPr>
+          <p:nvPr>
+            <p:ph type="title"/>
+          </p:nvPr>
+        </p:nvSpPr>
+        <p:spPr/>
+        <p:txBody>
+          <a:bodyPr/>
+          <a:lstStyle/>
+          <a:p>
+            <a:r>
+              <a:rPr lang="en-US" dirty="0" smtClean="0"/>
+              <a:t>Other Loops</a:t>
+            </a:r>
+            <a:endParaRPr lang="en-US" dirty="0"/>
+          </a:p>
+        </p:txBody>
+      </p:sp>
+      <p:sp>
+        <p:nvSpPr>
+          <p:cNvPr id="4" name="Content Placeholder 3"/>
+          <p:cNvSpPr>
+            <a:spLocks noGrp="1"/>
+          </p:cNvSpPr>
+          <p:nvPr>
+            <p:ph idx="1"/>
+          </p:nvPr>
+        </p:nvSpPr>
+        <p:spPr/>
+        <p:txBody>
+          <a:bodyPr/>
+          <a:lstStyle/>
+          <a:p>
+            <a:endParaRPr lang="en-US"/>
+          </a:p>
+        </p:txBody>
+      </p:sp>
+      <p:pic>
+        <p:nvPicPr>
+          <p:cNvPr id="4098" name="Picture 2"/>
+          <p:cNvPicPr>
+            <a:picLocks noChangeAspect="1" noChangeArrowheads="1"/>
+          </p:cNvPicPr>
+          <p:nvPr/>
+        </p:nvPicPr>
+        <p:blipFill>
+          <a:blip r:embed="rId2"/>
+          <a:srcRect/>
+          <a:stretch>
+            <a:fillRect/>
+          </a:stretch>
+        </p:blipFill>
+        <p:spPr bwMode="auto">
+          <a:xfrm>
+            <a:off x="2506300" y="1891394"/>
+            <a:ext cx="7225528" cy="4381500"/>
+          </a:xfrm>
+          <a:prstGeom prst="rect">
+            <a:avLst/>
+          </a:prstGeom>
+          <a:noFill/>
+          <a:ln w="9525">
+            <a:noFill/>
+            <a:miter lim="800000"/>
+            <a:headEnd/>
+            <a:tailEnd/>
+          </a:ln>
+          <a:effectLst/>
+        </p:spPr>
+      </p:pic>
+    </p:spTree>
+  </p:cSld>
+  <p:clrMapOvr>
+    <a:masterClrMapping/>
+  </p:clrMapOvr>
+</p:sld>
+</file>
+
+<file path=ppt/slides/slide24.xml><?xml version="1.0" encoding="utf-8"?>
+<p:sld xmlns:a="http://schemas.openxmlformats.org/drawingml/2006/main" xmlns:r="http://schemas.openxmlformats.org/officeDocument/2006/relationships" xmlns:p="http://schemas.openxmlformats.org/presentationml/2006/main">
+  <p:cSld>
+    <p:spTree>
+      <p:nvGrpSpPr>
+        <p:cNvPr id="1" name=""/>
+        <p:cNvGrpSpPr/>
+        <p:nvPr/>
+      </p:nvGrpSpPr>
+      <p:grpSpPr>
+        <a:xfrm>
+          <a:off x="0" y="0"/>
+          <a:ext cx="0" cy="0"/>
+          <a:chOff x="0" y="0"/>
+          <a:chExt cx="0" cy="0"/>
+        </a:xfrm>
+      </p:grpSpPr>
+      <p:sp>
+        <p:nvSpPr>
+          <p:cNvPr id="2" name="Title 1"/>
+          <p:cNvSpPr>
+            <a:spLocks noGrp="1"/>
+          </p:cNvSpPr>
+          <p:nvPr>
+            <p:ph type="title"/>
+          </p:nvPr>
+        </p:nvSpPr>
+        <p:spPr/>
+        <p:txBody>
+          <a:bodyPr/>
+          <a:lstStyle/>
+          <a:p>
+            <a:r>
+              <a:rPr lang="en-US" dirty="0" smtClean="0"/>
+              <a:t>Other Loops</a:t>
+            </a:r>
+            <a:endParaRPr lang="en-US" dirty="0"/>
+          </a:p>
+        </p:txBody>
+      </p:sp>
+      <p:sp>
+        <p:nvSpPr>
+          <p:cNvPr id="4" name="Content Placeholder 3"/>
+          <p:cNvSpPr>
+            <a:spLocks noGrp="1"/>
+          </p:cNvSpPr>
+          <p:nvPr>
+            <p:ph idx="1"/>
+          </p:nvPr>
+        </p:nvSpPr>
+        <p:spPr/>
+        <p:txBody>
+          <a:bodyPr/>
+          <a:lstStyle/>
+          <a:p>
+            <a:endParaRPr lang="en-US"/>
+          </a:p>
+        </p:txBody>
+      </p:sp>
+      <p:pic>
+        <p:nvPicPr>
+          <p:cNvPr id="4098" name="Picture 2"/>
+          <p:cNvPicPr>
+            <a:picLocks noChangeAspect="1" noChangeArrowheads="1"/>
+          </p:cNvPicPr>
+          <p:nvPr/>
+        </p:nvPicPr>
+        <p:blipFill>
+          <a:blip r:embed="rId2"/>
+          <a:srcRect/>
+          <a:stretch>
+            <a:fillRect/>
+          </a:stretch>
+        </p:blipFill>
+        <p:spPr bwMode="auto">
+          <a:xfrm>
+            <a:off x="2506300" y="1891394"/>
+            <a:ext cx="7225528" cy="4381500"/>
+          </a:xfrm>
+          <a:prstGeom prst="rect">
+            <a:avLst/>
+          </a:prstGeom>
+          <a:noFill/>
+          <a:ln w="9525">
+            <a:noFill/>
+            <a:miter lim="800000"/>
+            <a:headEnd/>
+            <a:tailEnd/>
+          </a:ln>
+          <a:effectLst/>
+        </p:spPr>
+      </p:pic>
+    </p:spTree>
+  </p:cSld>
+  <p:clrMapOvr>
+    <a:masterClrMapping/>
+  </p:clrMapOvr>
+</p:sld>
+</file>
+
+<file path=ppt/slides/slide25.xml><?xml version="1.0" encoding="utf-8"?>
+<p:sld xmlns:a="http://schemas.openxmlformats.org/drawingml/2006/main" xmlns:r="http://schemas.openxmlformats.org/officeDocument/2006/relationships" xmlns:p="http://schemas.openxmlformats.org/presentationml/2006/main">
+  <p:cSld>
+    <p:spTree>
+      <p:nvGrpSpPr>
+        <p:cNvPr id="1" name=""/>
+        <p:cNvGrpSpPr/>
+        <p:nvPr/>
+      </p:nvGrpSpPr>
+      <p:grpSpPr>
+        <a:xfrm>
+          <a:off x="0" y="0"/>
+          <a:ext cx="0" cy="0"/>
+          <a:chOff x="0" y="0"/>
+          <a:chExt cx="0" cy="0"/>
+        </a:xfrm>
+      </p:grpSpPr>
+      <p:sp>
+        <p:nvSpPr>
+          <p:cNvPr id="2" name="Title 1"/>
+          <p:cNvSpPr>
+            <a:spLocks noGrp="1"/>
+          </p:cNvSpPr>
+          <p:nvPr>
+            <p:ph type="title"/>
+          </p:nvPr>
+        </p:nvSpPr>
+        <p:spPr/>
+        <p:txBody>
+          <a:bodyPr/>
+          <a:lstStyle/>
+          <a:p>
+            <a:r>
+              <a:rPr lang="en-US" dirty="0" smtClean="0"/>
+              <a:t>Other Loops</a:t>
+            </a:r>
+            <a:endParaRPr lang="en-US" dirty="0"/>
+          </a:p>
+        </p:txBody>
+      </p:sp>
+      <p:pic>
+        <p:nvPicPr>
+          <p:cNvPr id="5122" name="Picture 2"/>
+          <p:cNvPicPr>
+            <a:picLocks noGrp="1" noChangeAspect="1" noChangeArrowheads="1"/>
+          </p:cNvPicPr>
+          <p:nvPr>
+            <p:ph idx="1"/>
+          </p:nvPr>
+        </p:nvPicPr>
+        <p:blipFill>
+          <a:blip r:embed="rId2"/>
+          <a:srcRect/>
+          <a:stretch>
+            <a:fillRect/>
+          </a:stretch>
+        </p:blipFill>
+        <p:spPr bwMode="auto">
+          <a:xfrm>
+            <a:off x="1384119" y="1817755"/>
+            <a:ext cx="9026978" cy="4314825"/>
+          </a:xfrm>
+          <a:prstGeom prst="rect">
+            <a:avLst/>
+          </a:prstGeom>
+          <a:noFill/>
+          <a:ln w="9525">
+            <a:noFill/>
+            <a:miter lim="800000"/>
+            <a:headEnd/>
+            <a:tailEnd/>
+          </a:ln>
+          <a:effectLst/>
+        </p:spPr>
+      </p:pic>
+    </p:spTree>
+  </p:cSld>
+  <p:clrMapOvr>
+    <a:masterClrMapping/>
+  </p:clrMapOvr>
+</p:sld>
+</file>
+
+<file path=ppt/slides/slide26.xml><?xml version="1.0" encoding="utf-8"?>
+<p:sld xmlns:a="http://schemas.openxmlformats.org/drawingml/2006/main" xmlns:r="http://schemas.openxmlformats.org/officeDocument/2006/relationships" xmlns:p="http://schemas.openxmlformats.org/presentationml/2006/main">
+  <p:cSld>
+    <p:spTree>
+      <p:nvGrpSpPr>
+        <p:cNvPr id="1" name=""/>
+        <p:cNvGrpSpPr/>
+        <p:nvPr/>
+      </p:nvGrpSpPr>
+      <p:grpSpPr>
+        <a:xfrm>
+          <a:off x="0" y="0"/>
+          <a:ext cx="0" cy="0"/>
+          <a:chOff x="0" y="0"/>
+          <a:chExt cx="0" cy="0"/>
+        </a:xfrm>
+      </p:grpSpPr>
+      <p:sp>
+        <p:nvSpPr>
+          <p:cNvPr id="2" name="Title 1"/>
+          <p:cNvSpPr>
+            <a:spLocks noGrp="1"/>
+          </p:cNvSpPr>
+          <p:nvPr>
+            <p:ph type="title"/>
+          </p:nvPr>
+        </p:nvSpPr>
+        <p:spPr/>
+        <p:txBody>
+          <a:bodyPr/>
+          <a:lstStyle/>
+          <a:p>
+            <a:r>
+              <a:rPr lang="en-US" dirty="0" smtClean="0"/>
+              <a:t>Other Loops</a:t>
+            </a:r>
+            <a:endParaRPr lang="en-US" dirty="0"/>
+          </a:p>
+        </p:txBody>
+      </p:sp>
+      <p:pic>
+        <p:nvPicPr>
+          <p:cNvPr id="6146" name="Picture 2"/>
+          <p:cNvPicPr>
+            <a:picLocks noGrp="1" noChangeAspect="1" noChangeArrowheads="1"/>
+          </p:cNvPicPr>
+          <p:nvPr>
+            <p:ph idx="1"/>
+          </p:nvPr>
+        </p:nvPicPr>
+        <p:blipFill>
+          <a:blip r:embed="rId2"/>
+          <a:srcRect/>
+          <a:stretch>
+            <a:fillRect/>
+          </a:stretch>
+        </p:blipFill>
+        <p:spPr bwMode="auto">
+          <a:xfrm>
+            <a:off x="1280160" y="1551736"/>
+            <a:ext cx="9535886" cy="4849064"/>
+          </a:xfrm>
+          <a:prstGeom prst="rect">
+            <a:avLst/>
+          </a:prstGeom>
+          <a:noFill/>
+          <a:ln w="9525">
+            <a:noFill/>
+            <a:miter lim="800000"/>
+            <a:headEnd/>
+            <a:tailEnd/>
+          </a:ln>
+          <a:effectLst/>
+        </p:spPr>
+      </p:pic>
+    </p:spTree>
+  </p:cSld>
+  <p:clrMapOvr>
+    <a:masterClrMapping/>
+  </p:clrMapOvr>
+</p:sld>
+</file>
+
+<file path=ppt/slides/slide27.xml><?xml version="1.0" encoding="utf-8"?>
+<p:sld xmlns:a="http://schemas.openxmlformats.org/drawingml/2006/main" xmlns:r="http://schemas.openxmlformats.org/officeDocument/2006/relationships" xmlns:p="http://schemas.openxmlformats.org/presentationml/2006/main">
+  <p:cSld>
+    <p:spTree>
+      <p:nvGrpSpPr>
+        <p:cNvPr id="1" name=""/>
+        <p:cNvGrpSpPr/>
+        <p:nvPr/>
+      </p:nvGrpSpPr>
+      <p:grpSpPr>
+        <a:xfrm>
+          <a:off x="0" y="0"/>
+          <a:ext cx="0" cy="0"/>
+          <a:chOff x="0" y="0"/>
+          <a:chExt cx="0" cy="0"/>
+        </a:xfrm>
+      </p:grpSpPr>
+      <p:sp>
+        <p:nvSpPr>
+          <p:cNvPr id="2" name="Title 1"/>
+          <p:cNvSpPr>
+            <a:spLocks noGrp="1"/>
+          </p:cNvSpPr>
+          <p:nvPr>
+            <p:ph type="title"/>
+          </p:nvPr>
+        </p:nvSpPr>
+        <p:spPr/>
+        <p:txBody>
+          <a:bodyPr/>
+          <a:lstStyle/>
+          <a:p>
+            <a:r>
+              <a:rPr lang="en-US" dirty="0" err="1" smtClean="0"/>
+              <a:t>Map,Filter,Reduce</a:t>
+            </a:r>
+            <a:endParaRPr lang="en-US" dirty="0"/>
+          </a:p>
+        </p:txBody>
+      </p:sp>
+      <p:pic>
+        <p:nvPicPr>
+          <p:cNvPr id="8194" name="Picture 2"/>
+          <p:cNvPicPr>
+            <a:picLocks noGrp="1" noChangeAspect="1" noChangeArrowheads="1"/>
+          </p:cNvPicPr>
+          <p:nvPr>
+            <p:ph idx="1"/>
+          </p:nvPr>
+        </p:nvPicPr>
+        <p:blipFill>
+          <a:blip r:embed="rId2"/>
+          <a:srcRect/>
+          <a:stretch>
+            <a:fillRect/>
+          </a:stretch>
+        </p:blipFill>
+        <p:spPr bwMode="auto">
+          <a:xfrm>
+            <a:off x="1070189" y="1525180"/>
+            <a:ext cx="10216119" cy="5058500"/>
+          </a:xfrm>
+          <a:prstGeom prst="rect">
+            <a:avLst/>
+          </a:prstGeom>
+          <a:noFill/>
+          <a:ln w="9525">
+            <a:noFill/>
+            <a:miter lim="800000"/>
+            <a:headEnd/>
+            <a:tailEnd/>
+          </a:ln>
+          <a:effectLst/>
+        </p:spPr>
+      </p:pic>
+    </p:spTree>
+  </p:cSld>
+  <p:clrMapOvr>
+    <a:masterClrMapping/>
+  </p:clrMapOvr>
+</p:sld>
+</file>
+
+<file path=ppt/slides/slide28.xml><?xml version="1.0" encoding="utf-8"?>
+<p:sld xmlns:a="http://schemas.openxmlformats.org/drawingml/2006/main" xmlns:r="http://schemas.openxmlformats.org/officeDocument/2006/relationships" xmlns:p="http://schemas.openxmlformats.org/presentationml/2006/main">
+  <p:cSld>
+    <p:spTree>
+      <p:nvGrpSpPr>
+        <p:cNvPr id="1" name=""/>
+        <p:cNvGrpSpPr/>
+        <p:nvPr/>
+      </p:nvGrpSpPr>
+      <p:grpSpPr>
+        <a:xfrm>
+          <a:off x="0" y="0"/>
+          <a:ext cx="0" cy="0"/>
+          <a:chOff x="0" y="0"/>
+          <a:chExt cx="0" cy="0"/>
+        </a:xfrm>
+      </p:grpSpPr>
+      <p:sp>
+        <p:nvSpPr>
+          <p:cNvPr id="4" name="Content Placeholder 13"/>
+          <p:cNvSpPr txBox="1">
+            <a:spLocks/>
+          </p:cNvSpPr>
+          <p:nvPr/>
+        </p:nvSpPr>
+        <p:spPr>
+          <a:xfrm>
+            <a:off x="256350" y="19305"/>
+            <a:ext cx="9791700" cy="630192"/>
+          </a:xfrm>
+          <a:prstGeom prst="rect">
+            <a:avLst/>
+          </a:prstGeom>
+        </p:spPr>
+        <p:txBody>
+          <a:bodyPr vert="horz" lIns="91440" tIns="45720" rIns="91440" bIns="45720" rtlCol="0">
+            <a:noAutofit/>
+          </a:bodyPr>
+          <a:lstStyle>
+            <a:lvl1pPr marL="0" indent="0" algn="ctr" defTabSz="914400" rtl="0" eaLnBrk="1" latinLnBrk="0" hangingPunct="1">
+              <a:lnSpc>
+                <a:spcPct val="90000"/>
+              </a:lnSpc>
+              <a:spcBef>
+                <a:spcPts val="1000"/>
+              </a:spcBef>
+              <a:buFont typeface="Arial" panose="020B0604020202020204" pitchFamily="34" charset="0"/>
+              <a:buNone/>
+              <a:defRPr kumimoji="1" sz="2400" kern="1200">
+                <a:solidFill>
+                  <a:schemeClr val="tx1"/>
+                </a:solidFill>
+                <a:latin typeface="+mn-lt"/>
+                <a:ea typeface="+mn-ea"/>
+                <a:cs typeface="+mn-cs"/>
+              </a:defRPr>
+            </a:lvl1pPr>
+            <a:lvl2pPr marL="457200" indent="0" algn="ctr" defTabSz="914400" rtl="0" eaLnBrk="1" latinLnBrk="0" hangingPunct="1">
+              <a:lnSpc>
+                <a:spcPct val="90000"/>
+              </a:lnSpc>
+              <a:spcBef>
+                <a:spcPts val="500"/>
+              </a:spcBef>
+              <a:buFont typeface="Arial" panose="020B0604020202020204" pitchFamily="34" charset="0"/>
+              <a:buNone/>
+              <a:defRPr kumimoji="1" sz="2000" kern="1200">
+                <a:solidFill>
+                  <a:schemeClr val="tx1"/>
+                </a:solidFill>
+                <a:latin typeface="+mn-lt"/>
+                <a:ea typeface="+mn-ea"/>
+                <a:cs typeface="+mn-cs"/>
+              </a:defRPr>
+            </a:lvl2pPr>
+            <a:lvl3pPr marL="914400" indent="0" algn="ctr" defTabSz="914400" rtl="0" eaLnBrk="1" latinLnBrk="0" hangingPunct="1">
+              <a:lnSpc>
+                <a:spcPct val="90000"/>
+              </a:lnSpc>
+              <a:spcBef>
+                <a:spcPts val="500"/>
+              </a:spcBef>
+              <a:buFont typeface="Arial" panose="020B0604020202020204" pitchFamily="34" charset="0"/>
+              <a:buNone/>
+              <a:defRPr kumimoji="1" sz="1800" kern="1200">
+                <a:solidFill>
+                  <a:schemeClr val="tx1"/>
+                </a:solidFill>
+                <a:latin typeface="+mn-lt"/>
+                <a:ea typeface="+mn-ea"/>
+                <a:cs typeface="+mn-cs"/>
+              </a:defRPr>
+            </a:lvl3pPr>
+            <a:lvl4pPr marL="1371600" indent="0" algn="ctr" defTabSz="914400" rtl="0" eaLnBrk="1" latinLnBrk="0" hangingPunct="1">
+              <a:lnSpc>
+                <a:spcPct val="90000"/>
+              </a:lnSpc>
+              <a:spcBef>
+                <a:spcPts val="500"/>
+              </a:spcBef>
+              <a:buFont typeface="Arial" panose="020B0604020202020204" pitchFamily="34" charset="0"/>
+              <a:buNone/>
+              <a:defRPr kumimoji="1" sz="1600" kern="1200">
+                <a:solidFill>
+                  <a:schemeClr val="tx1"/>
+                </a:solidFill>
+                <a:latin typeface="+mn-lt"/>
+                <a:ea typeface="+mn-ea"/>
+                <a:cs typeface="+mn-cs"/>
+              </a:defRPr>
+            </a:lvl4pPr>
+            <a:lvl5pPr marL="1828800" indent="0" algn="ctr" defTabSz="914400" rtl="0" eaLnBrk="1" latinLnBrk="0" hangingPunct="1">
+              <a:lnSpc>
+                <a:spcPct val="90000"/>
+              </a:lnSpc>
+              <a:spcBef>
+                <a:spcPts val="500"/>
+              </a:spcBef>
+              <a:buFont typeface="Arial" panose="020B0604020202020204" pitchFamily="34" charset="0"/>
+              <a:buNone/>
+              <a:defRPr kumimoji="1" sz="1600" kern="1200">
+                <a:solidFill>
+                  <a:schemeClr val="tx1"/>
+                </a:solidFill>
+                <a:latin typeface="+mn-lt"/>
+                <a:ea typeface="+mn-ea"/>
+                <a:cs typeface="+mn-cs"/>
+              </a:defRPr>
+            </a:lvl5pPr>
+            <a:lvl6pPr marL="2286000" indent="0" algn="ctr" defTabSz="914400" rtl="0" eaLnBrk="1" latinLnBrk="0" hangingPunct="1">
+              <a:lnSpc>
+                <a:spcPct val="90000"/>
+              </a:lnSpc>
+              <a:spcBef>
+                <a:spcPts val="500"/>
+              </a:spcBef>
+              <a:buFont typeface="Arial" panose="020B0604020202020204" pitchFamily="34" charset="0"/>
+              <a:buNone/>
+              <a:defRPr kumimoji="1" sz="1600" kern="1200">
+                <a:solidFill>
+                  <a:schemeClr val="tx1"/>
+                </a:solidFill>
+                <a:latin typeface="+mn-lt"/>
+                <a:ea typeface="+mn-ea"/>
+                <a:cs typeface="+mn-cs"/>
+              </a:defRPr>
+            </a:lvl6pPr>
+            <a:lvl7pPr marL="2743200" indent="0" algn="ctr" defTabSz="914400" rtl="0" eaLnBrk="1" latinLnBrk="0" hangingPunct="1">
+              <a:lnSpc>
+                <a:spcPct val="90000"/>
+              </a:lnSpc>
+              <a:spcBef>
+                <a:spcPts val="500"/>
+              </a:spcBef>
+              <a:buFont typeface="Arial" panose="020B0604020202020204" pitchFamily="34" charset="0"/>
+              <a:buNone/>
+              <a:defRPr kumimoji="1" sz="1600" kern="1200">
+                <a:solidFill>
+                  <a:schemeClr val="tx1"/>
+                </a:solidFill>
+                <a:latin typeface="+mn-lt"/>
+                <a:ea typeface="+mn-ea"/>
+                <a:cs typeface="+mn-cs"/>
+              </a:defRPr>
+            </a:lvl7pPr>
+            <a:lvl8pPr marL="3200400" indent="0" algn="ctr" defTabSz="914400" rtl="0" eaLnBrk="1" latinLnBrk="0" hangingPunct="1">
+              <a:lnSpc>
+                <a:spcPct val="90000"/>
+              </a:lnSpc>
+              <a:spcBef>
+                <a:spcPts val="500"/>
+              </a:spcBef>
+              <a:buFont typeface="Arial" panose="020B0604020202020204" pitchFamily="34" charset="0"/>
+              <a:buNone/>
+              <a:defRPr kumimoji="1" sz="1600" kern="1200">
+                <a:solidFill>
+                  <a:schemeClr val="tx1"/>
+                </a:solidFill>
+                <a:latin typeface="+mn-lt"/>
+                <a:ea typeface="+mn-ea"/>
+                <a:cs typeface="+mn-cs"/>
+              </a:defRPr>
+            </a:lvl8pPr>
+            <a:lvl9pPr marL="3657600" indent="0" algn="ctr" defTabSz="914400" rtl="0" eaLnBrk="1" latinLnBrk="0" hangingPunct="1">
+              <a:lnSpc>
+                <a:spcPct val="90000"/>
+              </a:lnSpc>
+              <a:spcBef>
+                <a:spcPts val="500"/>
+              </a:spcBef>
+              <a:buFont typeface="Arial" panose="020B0604020202020204" pitchFamily="34" charset="0"/>
+              <a:buNone/>
+              <a:defRPr kumimoji="1" sz="1600" kern="1200">
+                <a:solidFill>
+                  <a:schemeClr val="tx1"/>
+                </a:solidFill>
+                <a:latin typeface="+mn-lt"/>
+                <a:ea typeface="+mn-ea"/>
+                <a:cs typeface="+mn-cs"/>
+              </a:defRPr>
+            </a:lvl9pPr>
+          </a:lstStyle>
+          <a:p>
+            <a:pPr algn="l"/>
+            <a:r>
+              <a:rPr lang="en-US" sz="3600" b="1" dirty="0" smtClean="0">
+                <a:solidFill>
+                  <a:srgbClr val="0064B5"/>
+                </a:solidFill>
+              </a:rPr>
+              <a:t>Object</a:t>
+            </a:r>
+            <a:endParaRPr lang="en-US" sz="3600" b="1" dirty="0">
+              <a:solidFill>
+                <a:srgbClr val="0064B5"/>
+              </a:solidFill>
+            </a:endParaRPr>
+          </a:p>
+        </p:txBody>
+      </p:sp>
+      <p:sp>
+        <p:nvSpPr>
+          <p:cNvPr id="11" name="Rectangle 10"/>
+          <p:cNvSpPr/>
+          <p:nvPr/>
+        </p:nvSpPr>
+        <p:spPr>
+          <a:xfrm>
+            <a:off x="261248" y="539309"/>
+            <a:ext cx="10228770" cy="369332"/>
+          </a:xfrm>
+          <a:prstGeom prst="rect">
+            <a:avLst/>
+          </a:prstGeom>
+        </p:spPr>
+        <p:txBody>
+          <a:bodyPr wrap="square">
+            <a:spAutoFit/>
+          </a:bodyPr>
+          <a:lstStyle/>
+          <a:p>
+            <a:r>
+              <a:rPr lang="en-US" dirty="0"/>
+              <a:t>JavaScript object is a non-primitive data-type that allows you to store multiple collections of data</a:t>
+            </a:r>
+            <a:endParaRPr lang="en-IN" b="1" u="sng" dirty="0"/>
+          </a:p>
+        </p:txBody>
+      </p:sp>
+      <p:sp>
+        <p:nvSpPr>
+          <p:cNvPr id="21" name="Rectangle 20"/>
+          <p:cNvSpPr/>
+          <p:nvPr/>
+        </p:nvSpPr>
+        <p:spPr>
+          <a:xfrm>
+            <a:off x="332279" y="985826"/>
+            <a:ext cx="4973685" cy="1463994"/>
+          </a:xfrm>
+          <a:prstGeom prst="rect">
+            <a:avLst/>
+          </a:prstGeom>
+          <a:gradFill flip="none" rotWithShape="1">
+            <a:gsLst>
+              <a:gs pos="0">
+                <a:schemeClr val="bg2"/>
+              </a:gs>
+              <a:gs pos="50000">
+                <a:schemeClr val="accent3">
+                  <a:lumMod val="20000"/>
+                  <a:lumOff val="80000"/>
+                  <a:shade val="67500"/>
+                  <a:satMod val="115000"/>
+                </a:schemeClr>
+              </a:gs>
+              <a:gs pos="100000">
+                <a:schemeClr val="accent3">
+                  <a:lumMod val="20000"/>
+                  <a:lumOff val="80000"/>
+                  <a:shade val="100000"/>
+                  <a:satMod val="115000"/>
+                </a:schemeClr>
+              </a:gs>
+            </a:gsLst>
+            <a:lin ang="6600000" scaled="0"/>
+            <a:tileRect/>
+          </a:gradFill>
+          <a:ln>
+            <a:solidFill>
+              <a:schemeClr val="tx1">
+                <a:lumMod val="50000"/>
+                <a:lumOff val="50000"/>
+              </a:schemeClr>
+            </a:solidFill>
+          </a:ln>
+        </p:spPr>
+        <p:style>
+          <a:lnRef idx="2">
+            <a:schemeClr val="accent1">
+              <a:shade val="50000"/>
+            </a:schemeClr>
+          </a:lnRef>
+          <a:fillRef idx="1">
+            <a:schemeClr val="accent1"/>
+          </a:fillRef>
+          <a:effectRef idx="0">
+            <a:schemeClr val="accent1"/>
+          </a:effectRef>
+          <a:fontRef idx="minor">
+            <a:schemeClr val="lt1"/>
+          </a:fontRef>
+        </p:style>
+        <p:txBody>
+          <a:bodyPr rtlCol="0" anchor="ctr"/>
+          <a:lstStyle/>
+          <a:p>
+            <a:r>
+              <a:rPr lang="en-US" sz="1500" b="1" u="sng" dirty="0" smtClean="0">
+                <a:solidFill>
+                  <a:schemeClr val="tx1"/>
+                </a:solidFill>
+              </a:rPr>
+              <a:t>Syntax:</a:t>
+            </a:r>
+          </a:p>
+          <a:p>
+            <a:r>
+              <a:rPr lang="en-US" sz="1500" dirty="0" err="1">
+                <a:solidFill>
+                  <a:schemeClr val="tx1"/>
+                </a:solidFill>
+              </a:rPr>
+              <a:t>const</a:t>
+            </a:r>
+            <a:r>
+              <a:rPr lang="en-US" sz="1500" dirty="0">
+                <a:solidFill>
+                  <a:schemeClr val="tx1"/>
+                </a:solidFill>
+              </a:rPr>
+              <a:t> </a:t>
+            </a:r>
+            <a:r>
+              <a:rPr lang="en-US" sz="1500" dirty="0" err="1">
+                <a:solidFill>
+                  <a:schemeClr val="tx1"/>
+                </a:solidFill>
+              </a:rPr>
+              <a:t>object_name</a:t>
+            </a:r>
+            <a:r>
+              <a:rPr lang="en-US" sz="1500" dirty="0">
+                <a:solidFill>
+                  <a:schemeClr val="tx1"/>
+                </a:solidFill>
+              </a:rPr>
+              <a:t> = {</a:t>
+            </a:r>
+          </a:p>
+          <a:p>
+            <a:r>
+              <a:rPr lang="en-US" sz="1500" dirty="0">
+                <a:solidFill>
+                  <a:schemeClr val="tx1"/>
+                </a:solidFill>
+              </a:rPr>
+              <a:t>   key1: value1,</a:t>
+            </a:r>
+          </a:p>
+          <a:p>
+            <a:r>
+              <a:rPr lang="en-US" sz="1500" dirty="0">
+                <a:solidFill>
+                  <a:schemeClr val="tx1"/>
+                </a:solidFill>
+              </a:rPr>
+              <a:t>   key2: value2</a:t>
+            </a:r>
+          </a:p>
+          <a:p>
+            <a:r>
+              <a:rPr lang="en-US" sz="1500" dirty="0" smtClean="0">
+                <a:solidFill>
+                  <a:schemeClr val="tx1"/>
+                </a:solidFill>
+              </a:rPr>
+              <a:t>}</a:t>
+            </a:r>
+            <a:endParaRPr lang="en-US" sz="1500" b="1" u="sng" dirty="0">
+              <a:solidFill>
+                <a:schemeClr val="tx1"/>
+              </a:solidFill>
+            </a:endParaRPr>
+          </a:p>
+        </p:txBody>
+      </p:sp>
+      <p:sp>
+        <p:nvSpPr>
+          <p:cNvPr id="17" name="Rectangle 16"/>
+          <p:cNvSpPr/>
+          <p:nvPr/>
+        </p:nvSpPr>
+        <p:spPr>
+          <a:xfrm>
+            <a:off x="332278" y="3220010"/>
+            <a:ext cx="4973685" cy="1559022"/>
+          </a:xfrm>
+          <a:prstGeom prst="rect">
+            <a:avLst/>
+          </a:prstGeom>
+          <a:gradFill flip="none" rotWithShape="1">
+            <a:gsLst>
+              <a:gs pos="0">
+                <a:schemeClr val="bg2"/>
+              </a:gs>
+              <a:gs pos="50000">
+                <a:schemeClr val="accent3">
+                  <a:lumMod val="20000"/>
+                  <a:lumOff val="80000"/>
+                  <a:shade val="67500"/>
+                  <a:satMod val="115000"/>
+                </a:schemeClr>
+              </a:gs>
+              <a:gs pos="100000">
+                <a:schemeClr val="accent3">
+                  <a:lumMod val="20000"/>
+                  <a:lumOff val="80000"/>
+                  <a:shade val="100000"/>
+                  <a:satMod val="115000"/>
+                </a:schemeClr>
+              </a:gs>
+            </a:gsLst>
+            <a:lin ang="6600000" scaled="0"/>
+            <a:tileRect/>
+          </a:gradFill>
+          <a:ln>
+            <a:solidFill>
+              <a:schemeClr val="tx1">
+                <a:lumMod val="50000"/>
+                <a:lumOff val="50000"/>
+              </a:schemeClr>
+            </a:solidFill>
+          </a:ln>
+        </p:spPr>
+        <p:style>
+          <a:lnRef idx="2">
+            <a:schemeClr val="accent1">
+              <a:shade val="50000"/>
+            </a:schemeClr>
+          </a:lnRef>
+          <a:fillRef idx="1">
+            <a:schemeClr val="accent1"/>
+          </a:fillRef>
+          <a:effectRef idx="0">
+            <a:schemeClr val="accent1"/>
+          </a:effectRef>
+          <a:fontRef idx="minor">
+            <a:schemeClr val="lt1"/>
+          </a:fontRef>
+        </p:style>
+        <p:txBody>
+          <a:bodyPr rtlCol="0" anchor="ctr"/>
+          <a:lstStyle/>
+          <a:p>
+            <a:r>
+              <a:rPr lang="en-US" sz="1500" dirty="0">
+                <a:solidFill>
+                  <a:schemeClr val="tx1"/>
+                </a:solidFill>
+              </a:rPr>
+              <a:t>// object creation</a:t>
+            </a:r>
+          </a:p>
+          <a:p>
+            <a:r>
+              <a:rPr lang="en-US" sz="1500" dirty="0" smtClean="0">
+                <a:solidFill>
+                  <a:schemeClr val="tx1"/>
+                </a:solidFill>
+              </a:rPr>
+              <a:t>let </a:t>
+            </a:r>
+            <a:r>
+              <a:rPr lang="en-US" sz="1500" dirty="0">
+                <a:solidFill>
+                  <a:schemeClr val="tx1"/>
+                </a:solidFill>
+              </a:rPr>
+              <a:t>person = { </a:t>
+            </a:r>
+          </a:p>
+          <a:p>
+            <a:r>
+              <a:rPr lang="en-US" sz="1500" dirty="0">
+                <a:solidFill>
+                  <a:schemeClr val="tx1"/>
+                </a:solidFill>
+              </a:rPr>
+              <a:t>    name: </a:t>
+            </a:r>
+            <a:r>
+              <a:rPr lang="en-US" sz="1500" dirty="0" smtClean="0">
+                <a:solidFill>
+                  <a:schemeClr val="tx1"/>
+                </a:solidFill>
+              </a:rPr>
+              <a:t>'John',</a:t>
+            </a:r>
+            <a:endParaRPr lang="en-US" sz="1500" dirty="0">
+              <a:solidFill>
+                <a:schemeClr val="tx1"/>
+              </a:solidFill>
+            </a:endParaRPr>
+          </a:p>
+          <a:p>
+            <a:r>
+              <a:rPr lang="en-US" sz="1500" dirty="0">
+                <a:solidFill>
+                  <a:schemeClr val="tx1"/>
+                </a:solidFill>
+              </a:rPr>
+              <a:t>    age: 20</a:t>
+            </a:r>
+          </a:p>
+          <a:p>
+            <a:r>
+              <a:rPr lang="en-US" sz="1500" dirty="0">
+                <a:solidFill>
+                  <a:schemeClr val="tx1"/>
+                </a:solidFill>
+              </a:rPr>
+              <a:t>};</a:t>
+            </a:r>
+          </a:p>
+          <a:p>
+            <a:r>
+              <a:rPr lang="en-US" sz="1500" dirty="0">
+                <a:solidFill>
+                  <a:schemeClr val="tx1"/>
+                </a:solidFill>
+              </a:rPr>
+              <a:t>console.log(</a:t>
+            </a:r>
+            <a:r>
+              <a:rPr lang="en-US" sz="1500" dirty="0" err="1">
+                <a:solidFill>
+                  <a:schemeClr val="tx1"/>
+                </a:solidFill>
+              </a:rPr>
+              <a:t>typeof</a:t>
+            </a:r>
+            <a:r>
+              <a:rPr lang="en-US" sz="1500" dirty="0">
+                <a:solidFill>
+                  <a:schemeClr val="tx1"/>
+                </a:solidFill>
+              </a:rPr>
+              <a:t> person); // object</a:t>
+            </a:r>
+          </a:p>
+        </p:txBody>
+      </p:sp>
+      <p:pic>
+        <p:nvPicPr>
+          <p:cNvPr id="7" name="Picture 6"/>
+          <p:cNvPicPr>
+            <a:picLocks noChangeAspect="1"/>
+          </p:cNvPicPr>
+          <p:nvPr/>
+        </p:nvPicPr>
+        <p:blipFill>
+          <a:blip r:embed="rId2"/>
+          <a:stretch>
+            <a:fillRect/>
+          </a:stretch>
+        </p:blipFill>
+        <p:spPr>
+          <a:xfrm>
+            <a:off x="6156960" y="1100603"/>
+            <a:ext cx="4876800" cy="1295400"/>
+          </a:xfrm>
+          <a:prstGeom prst="rect">
+            <a:avLst/>
+          </a:prstGeom>
+        </p:spPr>
+      </p:pic>
+      <p:sp>
+        <p:nvSpPr>
+          <p:cNvPr id="2" name="Rectangle 1"/>
+          <p:cNvSpPr/>
+          <p:nvPr/>
+        </p:nvSpPr>
+        <p:spPr>
+          <a:xfrm>
+            <a:off x="6156960" y="3220010"/>
+            <a:ext cx="4208203" cy="369332"/>
+          </a:xfrm>
+          <a:prstGeom prst="rect">
+            <a:avLst/>
+          </a:prstGeom>
+        </p:spPr>
+        <p:txBody>
+          <a:bodyPr wrap="none">
+            <a:spAutoFit/>
+          </a:bodyPr>
+          <a:lstStyle/>
+          <a:p>
+            <a:r>
+              <a:rPr lang="en-US" dirty="0">
+                <a:latin typeface="euclid_circular_a"/>
+              </a:rPr>
+              <a:t>"key: value" pairs are called </a:t>
+            </a:r>
+            <a:r>
+              <a:rPr lang="en-US" b="1" dirty="0">
+                <a:latin typeface="euclid_circular_a"/>
+              </a:rPr>
+              <a:t>properties</a:t>
+            </a:r>
+            <a:endParaRPr lang="en-IN" dirty="0"/>
+          </a:p>
+        </p:txBody>
+      </p:sp>
+    </p:spTree>
+    <p:extLst>
+      <p:ext uri="{BB962C8B-B14F-4D97-AF65-F5344CB8AC3E}">
+        <p14:creationId xmlns:p14="http://schemas.microsoft.com/office/powerpoint/2010/main" xmlns="" val="1954856189"/>
+      </p:ext>
+    </p:extLst>
+  </p:cSld>
+  <p:clrMapOvr>
+    <a:masterClrMapping/>
+  </p:clrMapOvr>
+  <p:timing>
+    <p:tnLst>
+      <p:par>
+        <p:cTn id="1" dur="indefinite" restart="never" nodeType="tmRoot"/>
+      </p:par>
+    </p:tnLst>
+  </p:timing>
+</p:sld>
+</file>
+
+<file path=ppt/slides/slide29.xml><?xml version="1.0" encoding="utf-8"?>
+<p:sld xmlns:a="http://schemas.openxmlformats.org/drawingml/2006/main" xmlns:r="http://schemas.openxmlformats.org/officeDocument/2006/relationships" xmlns:p="http://schemas.openxmlformats.org/presentationml/2006/main">
+  <p:cSld>
+    <p:spTree>
+      <p:nvGrpSpPr>
+        <p:cNvPr id="1" name=""/>
+        <p:cNvGrpSpPr/>
+        <p:nvPr/>
+      </p:nvGrpSpPr>
+      <p:grpSpPr>
+        <a:xfrm>
+          <a:off x="0" y="0"/>
+          <a:ext cx="0" cy="0"/>
+          <a:chOff x="0" y="0"/>
+          <a:chExt cx="0" cy="0"/>
+        </a:xfrm>
+      </p:grpSpPr>
+      <p:sp>
+        <p:nvSpPr>
+          <p:cNvPr id="2" name="Title 1"/>
+          <p:cNvSpPr>
+            <a:spLocks noGrp="1"/>
+          </p:cNvSpPr>
+          <p:nvPr>
+            <p:ph type="title"/>
+          </p:nvPr>
+        </p:nvSpPr>
+        <p:spPr/>
+        <p:txBody>
+          <a:bodyPr/>
+          <a:lstStyle/>
+          <a:p>
+            <a:r>
               <a:rPr lang="en-IN" dirty="0" smtClean="0"/>
               <a:t>What is object</a:t>
             </a:r>
@@ -10687,7 +11477,92 @@
 </p:sld>
 </file>
 
-<file path=ppt/slides/slide21.xml><?xml version="1.0" encoding="utf-8"?>
+<file path=ppt/slides/slide3.xml><?xml version="1.0" encoding="utf-8"?>
+<p:sld xmlns:a="http://schemas.openxmlformats.org/drawingml/2006/main" xmlns:r="http://schemas.openxmlformats.org/officeDocument/2006/relationships" xmlns:p="http://schemas.openxmlformats.org/presentationml/2006/main">
+  <p:cSld>
+    <p:spTree>
+      <p:nvGrpSpPr>
+        <p:cNvPr id="1" name=""/>
+        <p:cNvGrpSpPr/>
+        <p:nvPr/>
+      </p:nvGrpSpPr>
+      <p:grpSpPr>
+        <a:xfrm>
+          <a:off x="0" y="0"/>
+          <a:ext cx="0" cy="0"/>
+          <a:chOff x="0" y="0"/>
+          <a:chExt cx="0" cy="0"/>
+        </a:xfrm>
+      </p:grpSpPr>
+      <p:sp>
+        <p:nvSpPr>
+          <p:cNvPr id="2" name="Title 1"/>
+          <p:cNvSpPr>
+            <a:spLocks noGrp="1"/>
+          </p:cNvSpPr>
+          <p:nvPr>
+            <p:ph type="title"/>
+          </p:nvPr>
+        </p:nvSpPr>
+        <p:spPr/>
+        <p:txBody>
+          <a:bodyPr>
+            <a:normAutofit/>
+          </a:bodyPr>
+          <a:lstStyle/>
+          <a:p>
+            <a:r>
+              <a:rPr lang="en-IN" dirty="0" smtClean="0"/>
+              <a:t>Real world problem- ecommerce</a:t>
+            </a:r>
+            <a:endParaRPr lang="en-US" dirty="0"/>
+          </a:p>
+        </p:txBody>
+      </p:sp>
+      <p:pic>
+        <p:nvPicPr>
+          <p:cNvPr id="39938" name="Picture 2"/>
+          <p:cNvPicPr>
+            <a:picLocks noGrp="1" noChangeAspect="1" noChangeArrowheads="1"/>
+          </p:cNvPicPr>
+          <p:nvPr>
+            <p:ph idx="1"/>
+          </p:nvPr>
+        </p:nvPicPr>
+        <p:blipFill>
+          <a:blip r:embed="rId2"/>
+          <a:srcRect/>
+          <a:stretch>
+            <a:fillRect/>
+          </a:stretch>
+        </p:blipFill>
+        <p:spPr bwMode="auto">
+          <a:xfrm>
+            <a:off x="1073150" y="1670844"/>
+            <a:ext cx="8724900" cy="4724400"/>
+          </a:xfrm>
+          <a:prstGeom prst="rect">
+            <a:avLst/>
+          </a:prstGeom>
+          <a:noFill/>
+          <a:ln w="9525">
+            <a:noFill/>
+            <a:miter lim="800000"/>
+            <a:headEnd/>
+            <a:tailEnd/>
+          </a:ln>
+          <a:effectLst/>
+        </p:spPr>
+      </p:pic>
+    </p:spTree>
+  </p:cSld>
+  <p:clrMapOvr>
+    <a:masterClrMapping/>
+  </p:clrMapOvr>
+</p:sld>
+</file>
+
+<file path=ppt/slides/slide30.xml><?xml version="1.0" encoding="utf-8"?>
 <p:sld xmlns:a="http://schemas.openxmlformats.org/drawingml/2006/main" xmlns:r="http://schemas.openxmlformats.org/officeDocument/2006/relationships" xmlns:p="http://schemas.openxmlformats.org/presentationml/2006/main">
   <p:cSld>
     <p:spTree>
@@ -10770,7 +11645,7 @@
 </p:sld>
 </file>
 
-<file path=ppt/slides/slide22.xml><?xml version="1.0" encoding="utf-8"?>
+<file path=ppt/slides/slide31.xml><?xml version="1.0" encoding="utf-8"?>
 <p:sld xmlns:a="http://schemas.openxmlformats.org/drawingml/2006/main" xmlns:r="http://schemas.openxmlformats.org/officeDocument/2006/relationships" xmlns:p="http://schemas.openxmlformats.org/presentationml/2006/main">
   <p:cSld>
     <p:spTree>
@@ -10853,7 +11728,7 @@
 </p:sld>
 </file>
 
-<file path=ppt/slides/slide23.xml><?xml version="1.0" encoding="utf-8"?>
+<file path=ppt/slides/slide32.xml><?xml version="1.0" encoding="utf-8"?>
 <p:sld xmlns:a="http://schemas.openxmlformats.org/drawingml/2006/main" xmlns:r="http://schemas.openxmlformats.org/officeDocument/2006/relationships" xmlns:p="http://schemas.openxmlformats.org/presentationml/2006/main">
   <p:cSld>
     <p:spTree>
@@ -11486,7 +12361,7 @@
     </p:spTree>
     <p:extLst>
       <p:ext uri="{BB962C8B-B14F-4D97-AF65-F5344CB8AC3E}">
-        <p14:creationId xmlns="" xmlns:p14="http://schemas.microsoft.com/office/powerpoint/2010/main" val="3616488687"/>
+        <p14:creationId xmlns:p14="http://schemas.microsoft.com/office/powerpoint/2010/main" xmlns="" val="3616488687"/>
       </p:ext>
     </p:extLst>
   </p:cSld>
@@ -11503,7 +12378,7 @@
 </p:sld>
 </file>
 
-<file path=ppt/slides/slide24.xml><?xml version="1.0" encoding="utf-8"?>
+<file path=ppt/slides/slide33.xml><?xml version="1.0" encoding="utf-8"?>
 <p:sld xmlns:a="http://schemas.openxmlformats.org/drawingml/2006/main" xmlns:r="http://schemas.openxmlformats.org/officeDocument/2006/relationships" xmlns:p="http://schemas.openxmlformats.org/presentationml/2006/main">
   <p:cSld>
     <p:spTree>
@@ -12010,7 +12885,7 @@
     </p:spTree>
     <p:extLst>
       <p:ext uri="{BB962C8B-B14F-4D97-AF65-F5344CB8AC3E}">
-        <p14:creationId xmlns="" xmlns:p14="http://schemas.microsoft.com/office/powerpoint/2010/main" val="1076763019"/>
+        <p14:creationId xmlns:p14="http://schemas.microsoft.com/office/powerpoint/2010/main" xmlns="" val="1076763019"/>
       </p:ext>
     </p:extLst>
   </p:cSld>
@@ -12024,91 +12899,6 @@
       </p:par>
     </p:tnLst>
   </p:timing>
-</p:sld>
-</file>
-
-<file path=ppt/slides/slide3.xml><?xml version="1.0" encoding="utf-8"?>
-<p:sld xmlns:a="http://schemas.openxmlformats.org/drawingml/2006/main" xmlns:r="http://schemas.openxmlformats.org/officeDocument/2006/relationships" xmlns:p="http://schemas.openxmlformats.org/presentationml/2006/main">
-  <p:cSld>
-    <p:spTree>
-      <p:nvGrpSpPr>
-        <p:cNvPr id="1" name=""/>
-        <p:cNvGrpSpPr/>
-        <p:nvPr/>
-      </p:nvGrpSpPr>
-      <p:grpSpPr>
-        <a:xfrm>
-          <a:off x="0" y="0"/>
-          <a:ext cx="0" cy="0"/>
-          <a:chOff x="0" y="0"/>
-          <a:chExt cx="0" cy="0"/>
-        </a:xfrm>
-      </p:grpSpPr>
-      <p:sp>
-        <p:nvSpPr>
-          <p:cNvPr id="2" name="Title 1"/>
-          <p:cNvSpPr>
-            <a:spLocks noGrp="1"/>
-          </p:cNvSpPr>
-          <p:nvPr>
-            <p:ph type="title"/>
-          </p:nvPr>
-        </p:nvSpPr>
-        <p:spPr/>
-        <p:txBody>
-          <a:bodyPr>
-            <a:normAutofit/>
-          </a:bodyPr>
-          <a:lstStyle/>
-          <a:p>
-            <a:r>
-              <a:rPr lang="en-IN" dirty="0" smtClean="0"/>
-              <a:t>Real world problem- ecommerce</a:t>
-            </a:r>
-            <a:endParaRPr lang="en-US" dirty="0"/>
-          </a:p>
-        </p:txBody>
-      </p:sp>
-      <p:pic>
-        <p:nvPicPr>
-          <p:cNvPr id="39938" name="Picture 2"/>
-          <p:cNvPicPr>
-            <a:picLocks noGrp="1" noChangeAspect="1" noChangeArrowheads="1"/>
-          </p:cNvPicPr>
-          <p:nvPr>
-            <p:ph idx="1"/>
-          </p:nvPr>
-        </p:nvPicPr>
-        <p:blipFill>
-          <a:blip r:embed="rId2"/>
-          <a:srcRect/>
-          <a:stretch>
-            <a:fillRect/>
-          </a:stretch>
-        </p:blipFill>
-        <p:spPr bwMode="auto">
-          <a:xfrm>
-            <a:off x="1073150" y="1670844"/>
-            <a:ext cx="8724900" cy="4724400"/>
-          </a:xfrm>
-          <a:prstGeom prst="rect">
-            <a:avLst/>
-          </a:prstGeom>
-          <a:noFill/>
-          <a:ln w="9525">
-            <a:noFill/>
-            <a:miter lim="800000"/>
-            <a:headEnd/>
-            <a:tailEnd/>
-          </a:ln>
-          <a:effectLst/>
-        </p:spPr>
-      </p:pic>
-    </p:spTree>
-  </p:cSld>
-  <p:clrMapOvr>
-    <a:masterClrMapping/>
-  </p:clrMapOvr>
 </p:sld>
 </file>
 
@@ -13372,7 +14162,7 @@
     </p:spTree>
     <p:extLst>
       <p:ext uri="{BB962C8B-B14F-4D97-AF65-F5344CB8AC3E}">
-        <p14:creationId xmlns="" xmlns:p14="http://schemas.microsoft.com/office/powerpoint/2010/main" val="1247456129"/>
+        <p14:creationId xmlns:p14="http://schemas.microsoft.com/office/powerpoint/2010/main" xmlns="" val="1247456129"/>
       </p:ext>
     </p:extLst>
   </p:cSld>
@@ -13644,7 +14434,7 @@
   <a:extraClrSchemeLst/>
   <a:extLst>
     <a:ext uri="{05A4C25C-085E-4340-85A3-A5531E510DB2}">
-      <thm15:themeFamily xmlns="" xmlns:thm15="http://schemas.microsoft.com/office/thememl/2012/main" name="Office Theme" id="{62F939B6-93AF-4DB8-9C6B-D6C7DFDC589F}" vid="{4A3C46E8-61CC-4603-A589-7422A47A8E4A}"/>
+      <thm15:themeFamily xmlns:thm15="http://schemas.microsoft.com/office/thememl/2012/main" xmlns="" name="Office Theme" id="{62F939B6-93AF-4DB8-9C6B-D6C7DFDC589F}" vid="{4A3C46E8-61CC-4603-A589-7422A47A8E4A}"/>
     </a:ext>
   </a:extLst>
 </a:theme>

--- a/2022/June_Batch/5Javascript/others/new-version/3javascript -Built-in-Datastructure.pptx
+++ b/2022/June_Batch/5Javascript/others/new-version/3javascript -Built-in-Datastructure.pptx
@@ -25,19 +25,29 @@
     <p:sldId id="407" r:id="rId19"/>
     <p:sldId id="408" r:id="rId20"/>
     <p:sldId id="415" r:id="rId21"/>
-    <p:sldId id="409" r:id="rId22"/>
-    <p:sldId id="410" r:id="rId23"/>
-    <p:sldId id="411" r:id="rId24"/>
-    <p:sldId id="412" r:id="rId25"/>
-    <p:sldId id="413" r:id="rId26"/>
-    <p:sldId id="414" r:id="rId27"/>
-    <p:sldId id="416" r:id="rId28"/>
-    <p:sldId id="375" r:id="rId29"/>
-    <p:sldId id="404" r:id="rId30"/>
-    <p:sldId id="405" r:id="rId31"/>
-    <p:sldId id="406" r:id="rId32"/>
-    <p:sldId id="376" r:id="rId33"/>
-    <p:sldId id="377" r:id="rId34"/>
+    <p:sldId id="410" r:id="rId22"/>
+    <p:sldId id="411" r:id="rId23"/>
+    <p:sldId id="412" r:id="rId24"/>
+    <p:sldId id="417" r:id="rId25"/>
+    <p:sldId id="420" r:id="rId26"/>
+    <p:sldId id="418" r:id="rId27"/>
+    <p:sldId id="419" r:id="rId28"/>
+    <p:sldId id="429" r:id="rId29"/>
+    <p:sldId id="421" r:id="rId30"/>
+    <p:sldId id="422" r:id="rId31"/>
+    <p:sldId id="423" r:id="rId32"/>
+    <p:sldId id="424" r:id="rId33"/>
+    <p:sldId id="425" r:id="rId34"/>
+    <p:sldId id="426" r:id="rId35"/>
+    <p:sldId id="427" r:id="rId36"/>
+    <p:sldId id="428" r:id="rId37"/>
+    <p:sldId id="416" r:id="rId38"/>
+    <p:sldId id="375" r:id="rId39"/>
+    <p:sldId id="404" r:id="rId40"/>
+    <p:sldId id="405" r:id="rId41"/>
+    <p:sldId id="406" r:id="rId42"/>
+    <p:sldId id="376" r:id="rId43"/>
+    <p:sldId id="377" r:id="rId44"/>
   </p:sldIdLst>
   <p:sldSz cx="12192000" cy="6858000"/>
   <p:notesSz cx="6858000" cy="9144000"/>
@@ -138,7 +148,7 @@
   </p:defaultTextStyle>
   <p:extLst>
     <p:ext uri="{EFAFB233-063F-42B5-8137-9DF3F51BA10A}">
-      <p15:sldGuideLst xmlns:p15="http://schemas.microsoft.com/office/powerpoint/2012/main" xmlns="">
+      <p15:sldGuideLst xmlns="" xmlns:p15="http://schemas.microsoft.com/office/powerpoint/2012/main">
         <p15:guide id="1" orient="horz" pos="2160">
           <p15:clr>
             <a:srgbClr val="A4A3A4"/>
@@ -287,7 +297,7 @@
             <a:fld id="{7FCC5AE5-E495-4913-B643-A95A6AFABB00}" type="datetimeFigureOut">
               <a:rPr kumimoji="1" lang="ja-JP" altLang="en-US" smtClean="0"/>
               <a:pPr/>
-              <a:t>2022/7/24</a:t>
+              <a:t>2022/8/1</a:t>
             </a:fld>
             <a:endParaRPr kumimoji="1" lang="ja-JP" altLang="en-US"/>
           </a:p>
@@ -339,7 +349,7 @@
     </p:spTree>
     <p:extLst>
       <p:ext uri="{BB962C8B-B14F-4D97-AF65-F5344CB8AC3E}">
-        <p14:creationId xmlns:p14="http://schemas.microsoft.com/office/powerpoint/2010/main" xmlns="" val="3096064434"/>
+        <p14:creationId xmlns="" xmlns:p14="http://schemas.microsoft.com/office/powerpoint/2010/main" val="3096064434"/>
       </p:ext>
     </p:extLst>
   </p:cSld>
@@ -459,7 +469,7 @@
             <a:fld id="{7FCC5AE5-E495-4913-B643-A95A6AFABB00}" type="datetimeFigureOut">
               <a:rPr kumimoji="1" lang="ja-JP" altLang="en-US" smtClean="0"/>
               <a:pPr/>
-              <a:t>2022/7/24</a:t>
+              <a:t>2022/8/1</a:t>
             </a:fld>
             <a:endParaRPr kumimoji="1" lang="ja-JP" altLang="en-US"/>
           </a:p>
@@ -511,7 +521,7 @@
     </p:spTree>
     <p:extLst>
       <p:ext uri="{BB962C8B-B14F-4D97-AF65-F5344CB8AC3E}">
-        <p14:creationId xmlns:p14="http://schemas.microsoft.com/office/powerpoint/2010/main" xmlns="" val="71407721"/>
+        <p14:creationId xmlns="" xmlns:p14="http://schemas.microsoft.com/office/powerpoint/2010/main" val="71407721"/>
       </p:ext>
     </p:extLst>
   </p:cSld>
@@ -641,7 +651,7 @@
             <a:fld id="{7FCC5AE5-E495-4913-B643-A95A6AFABB00}" type="datetimeFigureOut">
               <a:rPr kumimoji="1" lang="ja-JP" altLang="en-US" smtClean="0"/>
               <a:pPr/>
-              <a:t>2022/7/24</a:t>
+              <a:t>2022/8/1</a:t>
             </a:fld>
             <a:endParaRPr kumimoji="1" lang="ja-JP" altLang="en-US"/>
           </a:p>
@@ -693,7 +703,7 @@
     </p:spTree>
     <p:extLst>
       <p:ext uri="{BB962C8B-B14F-4D97-AF65-F5344CB8AC3E}">
-        <p14:creationId xmlns:p14="http://schemas.microsoft.com/office/powerpoint/2010/main" xmlns="" val="3852493858"/>
+        <p14:creationId xmlns="" xmlns:p14="http://schemas.microsoft.com/office/powerpoint/2010/main" val="3852493858"/>
       </p:ext>
     </p:extLst>
   </p:cSld>
@@ -813,7 +823,7 @@
             <a:fld id="{7FCC5AE5-E495-4913-B643-A95A6AFABB00}" type="datetimeFigureOut">
               <a:rPr kumimoji="1" lang="ja-JP" altLang="en-US" smtClean="0"/>
               <a:pPr/>
-              <a:t>2022/7/24</a:t>
+              <a:t>2022/8/1</a:t>
             </a:fld>
             <a:endParaRPr kumimoji="1" lang="ja-JP" altLang="en-US"/>
           </a:p>
@@ -865,7 +875,7 @@
     </p:spTree>
     <p:extLst>
       <p:ext uri="{BB962C8B-B14F-4D97-AF65-F5344CB8AC3E}">
-        <p14:creationId xmlns:p14="http://schemas.microsoft.com/office/powerpoint/2010/main" xmlns="" val="282795843"/>
+        <p14:creationId xmlns="" xmlns:p14="http://schemas.microsoft.com/office/powerpoint/2010/main" val="282795843"/>
       </p:ext>
     </p:extLst>
   </p:cSld>
@@ -1061,7 +1071,7 @@
             <a:fld id="{7FCC5AE5-E495-4913-B643-A95A6AFABB00}" type="datetimeFigureOut">
               <a:rPr kumimoji="1" lang="ja-JP" altLang="en-US" smtClean="0"/>
               <a:pPr/>
-              <a:t>2022/7/24</a:t>
+              <a:t>2022/8/1</a:t>
             </a:fld>
             <a:endParaRPr kumimoji="1" lang="ja-JP" altLang="en-US"/>
           </a:p>
@@ -1113,7 +1123,7 @@
     </p:spTree>
     <p:extLst>
       <p:ext uri="{BB962C8B-B14F-4D97-AF65-F5344CB8AC3E}">
-        <p14:creationId xmlns:p14="http://schemas.microsoft.com/office/powerpoint/2010/main" xmlns="" val="1315004973"/>
+        <p14:creationId xmlns="" xmlns:p14="http://schemas.microsoft.com/office/powerpoint/2010/main" val="1315004973"/>
       </p:ext>
     </p:extLst>
   </p:cSld>
@@ -1295,7 +1305,7 @@
             <a:fld id="{7FCC5AE5-E495-4913-B643-A95A6AFABB00}" type="datetimeFigureOut">
               <a:rPr kumimoji="1" lang="ja-JP" altLang="en-US" smtClean="0"/>
               <a:pPr/>
-              <a:t>2022/7/24</a:t>
+              <a:t>2022/8/1</a:t>
             </a:fld>
             <a:endParaRPr kumimoji="1" lang="ja-JP" altLang="en-US"/>
           </a:p>
@@ -1347,7 +1357,7 @@
     </p:spTree>
     <p:extLst>
       <p:ext uri="{BB962C8B-B14F-4D97-AF65-F5344CB8AC3E}">
-        <p14:creationId xmlns:p14="http://schemas.microsoft.com/office/powerpoint/2010/main" xmlns="" val="3048296005"/>
+        <p14:creationId xmlns="" xmlns:p14="http://schemas.microsoft.com/office/powerpoint/2010/main" val="3048296005"/>
       </p:ext>
     </p:extLst>
   </p:cSld>
@@ -1664,7 +1674,7 @@
             <a:fld id="{7FCC5AE5-E495-4913-B643-A95A6AFABB00}" type="datetimeFigureOut">
               <a:rPr kumimoji="1" lang="ja-JP" altLang="en-US" smtClean="0"/>
               <a:pPr/>
-              <a:t>2022/7/24</a:t>
+              <a:t>2022/8/1</a:t>
             </a:fld>
             <a:endParaRPr kumimoji="1" lang="ja-JP" altLang="en-US"/>
           </a:p>
@@ -1716,7 +1726,7 @@
     </p:spTree>
     <p:extLst>
       <p:ext uri="{BB962C8B-B14F-4D97-AF65-F5344CB8AC3E}">
-        <p14:creationId xmlns:p14="http://schemas.microsoft.com/office/powerpoint/2010/main" xmlns="" val="890299385"/>
+        <p14:creationId xmlns="" xmlns:p14="http://schemas.microsoft.com/office/powerpoint/2010/main" val="890299385"/>
       </p:ext>
     </p:extLst>
   </p:cSld>
@@ -1784,7 +1794,7 @@
             <a:fld id="{7FCC5AE5-E495-4913-B643-A95A6AFABB00}" type="datetimeFigureOut">
               <a:rPr kumimoji="1" lang="ja-JP" altLang="en-US" smtClean="0"/>
               <a:pPr/>
-              <a:t>2022/7/24</a:t>
+              <a:t>2022/8/1</a:t>
             </a:fld>
             <a:endParaRPr kumimoji="1" lang="ja-JP" altLang="en-US"/>
           </a:p>
@@ -1836,7 +1846,7 @@
     </p:spTree>
     <p:extLst>
       <p:ext uri="{BB962C8B-B14F-4D97-AF65-F5344CB8AC3E}">
-        <p14:creationId xmlns:p14="http://schemas.microsoft.com/office/powerpoint/2010/main" xmlns="" val="2049573599"/>
+        <p14:creationId xmlns="" xmlns:p14="http://schemas.microsoft.com/office/powerpoint/2010/main" val="2049573599"/>
       </p:ext>
     </p:extLst>
   </p:cSld>
@@ -1881,7 +1891,7 @@
             <a:fld id="{7FCC5AE5-E495-4913-B643-A95A6AFABB00}" type="datetimeFigureOut">
               <a:rPr kumimoji="1" lang="ja-JP" altLang="en-US" smtClean="0"/>
               <a:pPr/>
-              <a:t>2022/7/24</a:t>
+              <a:t>2022/8/1</a:t>
             </a:fld>
             <a:endParaRPr kumimoji="1" lang="ja-JP" altLang="en-US"/>
           </a:p>
@@ -1933,7 +1943,7 @@
     </p:spTree>
     <p:extLst>
       <p:ext uri="{BB962C8B-B14F-4D97-AF65-F5344CB8AC3E}">
-        <p14:creationId xmlns:p14="http://schemas.microsoft.com/office/powerpoint/2010/main" xmlns="" val="1896888541"/>
+        <p14:creationId xmlns="" xmlns:p14="http://schemas.microsoft.com/office/powerpoint/2010/main" val="1896888541"/>
       </p:ext>
     </p:extLst>
   </p:cSld>
@@ -2160,7 +2170,7 @@
             <a:fld id="{7FCC5AE5-E495-4913-B643-A95A6AFABB00}" type="datetimeFigureOut">
               <a:rPr kumimoji="1" lang="ja-JP" altLang="en-US" smtClean="0"/>
               <a:pPr/>
-              <a:t>2022/7/24</a:t>
+              <a:t>2022/8/1</a:t>
             </a:fld>
             <a:endParaRPr kumimoji="1" lang="ja-JP" altLang="en-US"/>
           </a:p>
@@ -2212,7 +2222,7 @@
     </p:spTree>
     <p:extLst>
       <p:ext uri="{BB962C8B-B14F-4D97-AF65-F5344CB8AC3E}">
-        <p14:creationId xmlns:p14="http://schemas.microsoft.com/office/powerpoint/2010/main" xmlns="" val="1581260034"/>
+        <p14:creationId xmlns="" xmlns:p14="http://schemas.microsoft.com/office/powerpoint/2010/main" val="1581260034"/>
       </p:ext>
     </p:extLst>
   </p:cSld>
@@ -2419,7 +2429,7 @@
             <a:fld id="{7FCC5AE5-E495-4913-B643-A95A6AFABB00}" type="datetimeFigureOut">
               <a:rPr kumimoji="1" lang="ja-JP" altLang="en-US" smtClean="0"/>
               <a:pPr/>
-              <a:t>2022/7/24</a:t>
+              <a:t>2022/8/1</a:t>
             </a:fld>
             <a:endParaRPr kumimoji="1" lang="ja-JP" altLang="en-US"/>
           </a:p>
@@ -2471,7 +2481,7 @@
     </p:spTree>
     <p:extLst>
       <p:ext uri="{BB962C8B-B14F-4D97-AF65-F5344CB8AC3E}">
-        <p14:creationId xmlns:p14="http://schemas.microsoft.com/office/powerpoint/2010/main" xmlns="" val="2397771766"/>
+        <p14:creationId xmlns="" xmlns:p14="http://schemas.microsoft.com/office/powerpoint/2010/main" val="2397771766"/>
       </p:ext>
     </p:extLst>
   </p:cSld>
@@ -2634,7 +2644,7 @@
             <a:fld id="{7FCC5AE5-E495-4913-B643-A95A6AFABB00}" type="datetimeFigureOut">
               <a:rPr kumimoji="1" lang="ja-JP" altLang="en-US" smtClean="0"/>
               <a:pPr/>
-              <a:t>2022/7/24</a:t>
+              <a:t>2022/8/1</a:t>
             </a:fld>
             <a:endParaRPr kumimoji="1" lang="ja-JP" altLang="en-US"/>
           </a:p>
@@ -2724,7 +2734,7 @@
           <p:cNvPr id="7" name="TextBox 6">
             <a:extLst>
               <a:ext uri="{FF2B5EF4-FFF2-40B4-BE49-F238E27FC236}">
-                <a16:creationId xmlns:a16="http://schemas.microsoft.com/office/drawing/2014/main" xmlns="" id="{847969B0-9AAB-4EBF-AF99-17A470D83F03}"/>
+                <a16:creationId xmlns="" xmlns:a16="http://schemas.microsoft.com/office/drawing/2014/main" id="{847969B0-9AAB-4EBF-AF99-17A470D83F03}"/>
               </a:ext>
             </a:extLst>
           </p:cNvPr>
@@ -2771,7 +2781,7 @@
     </p:spTree>
     <p:extLst>
       <p:ext uri="{BB962C8B-B14F-4D97-AF65-F5344CB8AC3E}">
-        <p14:creationId xmlns:p14="http://schemas.microsoft.com/office/powerpoint/2010/main" xmlns="" val="492407304"/>
+        <p14:creationId xmlns="" xmlns:p14="http://schemas.microsoft.com/office/powerpoint/2010/main" val="492407304"/>
       </p:ext>
     </p:extLst>
   </p:cSld>
@@ -3195,7 +3205,7 @@
     </p:spTree>
     <p:extLst>
       <p:ext uri="{BB962C8B-B14F-4D97-AF65-F5344CB8AC3E}">
-        <p14:creationId xmlns:p14="http://schemas.microsoft.com/office/powerpoint/2010/main" xmlns="" val="4062787881"/>
+        <p14:creationId xmlns="" xmlns:p14="http://schemas.microsoft.com/office/powerpoint/2010/main" val="4062787881"/>
       </p:ext>
     </p:extLst>
   </p:cSld>
@@ -4253,7 +4263,7 @@
     </p:spTree>
     <p:extLst>
       <p:ext uri="{BB962C8B-B14F-4D97-AF65-F5344CB8AC3E}">
-        <p14:creationId xmlns:p14="http://schemas.microsoft.com/office/powerpoint/2010/main" xmlns="" val="2348806858"/>
+        <p14:creationId xmlns="" xmlns:p14="http://schemas.microsoft.com/office/powerpoint/2010/main" val="2348806858"/>
       </p:ext>
     </p:extLst>
   </p:cSld>
@@ -5195,7 +5205,7 @@
     </p:spTree>
     <p:extLst>
       <p:ext uri="{BB962C8B-B14F-4D97-AF65-F5344CB8AC3E}">
-        <p14:creationId xmlns:p14="http://schemas.microsoft.com/office/powerpoint/2010/main" xmlns="" val="1874104817"/>
+        <p14:creationId xmlns="" xmlns:p14="http://schemas.microsoft.com/office/powerpoint/2010/main" val="1874104817"/>
       </p:ext>
     </p:extLst>
   </p:cSld>
@@ -6342,7 +6352,7 @@
     </p:spTree>
     <p:extLst>
       <p:ext uri="{BB962C8B-B14F-4D97-AF65-F5344CB8AC3E}">
-        <p14:creationId xmlns:p14="http://schemas.microsoft.com/office/powerpoint/2010/main" xmlns="" val="2329377255"/>
+        <p14:creationId xmlns="" xmlns:p14="http://schemas.microsoft.com/office/powerpoint/2010/main" val="2329377255"/>
       </p:ext>
     </p:extLst>
   </p:cSld>
@@ -7158,7 +7168,7 @@
     </p:spTree>
     <p:extLst>
       <p:ext uri="{BB962C8B-B14F-4D97-AF65-F5344CB8AC3E}">
-        <p14:creationId xmlns:p14="http://schemas.microsoft.com/office/powerpoint/2010/main" xmlns="" val="1192523812"/>
+        <p14:creationId xmlns="" xmlns:p14="http://schemas.microsoft.com/office/powerpoint/2010/main" val="1192523812"/>
       </p:ext>
     </p:extLst>
   </p:cSld>
@@ -8012,7 +8022,7 @@
     </p:spTree>
     <p:extLst>
       <p:ext uri="{BB962C8B-B14F-4D97-AF65-F5344CB8AC3E}">
-        <p14:creationId xmlns:p14="http://schemas.microsoft.com/office/powerpoint/2010/main" xmlns="" val="1239172985"/>
+        <p14:creationId xmlns="" xmlns:p14="http://schemas.microsoft.com/office/powerpoint/2010/main" val="1239172985"/>
       </p:ext>
     </p:extLst>
   </p:cSld>
@@ -8779,7 +8789,7 @@
     </p:spTree>
     <p:extLst>
       <p:ext uri="{BB962C8B-B14F-4D97-AF65-F5344CB8AC3E}">
-        <p14:creationId xmlns:p14="http://schemas.microsoft.com/office/powerpoint/2010/main" xmlns="" val="2572437890"/>
+        <p14:creationId xmlns="" xmlns:p14="http://schemas.microsoft.com/office/powerpoint/2010/main" val="2572437890"/>
       </p:ext>
     </p:extLst>
   </p:cSld>
@@ -9163,7 +9173,7 @@
     </p:spTree>
     <p:extLst>
       <p:ext uri="{BB962C8B-B14F-4D97-AF65-F5344CB8AC3E}">
-        <p14:creationId xmlns:p14="http://schemas.microsoft.com/office/powerpoint/2010/main" xmlns="" val="1341943194"/>
+        <p14:creationId xmlns="" xmlns:p14="http://schemas.microsoft.com/office/powerpoint/2010/main" val="1341943194"/>
       </p:ext>
     </p:extLst>
   </p:cSld>
@@ -9784,7 +9794,7 @@
     </p:spTree>
     <p:extLst>
       <p:ext uri="{BB962C8B-B14F-4D97-AF65-F5344CB8AC3E}">
-        <p14:creationId xmlns:p14="http://schemas.microsoft.com/office/powerpoint/2010/main" xmlns="" val="1938830310"/>
+        <p14:creationId xmlns="" xmlns:p14="http://schemas.microsoft.com/office/powerpoint/2010/main" val="1938830310"/>
       </p:ext>
     </p:extLst>
   </p:cSld>
@@ -10177,7 +10187,7 @@
       </p:sp>
       <p:pic>
         <p:nvPicPr>
-          <p:cNvPr id="2050" name="Picture 2"/>
+          <p:cNvPr id="3074" name="Picture 2"/>
           <p:cNvPicPr>
             <a:picLocks noGrp="1" noChangeAspect="1" noChangeArrowheads="1"/>
           </p:cNvPicPr>
@@ -10194,8 +10204,8 @@
         </p:blipFill>
         <p:spPr bwMode="auto">
           <a:xfrm>
-            <a:off x="1714636" y="1581672"/>
-            <a:ext cx="8565833" cy="4701562"/>
+            <a:off x="947193" y="1384664"/>
+            <a:ext cx="10339116" cy="5225142"/>
           </a:xfrm>
           <a:prstGeom prst="rect">
             <a:avLst/>
@@ -10258,15 +10268,32 @@
           </a:p>
         </p:txBody>
       </p:sp>
-      <p:pic>
-        <p:nvPicPr>
-          <p:cNvPr id="3074" name="Picture 2"/>
-          <p:cNvPicPr>
-            <a:picLocks noGrp="1" noChangeAspect="1" noChangeArrowheads="1"/>
-          </p:cNvPicPr>
+      <p:sp>
+        <p:nvSpPr>
+          <p:cNvPr id="4" name="Content Placeholder 3"/>
+          <p:cNvSpPr>
+            <a:spLocks noGrp="1"/>
+          </p:cNvSpPr>
           <p:nvPr>
             <p:ph idx="1"/>
           </p:nvPr>
+        </p:nvSpPr>
+        <p:spPr/>
+        <p:txBody>
+          <a:bodyPr/>
+          <a:lstStyle/>
+          <a:p>
+            <a:endParaRPr lang="en-US"/>
+          </a:p>
+        </p:txBody>
+      </p:sp>
+      <p:pic>
+        <p:nvPicPr>
+          <p:cNvPr id="4098" name="Picture 2"/>
+          <p:cNvPicPr>
+            <a:picLocks noChangeAspect="1" noChangeArrowheads="1"/>
+          </p:cNvPicPr>
+          <p:nvPr/>
         </p:nvPicPr>
         <p:blipFill>
           <a:blip r:embed="rId2"/>
@@ -10277,8 +10304,8 @@
         </p:blipFill>
         <p:spPr bwMode="auto">
           <a:xfrm>
-            <a:off x="947193" y="1384664"/>
-            <a:ext cx="10339116" cy="5225142"/>
+            <a:off x="2506300" y="1891394"/>
+            <a:ext cx="7225528" cy="4381500"/>
           </a:xfrm>
           <a:prstGeom prst="rect">
             <a:avLst/>
@@ -10435,38 +10462,21 @@
           <a:p>
             <a:r>
               <a:rPr lang="en-US" dirty="0" smtClean="0"/>
-              <a:t>Other Loops</a:t>
+              <a:t>Map</a:t>
             </a:r>
             <a:endParaRPr lang="en-US" dirty="0"/>
           </a:p>
         </p:txBody>
       </p:sp>
-      <p:sp>
-        <p:nvSpPr>
-          <p:cNvPr id="4" name="Content Placeholder 3"/>
-          <p:cNvSpPr>
-            <a:spLocks noGrp="1"/>
-          </p:cNvSpPr>
+      <p:pic>
+        <p:nvPicPr>
+          <p:cNvPr id="1026" name="Picture 2"/>
+          <p:cNvPicPr>
+            <a:picLocks noGrp="1" noChangeAspect="1" noChangeArrowheads="1"/>
+          </p:cNvPicPr>
           <p:nvPr>
             <p:ph idx="1"/>
           </p:nvPr>
-        </p:nvSpPr>
-        <p:spPr/>
-        <p:txBody>
-          <a:bodyPr/>
-          <a:lstStyle/>
-          <a:p>
-            <a:endParaRPr lang="en-US"/>
-          </a:p>
-        </p:txBody>
-      </p:sp>
-      <p:pic>
-        <p:nvPicPr>
-          <p:cNvPr id="4098" name="Picture 2"/>
-          <p:cNvPicPr>
-            <a:picLocks noChangeAspect="1" noChangeArrowheads="1"/>
-          </p:cNvPicPr>
-          <p:nvPr/>
         </p:nvPicPr>
         <p:blipFill>
           <a:blip r:embed="rId2"/>
@@ -10477,8 +10487,41 @@
         </p:blipFill>
         <p:spPr bwMode="auto">
           <a:xfrm>
-            <a:off x="2506300" y="1891394"/>
-            <a:ext cx="7225528" cy="4381500"/>
+            <a:off x="1832746" y="1444784"/>
+            <a:ext cx="7324725" cy="3467100"/>
+          </a:xfrm>
+          <a:prstGeom prst="rect">
+            <a:avLst/>
+          </a:prstGeom>
+          <a:noFill/>
+          <a:ln w="9525">
+            <a:noFill/>
+            <a:miter lim="800000"/>
+            <a:headEnd/>
+            <a:tailEnd/>
+          </a:ln>
+          <a:effectLst/>
+        </p:spPr>
+      </p:pic>
+      <p:pic>
+        <p:nvPicPr>
+          <p:cNvPr id="1027" name="Picture 3"/>
+          <p:cNvPicPr>
+            <a:picLocks noChangeAspect="1" noChangeArrowheads="1"/>
+          </p:cNvPicPr>
+          <p:nvPr/>
+        </p:nvPicPr>
+        <p:blipFill>
+          <a:blip r:embed="rId3"/>
+          <a:srcRect/>
+          <a:stretch>
+            <a:fillRect/>
+          </a:stretch>
+        </p:blipFill>
+        <p:spPr bwMode="auto">
+          <a:xfrm>
+            <a:off x="1959428" y="5349512"/>
+            <a:ext cx="7040879" cy="1103540"/>
           </a:xfrm>
           <a:prstGeom prst="rect">
             <a:avLst/>
@@ -10535,7 +10578,7 @@
           <a:p>
             <a:r>
               <a:rPr lang="en-US" dirty="0" smtClean="0"/>
-              <a:t>Other Loops</a:t>
+              <a:t>Map with index value</a:t>
             </a:r>
             <a:endParaRPr lang="en-US" dirty="0"/>
           </a:p>
@@ -10543,7 +10586,7 @@
       </p:sp>
       <p:pic>
         <p:nvPicPr>
-          <p:cNvPr id="5122" name="Picture 2"/>
+          <p:cNvPr id="4098" name="Picture 2"/>
           <p:cNvPicPr>
             <a:picLocks noGrp="1" noChangeAspect="1" noChangeArrowheads="1"/>
           </p:cNvPicPr>
@@ -10560,8 +10603,41 @@
         </p:blipFill>
         <p:spPr bwMode="auto">
           <a:xfrm>
-            <a:off x="1384119" y="1817755"/>
-            <a:ext cx="9026978" cy="4314825"/>
+            <a:off x="2228850" y="2339181"/>
+            <a:ext cx="7734300" cy="3324225"/>
+          </a:xfrm>
+          <a:prstGeom prst="rect">
+            <a:avLst/>
+          </a:prstGeom>
+          <a:noFill/>
+          <a:ln w="9525">
+            <a:noFill/>
+            <a:miter lim="800000"/>
+            <a:headEnd/>
+            <a:tailEnd/>
+          </a:ln>
+          <a:effectLst/>
+        </p:spPr>
+      </p:pic>
+      <p:pic>
+        <p:nvPicPr>
+          <p:cNvPr id="4099" name="Picture 3"/>
+          <p:cNvPicPr>
+            <a:picLocks noChangeAspect="1" noChangeArrowheads="1"/>
+          </p:cNvPicPr>
+          <p:nvPr/>
+        </p:nvPicPr>
+        <p:blipFill>
+          <a:blip r:embed="rId3"/>
+          <a:srcRect/>
+          <a:stretch>
+            <a:fillRect/>
+          </a:stretch>
+        </p:blipFill>
+        <p:spPr bwMode="auto">
+          <a:xfrm>
+            <a:off x="4670788" y="5909310"/>
+            <a:ext cx="2876550" cy="342900"/>
           </a:xfrm>
           <a:prstGeom prst="rect">
             <a:avLst/>
@@ -10618,7 +10694,7 @@
           <a:p>
             <a:r>
               <a:rPr lang="en-US" dirty="0" smtClean="0"/>
-              <a:t>Other Loops</a:t>
+              <a:t>Filter</a:t>
             </a:r>
             <a:endParaRPr lang="en-US" dirty="0"/>
           </a:p>
@@ -10626,7 +10702,7 @@
       </p:sp>
       <p:pic>
         <p:nvPicPr>
-          <p:cNvPr id="6146" name="Picture 2"/>
+          <p:cNvPr id="2050" name="Picture 2"/>
           <p:cNvPicPr>
             <a:picLocks noGrp="1" noChangeAspect="1" noChangeArrowheads="1"/>
           </p:cNvPicPr>
@@ -10643,8 +10719,41 @@
         </p:blipFill>
         <p:spPr bwMode="auto">
           <a:xfrm>
-            <a:off x="1280160" y="1551736"/>
-            <a:ext cx="9535886" cy="4849064"/>
+            <a:off x="2309949" y="1627800"/>
+            <a:ext cx="7467600" cy="3362325"/>
+          </a:xfrm>
+          <a:prstGeom prst="rect">
+            <a:avLst/>
+          </a:prstGeom>
+          <a:noFill/>
+          <a:ln w="9525">
+            <a:noFill/>
+            <a:miter lim="800000"/>
+            <a:headEnd/>
+            <a:tailEnd/>
+          </a:ln>
+          <a:effectLst/>
+        </p:spPr>
+      </p:pic>
+      <p:pic>
+        <p:nvPicPr>
+          <p:cNvPr id="2051" name="Picture 3"/>
+          <p:cNvPicPr>
+            <a:picLocks noChangeAspect="1" noChangeArrowheads="1"/>
+          </p:cNvPicPr>
+          <p:nvPr/>
+        </p:nvPicPr>
+        <p:blipFill>
+          <a:blip r:embed="rId3"/>
+          <a:srcRect/>
+          <a:stretch>
+            <a:fillRect/>
+          </a:stretch>
+        </p:blipFill>
+        <p:spPr bwMode="auto">
+          <a:xfrm>
+            <a:off x="4781006" y="5656216"/>
+            <a:ext cx="3918857" cy="888275"/>
           </a:xfrm>
           <a:prstGeom prst="rect">
             <a:avLst/>
@@ -10700,8 +10809,8 @@
           <a:lstStyle/>
           <a:p>
             <a:r>
-              <a:rPr lang="en-US" dirty="0" err="1" smtClean="0"/>
-              <a:t>Map,Filter,Reduce</a:t>
+              <a:rPr lang="en-US" dirty="0" smtClean="0"/>
+              <a:t>Find</a:t>
             </a:r>
             <a:endParaRPr lang="en-US" dirty="0"/>
           </a:p>
@@ -10709,7 +10818,7 @@
       </p:sp>
       <p:pic>
         <p:nvPicPr>
-          <p:cNvPr id="8194" name="Picture 2"/>
+          <p:cNvPr id="3074" name="Picture 2"/>
           <p:cNvPicPr>
             <a:picLocks noGrp="1" noChangeAspect="1" noChangeArrowheads="1"/>
           </p:cNvPicPr>
@@ -10726,8 +10835,41 @@
         </p:blipFill>
         <p:spPr bwMode="auto">
           <a:xfrm>
-            <a:off x="1070189" y="1525180"/>
-            <a:ext cx="10216119" cy="5058500"/>
+            <a:off x="2669313" y="2048260"/>
+            <a:ext cx="6905625" cy="3305175"/>
+          </a:xfrm>
+          <a:prstGeom prst="rect">
+            <a:avLst/>
+          </a:prstGeom>
+          <a:noFill/>
+          <a:ln w="9525">
+            <a:noFill/>
+            <a:miter lim="800000"/>
+            <a:headEnd/>
+            <a:tailEnd/>
+          </a:ln>
+          <a:effectLst/>
+        </p:spPr>
+      </p:pic>
+      <p:pic>
+        <p:nvPicPr>
+          <p:cNvPr id="3075" name="Picture 3"/>
+          <p:cNvPicPr>
+            <a:picLocks noChangeAspect="1" noChangeArrowheads="1"/>
+          </p:cNvPicPr>
+          <p:nvPr/>
+        </p:nvPicPr>
+        <p:blipFill>
+          <a:blip r:embed="rId3"/>
+          <a:srcRect/>
+          <a:stretch>
+            <a:fillRect/>
+          </a:stretch>
+        </p:blipFill>
+        <p:spPr bwMode="auto">
+          <a:xfrm>
+            <a:off x="4905647" y="5687650"/>
+            <a:ext cx="2171700" cy="942975"/>
           </a:xfrm>
           <a:prstGeom prst="rect">
             <a:avLst/>
@@ -10769,628 +10911,100 @@
       </p:grpSpPr>
       <p:sp>
         <p:nvSpPr>
-          <p:cNvPr id="4" name="Content Placeholder 13"/>
-          <p:cNvSpPr txBox="1">
-            <a:spLocks/>
+          <p:cNvPr id="2" name="Title 1"/>
+          <p:cNvSpPr>
+            <a:spLocks noGrp="1"/>
           </p:cNvSpPr>
-          <p:nvPr/>
-        </p:nvSpPr>
-        <p:spPr>
+          <p:nvPr>
+            <p:ph type="title"/>
+          </p:nvPr>
+        </p:nvSpPr>
+        <p:spPr/>
+        <p:txBody>
+          <a:bodyPr/>
+          <a:lstStyle/>
+          <a:p>
+            <a:r>
+              <a:rPr lang="en-US" dirty="0" smtClean="0"/>
+              <a:t>reduce</a:t>
+            </a:r>
+            <a:endParaRPr lang="en-US" dirty="0"/>
+          </a:p>
+        </p:txBody>
+      </p:sp>
+      <p:pic>
+        <p:nvPicPr>
+          <p:cNvPr id="13314" name="Picture 2"/>
+          <p:cNvPicPr>
+            <a:picLocks noGrp="1" noChangeAspect="1" noChangeArrowheads="1"/>
+          </p:cNvPicPr>
+          <p:nvPr>
+            <p:ph idx="1"/>
+          </p:nvPr>
+        </p:nvPicPr>
+        <p:blipFill>
+          <a:blip r:embed="rId2"/>
+          <a:srcRect/>
+          <a:stretch>
+            <a:fillRect/>
+          </a:stretch>
+        </p:blipFill>
+        <p:spPr bwMode="auto">
           <a:xfrm>
-            <a:off x="256350" y="19305"/>
-            <a:ext cx="9791700" cy="630192"/>
+            <a:off x="2635023" y="1674745"/>
+            <a:ext cx="6791325" cy="2876550"/>
           </a:xfrm>
           <a:prstGeom prst="rect">
             <a:avLst/>
           </a:prstGeom>
+          <a:noFill/>
+          <a:ln w="9525">
+            <a:noFill/>
+            <a:miter lim="800000"/>
+            <a:headEnd/>
+            <a:tailEnd/>
+          </a:ln>
+          <a:effectLst/>
         </p:spPr>
-        <p:txBody>
-          <a:bodyPr vert="horz" lIns="91440" tIns="45720" rIns="91440" bIns="45720" rtlCol="0">
-            <a:noAutofit/>
-          </a:bodyPr>
-          <a:lstStyle>
-            <a:lvl1pPr marL="0" indent="0" algn="ctr" defTabSz="914400" rtl="0" eaLnBrk="1" latinLnBrk="0" hangingPunct="1">
-              <a:lnSpc>
-                <a:spcPct val="90000"/>
-              </a:lnSpc>
-              <a:spcBef>
-                <a:spcPts val="1000"/>
-              </a:spcBef>
-              <a:buFont typeface="Arial" panose="020B0604020202020204" pitchFamily="34" charset="0"/>
-              <a:buNone/>
-              <a:defRPr kumimoji="1" sz="2400" kern="1200">
-                <a:solidFill>
-                  <a:schemeClr val="tx1"/>
-                </a:solidFill>
-                <a:latin typeface="+mn-lt"/>
-                <a:ea typeface="+mn-ea"/>
-                <a:cs typeface="+mn-cs"/>
-              </a:defRPr>
-            </a:lvl1pPr>
-            <a:lvl2pPr marL="457200" indent="0" algn="ctr" defTabSz="914400" rtl="0" eaLnBrk="1" latinLnBrk="0" hangingPunct="1">
-              <a:lnSpc>
-                <a:spcPct val="90000"/>
-              </a:lnSpc>
-              <a:spcBef>
-                <a:spcPts val="500"/>
-              </a:spcBef>
-              <a:buFont typeface="Arial" panose="020B0604020202020204" pitchFamily="34" charset="0"/>
-              <a:buNone/>
-              <a:defRPr kumimoji="1" sz="2000" kern="1200">
-                <a:solidFill>
-                  <a:schemeClr val="tx1"/>
-                </a:solidFill>
-                <a:latin typeface="+mn-lt"/>
-                <a:ea typeface="+mn-ea"/>
-                <a:cs typeface="+mn-cs"/>
-              </a:defRPr>
-            </a:lvl2pPr>
-            <a:lvl3pPr marL="914400" indent="0" algn="ctr" defTabSz="914400" rtl="0" eaLnBrk="1" latinLnBrk="0" hangingPunct="1">
-              <a:lnSpc>
-                <a:spcPct val="90000"/>
-              </a:lnSpc>
-              <a:spcBef>
-                <a:spcPts val="500"/>
-              </a:spcBef>
-              <a:buFont typeface="Arial" panose="020B0604020202020204" pitchFamily="34" charset="0"/>
-              <a:buNone/>
-              <a:defRPr kumimoji="1" sz="1800" kern="1200">
-                <a:solidFill>
-                  <a:schemeClr val="tx1"/>
-                </a:solidFill>
-                <a:latin typeface="+mn-lt"/>
-                <a:ea typeface="+mn-ea"/>
-                <a:cs typeface="+mn-cs"/>
-              </a:defRPr>
-            </a:lvl3pPr>
-            <a:lvl4pPr marL="1371600" indent="0" algn="ctr" defTabSz="914400" rtl="0" eaLnBrk="1" latinLnBrk="0" hangingPunct="1">
-              <a:lnSpc>
-                <a:spcPct val="90000"/>
-              </a:lnSpc>
-              <a:spcBef>
-                <a:spcPts val="500"/>
-              </a:spcBef>
-              <a:buFont typeface="Arial" panose="020B0604020202020204" pitchFamily="34" charset="0"/>
-              <a:buNone/>
-              <a:defRPr kumimoji="1" sz="1600" kern="1200">
-                <a:solidFill>
-                  <a:schemeClr val="tx1"/>
-                </a:solidFill>
-                <a:latin typeface="+mn-lt"/>
-                <a:ea typeface="+mn-ea"/>
-                <a:cs typeface="+mn-cs"/>
-              </a:defRPr>
-            </a:lvl4pPr>
-            <a:lvl5pPr marL="1828800" indent="0" algn="ctr" defTabSz="914400" rtl="0" eaLnBrk="1" latinLnBrk="0" hangingPunct="1">
-              <a:lnSpc>
-                <a:spcPct val="90000"/>
-              </a:lnSpc>
-              <a:spcBef>
-                <a:spcPts val="500"/>
-              </a:spcBef>
-              <a:buFont typeface="Arial" panose="020B0604020202020204" pitchFamily="34" charset="0"/>
-              <a:buNone/>
-              <a:defRPr kumimoji="1" sz="1600" kern="1200">
-                <a:solidFill>
-                  <a:schemeClr val="tx1"/>
-                </a:solidFill>
-                <a:latin typeface="+mn-lt"/>
-                <a:ea typeface="+mn-ea"/>
-                <a:cs typeface="+mn-cs"/>
-              </a:defRPr>
-            </a:lvl5pPr>
-            <a:lvl6pPr marL="2286000" indent="0" algn="ctr" defTabSz="914400" rtl="0" eaLnBrk="1" latinLnBrk="0" hangingPunct="1">
-              <a:lnSpc>
-                <a:spcPct val="90000"/>
-              </a:lnSpc>
-              <a:spcBef>
-                <a:spcPts val="500"/>
-              </a:spcBef>
-              <a:buFont typeface="Arial" panose="020B0604020202020204" pitchFamily="34" charset="0"/>
-              <a:buNone/>
-              <a:defRPr kumimoji="1" sz="1600" kern="1200">
-                <a:solidFill>
-                  <a:schemeClr val="tx1"/>
-                </a:solidFill>
-                <a:latin typeface="+mn-lt"/>
-                <a:ea typeface="+mn-ea"/>
-                <a:cs typeface="+mn-cs"/>
-              </a:defRPr>
-            </a:lvl6pPr>
-            <a:lvl7pPr marL="2743200" indent="0" algn="ctr" defTabSz="914400" rtl="0" eaLnBrk="1" latinLnBrk="0" hangingPunct="1">
-              <a:lnSpc>
-                <a:spcPct val="90000"/>
-              </a:lnSpc>
-              <a:spcBef>
-                <a:spcPts val="500"/>
-              </a:spcBef>
-              <a:buFont typeface="Arial" panose="020B0604020202020204" pitchFamily="34" charset="0"/>
-              <a:buNone/>
-              <a:defRPr kumimoji="1" sz="1600" kern="1200">
-                <a:solidFill>
-                  <a:schemeClr val="tx1"/>
-                </a:solidFill>
-                <a:latin typeface="+mn-lt"/>
-                <a:ea typeface="+mn-ea"/>
-                <a:cs typeface="+mn-cs"/>
-              </a:defRPr>
-            </a:lvl7pPr>
-            <a:lvl8pPr marL="3200400" indent="0" algn="ctr" defTabSz="914400" rtl="0" eaLnBrk="1" latinLnBrk="0" hangingPunct="1">
-              <a:lnSpc>
-                <a:spcPct val="90000"/>
-              </a:lnSpc>
-              <a:spcBef>
-                <a:spcPts val="500"/>
-              </a:spcBef>
-              <a:buFont typeface="Arial" panose="020B0604020202020204" pitchFamily="34" charset="0"/>
-              <a:buNone/>
-              <a:defRPr kumimoji="1" sz="1600" kern="1200">
-                <a:solidFill>
-                  <a:schemeClr val="tx1"/>
-                </a:solidFill>
-                <a:latin typeface="+mn-lt"/>
-                <a:ea typeface="+mn-ea"/>
-                <a:cs typeface="+mn-cs"/>
-              </a:defRPr>
-            </a:lvl8pPr>
-            <a:lvl9pPr marL="3657600" indent="0" algn="ctr" defTabSz="914400" rtl="0" eaLnBrk="1" latinLnBrk="0" hangingPunct="1">
-              <a:lnSpc>
-                <a:spcPct val="90000"/>
-              </a:lnSpc>
-              <a:spcBef>
-                <a:spcPts val="500"/>
-              </a:spcBef>
-              <a:buFont typeface="Arial" panose="020B0604020202020204" pitchFamily="34" charset="0"/>
-              <a:buNone/>
-              <a:defRPr kumimoji="1" sz="1600" kern="1200">
-                <a:solidFill>
-                  <a:schemeClr val="tx1"/>
-                </a:solidFill>
-                <a:latin typeface="+mn-lt"/>
-                <a:ea typeface="+mn-ea"/>
-                <a:cs typeface="+mn-cs"/>
-              </a:defRPr>
-            </a:lvl9pPr>
-          </a:lstStyle>
-          <a:p>
-            <a:pPr algn="l"/>
-            <a:r>
-              <a:rPr lang="en-US" sz="3600" b="1" dirty="0" smtClean="0">
-                <a:solidFill>
-                  <a:srgbClr val="0064B5"/>
-                </a:solidFill>
-              </a:rPr>
-              <a:t>Object</a:t>
-            </a:r>
-            <a:endParaRPr lang="en-US" sz="3600" b="1" dirty="0">
-              <a:solidFill>
-                <a:srgbClr val="0064B5"/>
-              </a:solidFill>
-            </a:endParaRPr>
-          </a:p>
-        </p:txBody>
-      </p:sp>
-      <p:sp>
-        <p:nvSpPr>
-          <p:cNvPr id="11" name="Rectangle 10"/>
-          <p:cNvSpPr/>
+      </p:pic>
+      <p:pic>
+        <p:nvPicPr>
+          <p:cNvPr id="13315" name="Picture 3"/>
+          <p:cNvPicPr>
+            <a:picLocks noChangeAspect="1" noChangeArrowheads="1"/>
+          </p:cNvPicPr>
           <p:nvPr/>
-        </p:nvSpPr>
-        <p:spPr>
+        </p:nvPicPr>
+        <p:blipFill>
+          <a:blip r:embed="rId3"/>
+          <a:srcRect/>
+          <a:stretch>
+            <a:fillRect/>
+          </a:stretch>
+        </p:blipFill>
+        <p:spPr bwMode="auto">
           <a:xfrm>
-            <a:off x="261248" y="539309"/>
-            <a:ext cx="10228770" cy="369332"/>
+            <a:off x="4534090" y="5002123"/>
+            <a:ext cx="2939905" cy="641032"/>
           </a:xfrm>
           <a:prstGeom prst="rect">
             <a:avLst/>
           </a:prstGeom>
-        </p:spPr>
-        <p:txBody>
-          <a:bodyPr wrap="square">
-            <a:spAutoFit/>
-          </a:bodyPr>
-          <a:lstStyle/>
-          <a:p>
-            <a:r>
-              <a:rPr lang="en-US" dirty="0"/>
-              <a:t>JavaScript object is a non-primitive data-type that allows you to store multiple collections of data</a:t>
-            </a:r>
-            <a:endParaRPr lang="en-IN" b="1" u="sng" dirty="0"/>
-          </a:p>
-        </p:txBody>
-      </p:sp>
-      <p:sp>
-        <p:nvSpPr>
-          <p:cNvPr id="21" name="Rectangle 20"/>
-          <p:cNvSpPr/>
-          <p:nvPr/>
-        </p:nvSpPr>
-        <p:spPr>
-          <a:xfrm>
-            <a:off x="332279" y="985826"/>
-            <a:ext cx="4973685" cy="1463994"/>
-          </a:xfrm>
-          <a:prstGeom prst="rect">
-            <a:avLst/>
-          </a:prstGeom>
-          <a:gradFill flip="none" rotWithShape="1">
-            <a:gsLst>
-              <a:gs pos="0">
-                <a:schemeClr val="bg2"/>
-              </a:gs>
-              <a:gs pos="50000">
-                <a:schemeClr val="accent3">
-                  <a:lumMod val="20000"/>
-                  <a:lumOff val="80000"/>
-                  <a:shade val="67500"/>
-                  <a:satMod val="115000"/>
-                </a:schemeClr>
-              </a:gs>
-              <a:gs pos="100000">
-                <a:schemeClr val="accent3">
-                  <a:lumMod val="20000"/>
-                  <a:lumOff val="80000"/>
-                  <a:shade val="100000"/>
-                  <a:satMod val="115000"/>
-                </a:schemeClr>
-              </a:gs>
-            </a:gsLst>
-            <a:lin ang="6600000" scaled="0"/>
-            <a:tileRect/>
-          </a:gradFill>
-          <a:ln>
-            <a:solidFill>
-              <a:schemeClr val="tx1">
-                <a:lumMod val="50000"/>
-                <a:lumOff val="50000"/>
-              </a:schemeClr>
-            </a:solidFill>
+          <a:noFill/>
+          <a:ln w="9525">
+            <a:noFill/>
+            <a:miter lim="800000"/>
+            <a:headEnd/>
+            <a:tailEnd/>
           </a:ln>
-        </p:spPr>
-        <p:style>
-          <a:lnRef idx="2">
-            <a:schemeClr val="accent1">
-              <a:shade val="50000"/>
-            </a:schemeClr>
-          </a:lnRef>
-          <a:fillRef idx="1">
-            <a:schemeClr val="accent1"/>
-          </a:fillRef>
-          <a:effectRef idx="0">
-            <a:schemeClr val="accent1"/>
-          </a:effectRef>
-          <a:fontRef idx="minor">
-            <a:schemeClr val="lt1"/>
-          </a:fontRef>
-        </p:style>
-        <p:txBody>
-          <a:bodyPr rtlCol="0" anchor="ctr"/>
-          <a:lstStyle/>
-          <a:p>
-            <a:r>
-              <a:rPr lang="en-US" sz="1500" b="1" u="sng" dirty="0" smtClean="0">
-                <a:solidFill>
-                  <a:schemeClr val="tx1"/>
-                </a:solidFill>
-              </a:rPr>
-              <a:t>Syntax:</a:t>
-            </a:r>
-          </a:p>
-          <a:p>
-            <a:r>
-              <a:rPr lang="en-US" sz="1500" dirty="0" err="1">
-                <a:solidFill>
-                  <a:schemeClr val="tx1"/>
-                </a:solidFill>
-              </a:rPr>
-              <a:t>const</a:t>
-            </a:r>
-            <a:r>
-              <a:rPr lang="en-US" sz="1500" dirty="0">
-                <a:solidFill>
-                  <a:schemeClr val="tx1"/>
-                </a:solidFill>
-              </a:rPr>
-              <a:t> </a:t>
-            </a:r>
-            <a:r>
-              <a:rPr lang="en-US" sz="1500" dirty="0" err="1">
-                <a:solidFill>
-                  <a:schemeClr val="tx1"/>
-                </a:solidFill>
-              </a:rPr>
-              <a:t>object_name</a:t>
-            </a:r>
-            <a:r>
-              <a:rPr lang="en-US" sz="1500" dirty="0">
-                <a:solidFill>
-                  <a:schemeClr val="tx1"/>
-                </a:solidFill>
-              </a:rPr>
-              <a:t> = {</a:t>
-            </a:r>
-          </a:p>
-          <a:p>
-            <a:r>
-              <a:rPr lang="en-US" sz="1500" dirty="0">
-                <a:solidFill>
-                  <a:schemeClr val="tx1"/>
-                </a:solidFill>
-              </a:rPr>
-              <a:t>   key1: value1,</a:t>
-            </a:r>
-          </a:p>
-          <a:p>
-            <a:r>
-              <a:rPr lang="en-US" sz="1500" dirty="0">
-                <a:solidFill>
-                  <a:schemeClr val="tx1"/>
-                </a:solidFill>
-              </a:rPr>
-              <a:t>   key2: value2</a:t>
-            </a:r>
-          </a:p>
-          <a:p>
-            <a:r>
-              <a:rPr lang="en-US" sz="1500" dirty="0" smtClean="0">
-                <a:solidFill>
-                  <a:schemeClr val="tx1"/>
-                </a:solidFill>
-              </a:rPr>
-              <a:t>}</a:t>
-            </a:r>
-            <a:endParaRPr lang="en-US" sz="1500" b="1" u="sng" dirty="0">
-              <a:solidFill>
-                <a:schemeClr val="tx1"/>
-              </a:solidFill>
-            </a:endParaRPr>
-          </a:p>
-        </p:txBody>
-      </p:sp>
-      <p:sp>
-        <p:nvSpPr>
-          <p:cNvPr id="17" name="Rectangle 16"/>
-          <p:cNvSpPr/>
-          <p:nvPr/>
-        </p:nvSpPr>
-        <p:spPr>
-          <a:xfrm>
-            <a:off x="332278" y="3220010"/>
-            <a:ext cx="4973685" cy="1559022"/>
-          </a:xfrm>
-          <a:prstGeom prst="rect">
-            <a:avLst/>
-          </a:prstGeom>
-          <a:gradFill flip="none" rotWithShape="1">
-            <a:gsLst>
-              <a:gs pos="0">
-                <a:schemeClr val="bg2"/>
-              </a:gs>
-              <a:gs pos="50000">
-                <a:schemeClr val="accent3">
-                  <a:lumMod val="20000"/>
-                  <a:lumOff val="80000"/>
-                  <a:shade val="67500"/>
-                  <a:satMod val="115000"/>
-                </a:schemeClr>
-              </a:gs>
-              <a:gs pos="100000">
-                <a:schemeClr val="accent3">
-                  <a:lumMod val="20000"/>
-                  <a:lumOff val="80000"/>
-                  <a:shade val="100000"/>
-                  <a:satMod val="115000"/>
-                </a:schemeClr>
-              </a:gs>
-            </a:gsLst>
-            <a:lin ang="6600000" scaled="0"/>
-            <a:tileRect/>
-          </a:gradFill>
-          <a:ln>
-            <a:solidFill>
-              <a:schemeClr val="tx1">
-                <a:lumMod val="50000"/>
-                <a:lumOff val="50000"/>
-              </a:schemeClr>
-            </a:solidFill>
-          </a:ln>
-        </p:spPr>
-        <p:style>
-          <a:lnRef idx="2">
-            <a:schemeClr val="accent1">
-              <a:shade val="50000"/>
-            </a:schemeClr>
-          </a:lnRef>
-          <a:fillRef idx="1">
-            <a:schemeClr val="accent1"/>
-          </a:fillRef>
-          <a:effectRef idx="0">
-            <a:schemeClr val="accent1"/>
-          </a:effectRef>
-          <a:fontRef idx="minor">
-            <a:schemeClr val="lt1"/>
-          </a:fontRef>
-        </p:style>
-        <p:txBody>
-          <a:bodyPr rtlCol="0" anchor="ctr"/>
-          <a:lstStyle/>
-          <a:p>
-            <a:r>
-              <a:rPr lang="en-US" sz="1500" dirty="0">
-                <a:solidFill>
-                  <a:schemeClr val="tx1"/>
-                </a:solidFill>
-              </a:rPr>
-              <a:t>// object creation</a:t>
-            </a:r>
-          </a:p>
-          <a:p>
-            <a:r>
-              <a:rPr lang="en-US" sz="1500" dirty="0" smtClean="0">
-                <a:solidFill>
-                  <a:schemeClr val="tx1"/>
-                </a:solidFill>
-              </a:rPr>
-              <a:t>let </a:t>
-            </a:r>
-            <a:r>
-              <a:rPr lang="en-US" sz="1500" dirty="0">
-                <a:solidFill>
-                  <a:schemeClr val="tx1"/>
-                </a:solidFill>
-              </a:rPr>
-              <a:t>person = { </a:t>
-            </a:r>
-          </a:p>
-          <a:p>
-            <a:r>
-              <a:rPr lang="en-US" sz="1500" dirty="0">
-                <a:solidFill>
-                  <a:schemeClr val="tx1"/>
-                </a:solidFill>
-              </a:rPr>
-              <a:t>    name: </a:t>
-            </a:r>
-            <a:r>
-              <a:rPr lang="en-US" sz="1500" dirty="0" smtClean="0">
-                <a:solidFill>
-                  <a:schemeClr val="tx1"/>
-                </a:solidFill>
-              </a:rPr>
-              <a:t>'John',</a:t>
-            </a:r>
-            <a:endParaRPr lang="en-US" sz="1500" dirty="0">
-              <a:solidFill>
-                <a:schemeClr val="tx1"/>
-              </a:solidFill>
-            </a:endParaRPr>
-          </a:p>
-          <a:p>
-            <a:r>
-              <a:rPr lang="en-US" sz="1500" dirty="0">
-                <a:solidFill>
-                  <a:schemeClr val="tx1"/>
-                </a:solidFill>
-              </a:rPr>
-              <a:t>    age: 20</a:t>
-            </a:r>
-          </a:p>
-          <a:p>
-            <a:r>
-              <a:rPr lang="en-US" sz="1500" dirty="0">
-                <a:solidFill>
-                  <a:schemeClr val="tx1"/>
-                </a:solidFill>
-              </a:rPr>
-              <a:t>};</a:t>
-            </a:r>
-          </a:p>
-          <a:p>
-            <a:r>
-              <a:rPr lang="en-US" sz="1500" dirty="0">
-                <a:solidFill>
-                  <a:schemeClr val="tx1"/>
-                </a:solidFill>
-              </a:rPr>
-              <a:t>console.log(</a:t>
-            </a:r>
-            <a:r>
-              <a:rPr lang="en-US" sz="1500" dirty="0" err="1">
-                <a:solidFill>
-                  <a:schemeClr val="tx1"/>
-                </a:solidFill>
-              </a:rPr>
-              <a:t>typeof</a:t>
-            </a:r>
-            <a:r>
-              <a:rPr lang="en-US" sz="1500" dirty="0">
-                <a:solidFill>
-                  <a:schemeClr val="tx1"/>
-                </a:solidFill>
-              </a:rPr>
-              <a:t> person); // object</a:t>
-            </a:r>
-          </a:p>
-        </p:txBody>
-      </p:sp>
-      <p:pic>
-        <p:nvPicPr>
-          <p:cNvPr id="7" name="Picture 6"/>
-          <p:cNvPicPr>
-            <a:picLocks noChangeAspect="1"/>
-          </p:cNvPicPr>
-          <p:nvPr/>
-        </p:nvPicPr>
-        <p:blipFill>
-          <a:blip r:embed="rId2"/>
-          <a:stretch>
-            <a:fillRect/>
-          </a:stretch>
-        </p:blipFill>
-        <p:spPr>
-          <a:xfrm>
-            <a:off x="6156960" y="1100603"/>
-            <a:ext cx="4876800" cy="1295400"/>
-          </a:xfrm>
-          <a:prstGeom prst="rect">
-            <a:avLst/>
-          </a:prstGeom>
+          <a:effectLst/>
         </p:spPr>
       </p:pic>
-      <p:sp>
-        <p:nvSpPr>
-          <p:cNvPr id="2" name="Rectangle 1"/>
-          <p:cNvSpPr/>
-          <p:nvPr/>
-        </p:nvSpPr>
-        <p:spPr>
-          <a:xfrm>
-            <a:off x="6156960" y="3220010"/>
-            <a:ext cx="4208203" cy="369332"/>
-          </a:xfrm>
-          <a:prstGeom prst="rect">
-            <a:avLst/>
-          </a:prstGeom>
-        </p:spPr>
-        <p:txBody>
-          <a:bodyPr wrap="none">
-            <a:spAutoFit/>
-          </a:bodyPr>
-          <a:lstStyle/>
-          <a:p>
-            <a:r>
-              <a:rPr lang="en-US" dirty="0">
-                <a:latin typeface="euclid_circular_a"/>
-              </a:rPr>
-              <a:t>"key: value" pairs are called </a:t>
-            </a:r>
-            <a:r>
-              <a:rPr lang="en-US" b="1" dirty="0">
-                <a:latin typeface="euclid_circular_a"/>
-              </a:rPr>
-              <a:t>properties</a:t>
-            </a:r>
-            <a:endParaRPr lang="en-IN" dirty="0"/>
-          </a:p>
-        </p:txBody>
-      </p:sp>
     </p:spTree>
-    <p:extLst>
-      <p:ext uri="{BB962C8B-B14F-4D97-AF65-F5344CB8AC3E}">
-        <p14:creationId xmlns:p14="http://schemas.microsoft.com/office/powerpoint/2010/main" xmlns="" val="1954856189"/>
-      </p:ext>
-    </p:extLst>
   </p:cSld>
   <p:clrMapOvr>
     <a:masterClrMapping/>
   </p:clrMapOvr>
-  <p:timing>
-    <p:tnLst>
-      <p:par>
-        <p:cTn id="1" dur="indefinite" restart="never" nodeType="tmRoot"/>
-      </p:par>
-    </p:tnLst>
-  </p:timing>
 </p:sld>
 </file>
 
@@ -11427,8 +11041,8 @@
           <a:lstStyle/>
           <a:p>
             <a:r>
-              <a:rPr lang="en-IN" dirty="0" smtClean="0"/>
-              <a:t>What is object</a:t>
+              <a:rPr lang="en-US" dirty="0" err="1" smtClean="0"/>
+              <a:t>findIndex</a:t>
             </a:r>
             <a:endParaRPr lang="en-US" dirty="0"/>
           </a:p>
@@ -11436,7 +11050,7 @@
       </p:sp>
       <p:pic>
         <p:nvPicPr>
-          <p:cNvPr id="30722" name="Picture 2"/>
+          <p:cNvPr id="5122" name="Picture 2"/>
           <p:cNvPicPr>
             <a:picLocks noGrp="1" noChangeAspect="1" noChangeArrowheads="1"/>
           </p:cNvPicPr>
@@ -11453,8 +11067,41 @@
         </p:blipFill>
         <p:spPr bwMode="auto">
           <a:xfrm>
-            <a:off x="1308100" y="2313782"/>
-            <a:ext cx="8255000" cy="3438525"/>
+            <a:off x="2298927" y="1837894"/>
+            <a:ext cx="7724775" cy="3438525"/>
+          </a:xfrm>
+          <a:prstGeom prst="rect">
+            <a:avLst/>
+          </a:prstGeom>
+          <a:noFill/>
+          <a:ln w="9525">
+            <a:noFill/>
+            <a:miter lim="800000"/>
+            <a:headEnd/>
+            <a:tailEnd/>
+          </a:ln>
+          <a:effectLst/>
+        </p:spPr>
+      </p:pic>
+      <p:pic>
+        <p:nvPicPr>
+          <p:cNvPr id="5123" name="Picture 3"/>
+          <p:cNvPicPr>
+            <a:picLocks noChangeAspect="1" noChangeArrowheads="1"/>
+          </p:cNvPicPr>
+          <p:nvPr/>
+        </p:nvPicPr>
+        <p:blipFill>
+          <a:blip r:embed="rId3"/>
+          <a:srcRect/>
+          <a:stretch>
+            <a:fillRect/>
+          </a:stretch>
+        </p:blipFill>
+        <p:spPr bwMode="auto">
+          <a:xfrm>
+            <a:off x="4710113" y="5768067"/>
+            <a:ext cx="2771775" cy="285750"/>
           </a:xfrm>
           <a:prstGeom prst="rect">
             <a:avLst/>
@@ -11595,6 +11242,1713 @@
           <a:lstStyle/>
           <a:p>
             <a:r>
+              <a:rPr lang="en-US" dirty="0" err="1" smtClean="0"/>
+              <a:t>findLast</a:t>
+            </a:r>
+            <a:endParaRPr lang="en-US" dirty="0"/>
+          </a:p>
+        </p:txBody>
+      </p:sp>
+      <p:pic>
+        <p:nvPicPr>
+          <p:cNvPr id="6146" name="Picture 2"/>
+          <p:cNvPicPr>
+            <a:picLocks noGrp="1" noChangeAspect="1" noChangeArrowheads="1"/>
+          </p:cNvPicPr>
+          <p:nvPr>
+            <p:ph idx="1"/>
+          </p:nvPr>
+        </p:nvPicPr>
+        <p:blipFill>
+          <a:blip r:embed="rId2"/>
+          <a:srcRect/>
+          <a:stretch>
+            <a:fillRect/>
+          </a:stretch>
+        </p:blipFill>
+        <p:spPr bwMode="auto">
+          <a:xfrm>
+            <a:off x="2290762" y="1936682"/>
+            <a:ext cx="7610475" cy="3267075"/>
+          </a:xfrm>
+          <a:prstGeom prst="rect">
+            <a:avLst/>
+          </a:prstGeom>
+          <a:noFill/>
+          <a:ln w="9525">
+            <a:noFill/>
+            <a:miter lim="800000"/>
+            <a:headEnd/>
+            <a:tailEnd/>
+          </a:ln>
+          <a:effectLst/>
+        </p:spPr>
+      </p:pic>
+      <p:pic>
+        <p:nvPicPr>
+          <p:cNvPr id="6147" name="Picture 3"/>
+          <p:cNvPicPr>
+            <a:picLocks noChangeAspect="1" noChangeArrowheads="1"/>
+          </p:cNvPicPr>
+          <p:nvPr/>
+        </p:nvPicPr>
+        <p:blipFill>
+          <a:blip r:embed="rId3"/>
+          <a:srcRect/>
+          <a:stretch>
+            <a:fillRect/>
+          </a:stretch>
+        </p:blipFill>
+        <p:spPr bwMode="auto">
+          <a:xfrm>
+            <a:off x="5224735" y="5733643"/>
+            <a:ext cx="2447925" cy="276225"/>
+          </a:xfrm>
+          <a:prstGeom prst="rect">
+            <a:avLst/>
+          </a:prstGeom>
+          <a:noFill/>
+          <a:ln w="9525">
+            <a:noFill/>
+            <a:miter lim="800000"/>
+            <a:headEnd/>
+            <a:tailEnd/>
+          </a:ln>
+          <a:effectLst/>
+        </p:spPr>
+      </p:pic>
+    </p:spTree>
+  </p:cSld>
+  <p:clrMapOvr>
+    <a:masterClrMapping/>
+  </p:clrMapOvr>
+</p:sld>
+</file>
+
+<file path=ppt/slides/slide31.xml><?xml version="1.0" encoding="utf-8"?>
+<p:sld xmlns:a="http://schemas.openxmlformats.org/drawingml/2006/main" xmlns:r="http://schemas.openxmlformats.org/officeDocument/2006/relationships" xmlns:p="http://schemas.openxmlformats.org/presentationml/2006/main">
+  <p:cSld>
+    <p:spTree>
+      <p:nvGrpSpPr>
+        <p:cNvPr id="1" name=""/>
+        <p:cNvGrpSpPr/>
+        <p:nvPr/>
+      </p:nvGrpSpPr>
+      <p:grpSpPr>
+        <a:xfrm>
+          <a:off x="0" y="0"/>
+          <a:ext cx="0" cy="0"/>
+          <a:chOff x="0" y="0"/>
+          <a:chExt cx="0" cy="0"/>
+        </a:xfrm>
+      </p:grpSpPr>
+      <p:sp>
+        <p:nvSpPr>
+          <p:cNvPr id="2" name="Title 1"/>
+          <p:cNvSpPr>
+            <a:spLocks noGrp="1"/>
+          </p:cNvSpPr>
+          <p:nvPr>
+            <p:ph type="title"/>
+          </p:nvPr>
+        </p:nvSpPr>
+        <p:spPr/>
+        <p:txBody>
+          <a:bodyPr/>
+          <a:lstStyle/>
+          <a:p>
+            <a:r>
+              <a:rPr lang="en-US" dirty="0" err="1" smtClean="0"/>
+              <a:t>findLastIndex</a:t>
+            </a:r>
+            <a:endParaRPr lang="en-US" dirty="0"/>
+          </a:p>
+        </p:txBody>
+      </p:sp>
+      <p:pic>
+        <p:nvPicPr>
+          <p:cNvPr id="7170" name="Picture 2"/>
+          <p:cNvPicPr>
+            <a:picLocks noGrp="1" noChangeAspect="1" noChangeArrowheads="1"/>
+          </p:cNvPicPr>
+          <p:nvPr>
+            <p:ph idx="1"/>
+          </p:nvPr>
+        </p:nvPicPr>
+        <p:blipFill>
+          <a:blip r:embed="rId2"/>
+          <a:srcRect/>
+          <a:stretch>
+            <a:fillRect/>
+          </a:stretch>
+        </p:blipFill>
+        <p:spPr bwMode="auto">
+          <a:xfrm>
+            <a:off x="1819275" y="1998617"/>
+            <a:ext cx="8553450" cy="3431427"/>
+          </a:xfrm>
+          <a:prstGeom prst="rect">
+            <a:avLst/>
+          </a:prstGeom>
+          <a:noFill/>
+          <a:ln w="9525">
+            <a:noFill/>
+            <a:miter lim="800000"/>
+            <a:headEnd/>
+            <a:tailEnd/>
+          </a:ln>
+          <a:effectLst/>
+        </p:spPr>
+      </p:pic>
+      <p:pic>
+        <p:nvPicPr>
+          <p:cNvPr id="7171" name="Picture 3"/>
+          <p:cNvPicPr>
+            <a:picLocks noChangeAspect="1" noChangeArrowheads="1"/>
+          </p:cNvPicPr>
+          <p:nvPr/>
+        </p:nvPicPr>
+        <p:blipFill>
+          <a:blip r:embed="rId3"/>
+          <a:srcRect/>
+          <a:stretch>
+            <a:fillRect/>
+          </a:stretch>
+        </p:blipFill>
+        <p:spPr bwMode="auto">
+          <a:xfrm>
+            <a:off x="4650241" y="5841683"/>
+            <a:ext cx="2238375" cy="295275"/>
+          </a:xfrm>
+          <a:prstGeom prst="rect">
+            <a:avLst/>
+          </a:prstGeom>
+          <a:noFill/>
+          <a:ln w="9525">
+            <a:noFill/>
+            <a:miter lim="800000"/>
+            <a:headEnd/>
+            <a:tailEnd/>
+          </a:ln>
+          <a:effectLst/>
+        </p:spPr>
+      </p:pic>
+    </p:spTree>
+  </p:cSld>
+  <p:clrMapOvr>
+    <a:masterClrMapping/>
+  </p:clrMapOvr>
+</p:sld>
+</file>
+
+<file path=ppt/slides/slide32.xml><?xml version="1.0" encoding="utf-8"?>
+<p:sld xmlns:a="http://schemas.openxmlformats.org/drawingml/2006/main" xmlns:r="http://schemas.openxmlformats.org/officeDocument/2006/relationships" xmlns:p="http://schemas.openxmlformats.org/presentationml/2006/main">
+  <p:cSld>
+    <p:spTree>
+      <p:nvGrpSpPr>
+        <p:cNvPr id="1" name=""/>
+        <p:cNvGrpSpPr/>
+        <p:nvPr/>
+      </p:nvGrpSpPr>
+      <p:grpSpPr>
+        <a:xfrm>
+          <a:off x="0" y="0"/>
+          <a:ext cx="0" cy="0"/>
+          <a:chOff x="0" y="0"/>
+          <a:chExt cx="0" cy="0"/>
+        </a:xfrm>
+      </p:grpSpPr>
+      <p:sp>
+        <p:nvSpPr>
+          <p:cNvPr id="2" name="Title 1"/>
+          <p:cNvSpPr>
+            <a:spLocks noGrp="1"/>
+          </p:cNvSpPr>
+          <p:nvPr>
+            <p:ph type="title"/>
+          </p:nvPr>
+        </p:nvSpPr>
+        <p:spPr/>
+        <p:txBody>
+          <a:bodyPr/>
+          <a:lstStyle/>
+          <a:p>
+            <a:r>
+              <a:rPr lang="en-US" dirty="0" smtClean="0"/>
+              <a:t>some</a:t>
+            </a:r>
+            <a:endParaRPr lang="en-US" dirty="0"/>
+          </a:p>
+        </p:txBody>
+      </p:sp>
+      <p:pic>
+        <p:nvPicPr>
+          <p:cNvPr id="8194" name="Picture 2"/>
+          <p:cNvPicPr>
+            <a:picLocks noGrp="1" noChangeAspect="1" noChangeArrowheads="1"/>
+          </p:cNvPicPr>
+          <p:nvPr>
+            <p:ph idx="1"/>
+          </p:nvPr>
+        </p:nvPicPr>
+        <p:blipFill>
+          <a:blip r:embed="rId2"/>
+          <a:srcRect/>
+          <a:stretch>
+            <a:fillRect/>
+          </a:stretch>
+        </p:blipFill>
+        <p:spPr bwMode="auto">
+          <a:xfrm>
+            <a:off x="2526574" y="1698556"/>
+            <a:ext cx="7086600" cy="2828925"/>
+          </a:xfrm>
+          <a:prstGeom prst="rect">
+            <a:avLst/>
+          </a:prstGeom>
+          <a:noFill/>
+          <a:ln w="9525">
+            <a:noFill/>
+            <a:miter lim="800000"/>
+            <a:headEnd/>
+            <a:tailEnd/>
+          </a:ln>
+          <a:effectLst/>
+        </p:spPr>
+      </p:pic>
+      <p:pic>
+        <p:nvPicPr>
+          <p:cNvPr id="8195" name="Picture 3"/>
+          <p:cNvPicPr>
+            <a:picLocks noChangeAspect="1" noChangeArrowheads="1"/>
+          </p:cNvPicPr>
+          <p:nvPr/>
+        </p:nvPicPr>
+        <p:blipFill>
+          <a:blip r:embed="rId3"/>
+          <a:srcRect/>
+          <a:stretch>
+            <a:fillRect/>
+          </a:stretch>
+        </p:blipFill>
+        <p:spPr bwMode="auto">
+          <a:xfrm>
+            <a:off x="5259161" y="5088664"/>
+            <a:ext cx="1543050" cy="390525"/>
+          </a:xfrm>
+          <a:prstGeom prst="rect">
+            <a:avLst/>
+          </a:prstGeom>
+          <a:noFill/>
+          <a:ln w="9525">
+            <a:noFill/>
+            <a:miter lim="800000"/>
+            <a:headEnd/>
+            <a:tailEnd/>
+          </a:ln>
+          <a:effectLst/>
+        </p:spPr>
+      </p:pic>
+    </p:spTree>
+  </p:cSld>
+  <p:clrMapOvr>
+    <a:masterClrMapping/>
+  </p:clrMapOvr>
+</p:sld>
+</file>
+
+<file path=ppt/slides/slide33.xml><?xml version="1.0" encoding="utf-8"?>
+<p:sld xmlns:a="http://schemas.openxmlformats.org/drawingml/2006/main" xmlns:r="http://schemas.openxmlformats.org/officeDocument/2006/relationships" xmlns:p="http://schemas.openxmlformats.org/presentationml/2006/main">
+  <p:cSld>
+    <p:spTree>
+      <p:nvGrpSpPr>
+        <p:cNvPr id="1" name=""/>
+        <p:cNvGrpSpPr/>
+        <p:nvPr/>
+      </p:nvGrpSpPr>
+      <p:grpSpPr>
+        <a:xfrm>
+          <a:off x="0" y="0"/>
+          <a:ext cx="0" cy="0"/>
+          <a:chOff x="0" y="0"/>
+          <a:chExt cx="0" cy="0"/>
+        </a:xfrm>
+      </p:grpSpPr>
+      <p:sp>
+        <p:nvSpPr>
+          <p:cNvPr id="2" name="Title 1"/>
+          <p:cNvSpPr>
+            <a:spLocks noGrp="1"/>
+          </p:cNvSpPr>
+          <p:nvPr>
+            <p:ph type="title"/>
+          </p:nvPr>
+        </p:nvSpPr>
+        <p:spPr/>
+        <p:txBody>
+          <a:bodyPr/>
+          <a:lstStyle/>
+          <a:p>
+            <a:r>
+              <a:rPr lang="en-US" dirty="0" smtClean="0"/>
+              <a:t>every</a:t>
+            </a:r>
+            <a:endParaRPr lang="en-US" dirty="0"/>
+          </a:p>
+        </p:txBody>
+      </p:sp>
+      <p:pic>
+        <p:nvPicPr>
+          <p:cNvPr id="9218" name="Picture 2"/>
+          <p:cNvPicPr>
+            <a:picLocks noGrp="1" noChangeAspect="1" noChangeArrowheads="1"/>
+          </p:cNvPicPr>
+          <p:nvPr>
+            <p:ph idx="1"/>
+          </p:nvPr>
+        </p:nvPicPr>
+        <p:blipFill>
+          <a:blip r:embed="rId2"/>
+          <a:srcRect/>
+          <a:stretch>
+            <a:fillRect/>
+          </a:stretch>
+        </p:blipFill>
+        <p:spPr bwMode="auto">
+          <a:xfrm>
+            <a:off x="2195512" y="2062821"/>
+            <a:ext cx="7800975" cy="3067050"/>
+          </a:xfrm>
+          <a:prstGeom prst="rect">
+            <a:avLst/>
+          </a:prstGeom>
+          <a:noFill/>
+          <a:ln w="9525">
+            <a:noFill/>
+            <a:miter lim="800000"/>
+            <a:headEnd/>
+            <a:tailEnd/>
+          </a:ln>
+          <a:effectLst/>
+        </p:spPr>
+      </p:pic>
+      <p:pic>
+        <p:nvPicPr>
+          <p:cNvPr id="9219" name="Picture 3"/>
+          <p:cNvPicPr>
+            <a:picLocks noChangeAspect="1" noChangeArrowheads="1"/>
+          </p:cNvPicPr>
+          <p:nvPr/>
+        </p:nvPicPr>
+        <p:blipFill>
+          <a:blip r:embed="rId3"/>
+          <a:srcRect/>
+          <a:stretch>
+            <a:fillRect/>
+          </a:stretch>
+        </p:blipFill>
+        <p:spPr bwMode="auto">
+          <a:xfrm>
+            <a:off x="4920071" y="5588726"/>
+            <a:ext cx="2038350" cy="304800"/>
+          </a:xfrm>
+          <a:prstGeom prst="rect">
+            <a:avLst/>
+          </a:prstGeom>
+          <a:noFill/>
+          <a:ln w="9525">
+            <a:noFill/>
+            <a:miter lim="800000"/>
+            <a:headEnd/>
+            <a:tailEnd/>
+          </a:ln>
+          <a:effectLst/>
+        </p:spPr>
+      </p:pic>
+    </p:spTree>
+  </p:cSld>
+  <p:clrMapOvr>
+    <a:masterClrMapping/>
+  </p:clrMapOvr>
+</p:sld>
+</file>
+
+<file path=ppt/slides/slide34.xml><?xml version="1.0" encoding="utf-8"?>
+<p:sld xmlns:a="http://schemas.openxmlformats.org/drawingml/2006/main" xmlns:r="http://schemas.openxmlformats.org/officeDocument/2006/relationships" xmlns:p="http://schemas.openxmlformats.org/presentationml/2006/main">
+  <p:cSld>
+    <p:spTree>
+      <p:nvGrpSpPr>
+        <p:cNvPr id="1" name=""/>
+        <p:cNvGrpSpPr/>
+        <p:nvPr/>
+      </p:nvGrpSpPr>
+      <p:grpSpPr>
+        <a:xfrm>
+          <a:off x="0" y="0"/>
+          <a:ext cx="0" cy="0"/>
+          <a:chOff x="0" y="0"/>
+          <a:chExt cx="0" cy="0"/>
+        </a:xfrm>
+      </p:grpSpPr>
+      <p:sp>
+        <p:nvSpPr>
+          <p:cNvPr id="2" name="Title 1"/>
+          <p:cNvSpPr>
+            <a:spLocks noGrp="1"/>
+          </p:cNvSpPr>
+          <p:nvPr>
+            <p:ph type="title"/>
+          </p:nvPr>
+        </p:nvSpPr>
+        <p:spPr/>
+        <p:txBody>
+          <a:bodyPr/>
+          <a:lstStyle/>
+          <a:p>
+            <a:r>
+              <a:rPr lang="en-US" dirty="0" smtClean="0"/>
+              <a:t>Fill</a:t>
+            </a:r>
+            <a:endParaRPr lang="en-US" dirty="0"/>
+          </a:p>
+        </p:txBody>
+      </p:sp>
+      <p:pic>
+        <p:nvPicPr>
+          <p:cNvPr id="10242" name="Picture 2"/>
+          <p:cNvPicPr>
+            <a:picLocks noGrp="1" noChangeAspect="1" noChangeArrowheads="1"/>
+          </p:cNvPicPr>
+          <p:nvPr>
+            <p:ph idx="1"/>
+          </p:nvPr>
+        </p:nvPicPr>
+        <p:blipFill>
+          <a:blip r:embed="rId2"/>
+          <a:srcRect/>
+          <a:stretch>
+            <a:fillRect/>
+          </a:stretch>
+        </p:blipFill>
+        <p:spPr bwMode="auto">
+          <a:xfrm>
+            <a:off x="1959836" y="1436076"/>
+            <a:ext cx="8220075" cy="3122862"/>
+          </a:xfrm>
+          <a:prstGeom prst="rect">
+            <a:avLst/>
+          </a:prstGeom>
+          <a:noFill/>
+          <a:ln w="9525">
+            <a:noFill/>
+            <a:miter lim="800000"/>
+            <a:headEnd/>
+            <a:tailEnd/>
+          </a:ln>
+          <a:effectLst/>
+        </p:spPr>
+      </p:pic>
+      <p:pic>
+        <p:nvPicPr>
+          <p:cNvPr id="10243" name="Picture 3"/>
+          <p:cNvPicPr>
+            <a:picLocks noChangeAspect="1" noChangeArrowheads="1"/>
+          </p:cNvPicPr>
+          <p:nvPr/>
+        </p:nvPicPr>
+        <p:blipFill>
+          <a:blip r:embed="rId3"/>
+          <a:srcRect/>
+          <a:stretch>
+            <a:fillRect/>
+          </a:stretch>
+        </p:blipFill>
+        <p:spPr bwMode="auto">
+          <a:xfrm>
+            <a:off x="3931375" y="4918574"/>
+            <a:ext cx="4381500" cy="1514475"/>
+          </a:xfrm>
+          <a:prstGeom prst="rect">
+            <a:avLst/>
+          </a:prstGeom>
+          <a:noFill/>
+          <a:ln w="9525">
+            <a:noFill/>
+            <a:miter lim="800000"/>
+            <a:headEnd/>
+            <a:tailEnd/>
+          </a:ln>
+          <a:effectLst/>
+        </p:spPr>
+      </p:pic>
+    </p:spTree>
+  </p:cSld>
+  <p:clrMapOvr>
+    <a:masterClrMapping/>
+  </p:clrMapOvr>
+</p:sld>
+</file>
+
+<file path=ppt/slides/slide35.xml><?xml version="1.0" encoding="utf-8"?>
+<p:sld xmlns:a="http://schemas.openxmlformats.org/drawingml/2006/main" xmlns:r="http://schemas.openxmlformats.org/officeDocument/2006/relationships" xmlns:p="http://schemas.openxmlformats.org/presentationml/2006/main">
+  <p:cSld>
+    <p:spTree>
+      <p:nvGrpSpPr>
+        <p:cNvPr id="1" name=""/>
+        <p:cNvGrpSpPr/>
+        <p:nvPr/>
+      </p:nvGrpSpPr>
+      <p:grpSpPr>
+        <a:xfrm>
+          <a:off x="0" y="0"/>
+          <a:ext cx="0" cy="0"/>
+          <a:chOff x="0" y="0"/>
+          <a:chExt cx="0" cy="0"/>
+        </a:xfrm>
+      </p:grpSpPr>
+      <p:sp>
+        <p:nvSpPr>
+          <p:cNvPr id="2" name="Title 1"/>
+          <p:cNvSpPr>
+            <a:spLocks noGrp="1"/>
+          </p:cNvSpPr>
+          <p:nvPr>
+            <p:ph type="title"/>
+          </p:nvPr>
+        </p:nvSpPr>
+        <p:spPr/>
+        <p:txBody>
+          <a:bodyPr/>
+          <a:lstStyle/>
+          <a:p>
+            <a:r>
+              <a:rPr lang="en-US" dirty="0" err="1" smtClean="0"/>
+              <a:t>copywithin</a:t>
+            </a:r>
+            <a:endParaRPr lang="en-US" dirty="0"/>
+          </a:p>
+        </p:txBody>
+      </p:sp>
+      <p:pic>
+        <p:nvPicPr>
+          <p:cNvPr id="11266" name="Picture 2"/>
+          <p:cNvPicPr>
+            <a:picLocks noGrp="1" noChangeAspect="1" noChangeArrowheads="1"/>
+          </p:cNvPicPr>
+          <p:nvPr>
+            <p:ph idx="1"/>
+          </p:nvPr>
+        </p:nvPicPr>
+        <p:blipFill>
+          <a:blip r:embed="rId2"/>
+          <a:srcRect/>
+          <a:stretch>
+            <a:fillRect/>
+          </a:stretch>
+        </p:blipFill>
+        <p:spPr bwMode="auto">
+          <a:xfrm>
+            <a:off x="1904727" y="1541258"/>
+            <a:ext cx="8591550" cy="3248025"/>
+          </a:xfrm>
+          <a:prstGeom prst="rect">
+            <a:avLst/>
+          </a:prstGeom>
+          <a:noFill/>
+          <a:ln w="9525">
+            <a:noFill/>
+            <a:miter lim="800000"/>
+            <a:headEnd/>
+            <a:tailEnd/>
+          </a:ln>
+          <a:effectLst/>
+        </p:spPr>
+      </p:pic>
+      <p:pic>
+        <p:nvPicPr>
+          <p:cNvPr id="11267" name="Picture 3"/>
+          <p:cNvPicPr>
+            <a:picLocks noChangeAspect="1" noChangeArrowheads="1"/>
+          </p:cNvPicPr>
+          <p:nvPr/>
+        </p:nvPicPr>
+        <p:blipFill>
+          <a:blip r:embed="rId3"/>
+          <a:srcRect/>
+          <a:stretch>
+            <a:fillRect/>
+          </a:stretch>
+        </p:blipFill>
+        <p:spPr bwMode="auto">
+          <a:xfrm>
+            <a:off x="4311831" y="4930277"/>
+            <a:ext cx="3124200" cy="1647825"/>
+          </a:xfrm>
+          <a:prstGeom prst="rect">
+            <a:avLst/>
+          </a:prstGeom>
+          <a:noFill/>
+          <a:ln w="9525">
+            <a:noFill/>
+            <a:miter lim="800000"/>
+            <a:headEnd/>
+            <a:tailEnd/>
+          </a:ln>
+          <a:effectLst/>
+        </p:spPr>
+      </p:pic>
+    </p:spTree>
+  </p:cSld>
+  <p:clrMapOvr>
+    <a:masterClrMapping/>
+  </p:clrMapOvr>
+</p:sld>
+</file>
+
+<file path=ppt/slides/slide36.xml><?xml version="1.0" encoding="utf-8"?>
+<p:sld xmlns:a="http://schemas.openxmlformats.org/drawingml/2006/main" xmlns:r="http://schemas.openxmlformats.org/officeDocument/2006/relationships" xmlns:p="http://schemas.openxmlformats.org/presentationml/2006/main">
+  <p:cSld>
+    <p:spTree>
+      <p:nvGrpSpPr>
+        <p:cNvPr id="1" name=""/>
+        <p:cNvGrpSpPr/>
+        <p:nvPr/>
+      </p:nvGrpSpPr>
+      <p:grpSpPr>
+        <a:xfrm>
+          <a:off x="0" y="0"/>
+          <a:ext cx="0" cy="0"/>
+          <a:chOff x="0" y="0"/>
+          <a:chExt cx="0" cy="0"/>
+        </a:xfrm>
+      </p:grpSpPr>
+      <p:sp>
+        <p:nvSpPr>
+          <p:cNvPr id="2" name="Title 1"/>
+          <p:cNvSpPr>
+            <a:spLocks noGrp="1"/>
+          </p:cNvSpPr>
+          <p:nvPr>
+            <p:ph type="title"/>
+          </p:nvPr>
+        </p:nvSpPr>
+        <p:spPr/>
+        <p:txBody>
+          <a:bodyPr/>
+          <a:lstStyle/>
+          <a:p>
+            <a:r>
+              <a:rPr lang="en-US" dirty="0" err="1" smtClean="0"/>
+              <a:t>Copywithin</a:t>
+            </a:r>
+            <a:endParaRPr lang="en-US" dirty="0"/>
+          </a:p>
+        </p:txBody>
+      </p:sp>
+      <p:pic>
+        <p:nvPicPr>
+          <p:cNvPr id="12290" name="Picture 2"/>
+          <p:cNvPicPr>
+            <a:picLocks noGrp="1" noChangeAspect="1" noChangeArrowheads="1"/>
+          </p:cNvPicPr>
+          <p:nvPr>
+            <p:ph idx="1"/>
+          </p:nvPr>
+        </p:nvPicPr>
+        <p:blipFill>
+          <a:blip r:embed="rId2"/>
+          <a:srcRect/>
+          <a:stretch>
+            <a:fillRect/>
+          </a:stretch>
+        </p:blipFill>
+        <p:spPr bwMode="auto">
+          <a:xfrm>
+            <a:off x="1731645" y="1876538"/>
+            <a:ext cx="8362950" cy="2943225"/>
+          </a:xfrm>
+          <a:prstGeom prst="rect">
+            <a:avLst/>
+          </a:prstGeom>
+          <a:noFill/>
+          <a:ln w="9525">
+            <a:noFill/>
+            <a:miter lim="800000"/>
+            <a:headEnd/>
+            <a:tailEnd/>
+          </a:ln>
+          <a:effectLst/>
+        </p:spPr>
+      </p:pic>
+      <p:pic>
+        <p:nvPicPr>
+          <p:cNvPr id="12291" name="Picture 3"/>
+          <p:cNvPicPr>
+            <a:picLocks noChangeAspect="1" noChangeArrowheads="1"/>
+          </p:cNvPicPr>
+          <p:nvPr/>
+        </p:nvPicPr>
+        <p:blipFill>
+          <a:blip r:embed="rId3"/>
+          <a:srcRect/>
+          <a:stretch>
+            <a:fillRect/>
+          </a:stretch>
+        </p:blipFill>
+        <p:spPr bwMode="auto">
+          <a:xfrm>
+            <a:off x="3687673" y="5398363"/>
+            <a:ext cx="5495925" cy="581025"/>
+          </a:xfrm>
+          <a:prstGeom prst="rect">
+            <a:avLst/>
+          </a:prstGeom>
+          <a:noFill/>
+          <a:ln w="9525">
+            <a:noFill/>
+            <a:miter lim="800000"/>
+            <a:headEnd/>
+            <a:tailEnd/>
+          </a:ln>
+          <a:effectLst/>
+        </p:spPr>
+      </p:pic>
+    </p:spTree>
+  </p:cSld>
+  <p:clrMapOvr>
+    <a:masterClrMapping/>
+  </p:clrMapOvr>
+</p:sld>
+</file>
+
+<file path=ppt/slides/slide37.xml><?xml version="1.0" encoding="utf-8"?>
+<p:sld xmlns:a="http://schemas.openxmlformats.org/drawingml/2006/main" xmlns:r="http://schemas.openxmlformats.org/officeDocument/2006/relationships" xmlns:p="http://schemas.openxmlformats.org/presentationml/2006/main">
+  <p:cSld>
+    <p:spTree>
+      <p:nvGrpSpPr>
+        <p:cNvPr id="1" name=""/>
+        <p:cNvGrpSpPr/>
+        <p:nvPr/>
+      </p:nvGrpSpPr>
+      <p:grpSpPr>
+        <a:xfrm>
+          <a:off x="0" y="0"/>
+          <a:ext cx="0" cy="0"/>
+          <a:chOff x="0" y="0"/>
+          <a:chExt cx="0" cy="0"/>
+        </a:xfrm>
+      </p:grpSpPr>
+      <p:sp>
+        <p:nvSpPr>
+          <p:cNvPr id="2" name="Title 1"/>
+          <p:cNvSpPr>
+            <a:spLocks noGrp="1"/>
+          </p:cNvSpPr>
+          <p:nvPr>
+            <p:ph type="title"/>
+          </p:nvPr>
+        </p:nvSpPr>
+        <p:spPr/>
+        <p:txBody>
+          <a:bodyPr/>
+          <a:lstStyle/>
+          <a:p>
+            <a:r>
+              <a:rPr lang="en-US" dirty="0" err="1" smtClean="0"/>
+              <a:t>Map,Filter,Reduce</a:t>
+            </a:r>
+            <a:endParaRPr lang="en-US" dirty="0"/>
+          </a:p>
+        </p:txBody>
+      </p:sp>
+      <p:pic>
+        <p:nvPicPr>
+          <p:cNvPr id="8194" name="Picture 2"/>
+          <p:cNvPicPr>
+            <a:picLocks noGrp="1" noChangeAspect="1" noChangeArrowheads="1"/>
+          </p:cNvPicPr>
+          <p:nvPr>
+            <p:ph idx="1"/>
+          </p:nvPr>
+        </p:nvPicPr>
+        <p:blipFill>
+          <a:blip r:embed="rId2"/>
+          <a:srcRect/>
+          <a:stretch>
+            <a:fillRect/>
+          </a:stretch>
+        </p:blipFill>
+        <p:spPr bwMode="auto">
+          <a:xfrm>
+            <a:off x="1070189" y="1525180"/>
+            <a:ext cx="10216119" cy="5058500"/>
+          </a:xfrm>
+          <a:prstGeom prst="rect">
+            <a:avLst/>
+          </a:prstGeom>
+          <a:noFill/>
+          <a:ln w="9525">
+            <a:noFill/>
+            <a:miter lim="800000"/>
+            <a:headEnd/>
+            <a:tailEnd/>
+          </a:ln>
+          <a:effectLst/>
+        </p:spPr>
+      </p:pic>
+    </p:spTree>
+  </p:cSld>
+  <p:clrMapOvr>
+    <a:masterClrMapping/>
+  </p:clrMapOvr>
+</p:sld>
+</file>
+
+<file path=ppt/slides/slide38.xml><?xml version="1.0" encoding="utf-8"?>
+<p:sld xmlns:a="http://schemas.openxmlformats.org/drawingml/2006/main" xmlns:r="http://schemas.openxmlformats.org/officeDocument/2006/relationships" xmlns:p="http://schemas.openxmlformats.org/presentationml/2006/main">
+  <p:cSld>
+    <p:spTree>
+      <p:nvGrpSpPr>
+        <p:cNvPr id="1" name=""/>
+        <p:cNvGrpSpPr/>
+        <p:nvPr/>
+      </p:nvGrpSpPr>
+      <p:grpSpPr>
+        <a:xfrm>
+          <a:off x="0" y="0"/>
+          <a:ext cx="0" cy="0"/>
+          <a:chOff x="0" y="0"/>
+          <a:chExt cx="0" cy="0"/>
+        </a:xfrm>
+      </p:grpSpPr>
+      <p:sp>
+        <p:nvSpPr>
+          <p:cNvPr id="4" name="Content Placeholder 13"/>
+          <p:cNvSpPr txBox="1">
+            <a:spLocks/>
+          </p:cNvSpPr>
+          <p:nvPr/>
+        </p:nvSpPr>
+        <p:spPr>
+          <a:xfrm>
+            <a:off x="256350" y="19305"/>
+            <a:ext cx="9791700" cy="630192"/>
+          </a:xfrm>
+          <a:prstGeom prst="rect">
+            <a:avLst/>
+          </a:prstGeom>
+        </p:spPr>
+        <p:txBody>
+          <a:bodyPr vert="horz" lIns="91440" tIns="45720" rIns="91440" bIns="45720" rtlCol="0">
+            <a:noAutofit/>
+          </a:bodyPr>
+          <a:lstStyle>
+            <a:lvl1pPr marL="0" indent="0" algn="ctr" defTabSz="914400" rtl="0" eaLnBrk="1" latinLnBrk="0" hangingPunct="1">
+              <a:lnSpc>
+                <a:spcPct val="90000"/>
+              </a:lnSpc>
+              <a:spcBef>
+                <a:spcPts val="1000"/>
+              </a:spcBef>
+              <a:buFont typeface="Arial" panose="020B0604020202020204" pitchFamily="34" charset="0"/>
+              <a:buNone/>
+              <a:defRPr kumimoji="1" sz="2400" kern="1200">
+                <a:solidFill>
+                  <a:schemeClr val="tx1"/>
+                </a:solidFill>
+                <a:latin typeface="+mn-lt"/>
+                <a:ea typeface="+mn-ea"/>
+                <a:cs typeface="+mn-cs"/>
+              </a:defRPr>
+            </a:lvl1pPr>
+            <a:lvl2pPr marL="457200" indent="0" algn="ctr" defTabSz="914400" rtl="0" eaLnBrk="1" latinLnBrk="0" hangingPunct="1">
+              <a:lnSpc>
+                <a:spcPct val="90000"/>
+              </a:lnSpc>
+              <a:spcBef>
+                <a:spcPts val="500"/>
+              </a:spcBef>
+              <a:buFont typeface="Arial" panose="020B0604020202020204" pitchFamily="34" charset="0"/>
+              <a:buNone/>
+              <a:defRPr kumimoji="1" sz="2000" kern="1200">
+                <a:solidFill>
+                  <a:schemeClr val="tx1"/>
+                </a:solidFill>
+                <a:latin typeface="+mn-lt"/>
+                <a:ea typeface="+mn-ea"/>
+                <a:cs typeface="+mn-cs"/>
+              </a:defRPr>
+            </a:lvl2pPr>
+            <a:lvl3pPr marL="914400" indent="0" algn="ctr" defTabSz="914400" rtl="0" eaLnBrk="1" latinLnBrk="0" hangingPunct="1">
+              <a:lnSpc>
+                <a:spcPct val="90000"/>
+              </a:lnSpc>
+              <a:spcBef>
+                <a:spcPts val="500"/>
+              </a:spcBef>
+              <a:buFont typeface="Arial" panose="020B0604020202020204" pitchFamily="34" charset="0"/>
+              <a:buNone/>
+              <a:defRPr kumimoji="1" sz="1800" kern="1200">
+                <a:solidFill>
+                  <a:schemeClr val="tx1"/>
+                </a:solidFill>
+                <a:latin typeface="+mn-lt"/>
+                <a:ea typeface="+mn-ea"/>
+                <a:cs typeface="+mn-cs"/>
+              </a:defRPr>
+            </a:lvl3pPr>
+            <a:lvl4pPr marL="1371600" indent="0" algn="ctr" defTabSz="914400" rtl="0" eaLnBrk="1" latinLnBrk="0" hangingPunct="1">
+              <a:lnSpc>
+                <a:spcPct val="90000"/>
+              </a:lnSpc>
+              <a:spcBef>
+                <a:spcPts val="500"/>
+              </a:spcBef>
+              <a:buFont typeface="Arial" panose="020B0604020202020204" pitchFamily="34" charset="0"/>
+              <a:buNone/>
+              <a:defRPr kumimoji="1" sz="1600" kern="1200">
+                <a:solidFill>
+                  <a:schemeClr val="tx1"/>
+                </a:solidFill>
+                <a:latin typeface="+mn-lt"/>
+                <a:ea typeface="+mn-ea"/>
+                <a:cs typeface="+mn-cs"/>
+              </a:defRPr>
+            </a:lvl4pPr>
+            <a:lvl5pPr marL="1828800" indent="0" algn="ctr" defTabSz="914400" rtl="0" eaLnBrk="1" latinLnBrk="0" hangingPunct="1">
+              <a:lnSpc>
+                <a:spcPct val="90000"/>
+              </a:lnSpc>
+              <a:spcBef>
+                <a:spcPts val="500"/>
+              </a:spcBef>
+              <a:buFont typeface="Arial" panose="020B0604020202020204" pitchFamily="34" charset="0"/>
+              <a:buNone/>
+              <a:defRPr kumimoji="1" sz="1600" kern="1200">
+                <a:solidFill>
+                  <a:schemeClr val="tx1"/>
+                </a:solidFill>
+                <a:latin typeface="+mn-lt"/>
+                <a:ea typeface="+mn-ea"/>
+                <a:cs typeface="+mn-cs"/>
+              </a:defRPr>
+            </a:lvl5pPr>
+            <a:lvl6pPr marL="2286000" indent="0" algn="ctr" defTabSz="914400" rtl="0" eaLnBrk="1" latinLnBrk="0" hangingPunct="1">
+              <a:lnSpc>
+                <a:spcPct val="90000"/>
+              </a:lnSpc>
+              <a:spcBef>
+                <a:spcPts val="500"/>
+              </a:spcBef>
+              <a:buFont typeface="Arial" panose="020B0604020202020204" pitchFamily="34" charset="0"/>
+              <a:buNone/>
+              <a:defRPr kumimoji="1" sz="1600" kern="1200">
+                <a:solidFill>
+                  <a:schemeClr val="tx1"/>
+                </a:solidFill>
+                <a:latin typeface="+mn-lt"/>
+                <a:ea typeface="+mn-ea"/>
+                <a:cs typeface="+mn-cs"/>
+              </a:defRPr>
+            </a:lvl6pPr>
+            <a:lvl7pPr marL="2743200" indent="0" algn="ctr" defTabSz="914400" rtl="0" eaLnBrk="1" latinLnBrk="0" hangingPunct="1">
+              <a:lnSpc>
+                <a:spcPct val="90000"/>
+              </a:lnSpc>
+              <a:spcBef>
+                <a:spcPts val="500"/>
+              </a:spcBef>
+              <a:buFont typeface="Arial" panose="020B0604020202020204" pitchFamily="34" charset="0"/>
+              <a:buNone/>
+              <a:defRPr kumimoji="1" sz="1600" kern="1200">
+                <a:solidFill>
+                  <a:schemeClr val="tx1"/>
+                </a:solidFill>
+                <a:latin typeface="+mn-lt"/>
+                <a:ea typeface="+mn-ea"/>
+                <a:cs typeface="+mn-cs"/>
+              </a:defRPr>
+            </a:lvl7pPr>
+            <a:lvl8pPr marL="3200400" indent="0" algn="ctr" defTabSz="914400" rtl="0" eaLnBrk="1" latinLnBrk="0" hangingPunct="1">
+              <a:lnSpc>
+                <a:spcPct val="90000"/>
+              </a:lnSpc>
+              <a:spcBef>
+                <a:spcPts val="500"/>
+              </a:spcBef>
+              <a:buFont typeface="Arial" panose="020B0604020202020204" pitchFamily="34" charset="0"/>
+              <a:buNone/>
+              <a:defRPr kumimoji="1" sz="1600" kern="1200">
+                <a:solidFill>
+                  <a:schemeClr val="tx1"/>
+                </a:solidFill>
+                <a:latin typeface="+mn-lt"/>
+                <a:ea typeface="+mn-ea"/>
+                <a:cs typeface="+mn-cs"/>
+              </a:defRPr>
+            </a:lvl8pPr>
+            <a:lvl9pPr marL="3657600" indent="0" algn="ctr" defTabSz="914400" rtl="0" eaLnBrk="1" latinLnBrk="0" hangingPunct="1">
+              <a:lnSpc>
+                <a:spcPct val="90000"/>
+              </a:lnSpc>
+              <a:spcBef>
+                <a:spcPts val="500"/>
+              </a:spcBef>
+              <a:buFont typeface="Arial" panose="020B0604020202020204" pitchFamily="34" charset="0"/>
+              <a:buNone/>
+              <a:defRPr kumimoji="1" sz="1600" kern="1200">
+                <a:solidFill>
+                  <a:schemeClr val="tx1"/>
+                </a:solidFill>
+                <a:latin typeface="+mn-lt"/>
+                <a:ea typeface="+mn-ea"/>
+                <a:cs typeface="+mn-cs"/>
+              </a:defRPr>
+            </a:lvl9pPr>
+          </a:lstStyle>
+          <a:p>
+            <a:pPr algn="l"/>
+            <a:r>
+              <a:rPr lang="en-US" sz="3600" b="1" dirty="0" smtClean="0">
+                <a:solidFill>
+                  <a:srgbClr val="0064B5"/>
+                </a:solidFill>
+              </a:rPr>
+              <a:t>Object</a:t>
+            </a:r>
+            <a:endParaRPr lang="en-US" sz="3600" b="1" dirty="0">
+              <a:solidFill>
+                <a:srgbClr val="0064B5"/>
+              </a:solidFill>
+            </a:endParaRPr>
+          </a:p>
+        </p:txBody>
+      </p:sp>
+      <p:sp>
+        <p:nvSpPr>
+          <p:cNvPr id="11" name="Rectangle 10"/>
+          <p:cNvSpPr/>
+          <p:nvPr/>
+        </p:nvSpPr>
+        <p:spPr>
+          <a:xfrm>
+            <a:off x="261248" y="539309"/>
+            <a:ext cx="10228770" cy="369332"/>
+          </a:xfrm>
+          <a:prstGeom prst="rect">
+            <a:avLst/>
+          </a:prstGeom>
+        </p:spPr>
+        <p:txBody>
+          <a:bodyPr wrap="square">
+            <a:spAutoFit/>
+          </a:bodyPr>
+          <a:lstStyle/>
+          <a:p>
+            <a:r>
+              <a:rPr lang="en-US" dirty="0"/>
+              <a:t>JavaScript object is a non-primitive data-type that allows you to store multiple collections of data</a:t>
+            </a:r>
+            <a:endParaRPr lang="en-IN" b="1" u="sng" dirty="0"/>
+          </a:p>
+        </p:txBody>
+      </p:sp>
+      <p:sp>
+        <p:nvSpPr>
+          <p:cNvPr id="21" name="Rectangle 20"/>
+          <p:cNvSpPr/>
+          <p:nvPr/>
+        </p:nvSpPr>
+        <p:spPr>
+          <a:xfrm>
+            <a:off x="332279" y="985826"/>
+            <a:ext cx="4973685" cy="1463994"/>
+          </a:xfrm>
+          <a:prstGeom prst="rect">
+            <a:avLst/>
+          </a:prstGeom>
+          <a:gradFill flip="none" rotWithShape="1">
+            <a:gsLst>
+              <a:gs pos="0">
+                <a:schemeClr val="bg2"/>
+              </a:gs>
+              <a:gs pos="50000">
+                <a:schemeClr val="accent3">
+                  <a:lumMod val="20000"/>
+                  <a:lumOff val="80000"/>
+                  <a:shade val="67500"/>
+                  <a:satMod val="115000"/>
+                </a:schemeClr>
+              </a:gs>
+              <a:gs pos="100000">
+                <a:schemeClr val="accent3">
+                  <a:lumMod val="20000"/>
+                  <a:lumOff val="80000"/>
+                  <a:shade val="100000"/>
+                  <a:satMod val="115000"/>
+                </a:schemeClr>
+              </a:gs>
+            </a:gsLst>
+            <a:lin ang="6600000" scaled="0"/>
+            <a:tileRect/>
+          </a:gradFill>
+          <a:ln>
+            <a:solidFill>
+              <a:schemeClr val="tx1">
+                <a:lumMod val="50000"/>
+                <a:lumOff val="50000"/>
+              </a:schemeClr>
+            </a:solidFill>
+          </a:ln>
+        </p:spPr>
+        <p:style>
+          <a:lnRef idx="2">
+            <a:schemeClr val="accent1">
+              <a:shade val="50000"/>
+            </a:schemeClr>
+          </a:lnRef>
+          <a:fillRef idx="1">
+            <a:schemeClr val="accent1"/>
+          </a:fillRef>
+          <a:effectRef idx="0">
+            <a:schemeClr val="accent1"/>
+          </a:effectRef>
+          <a:fontRef idx="minor">
+            <a:schemeClr val="lt1"/>
+          </a:fontRef>
+        </p:style>
+        <p:txBody>
+          <a:bodyPr rtlCol="0" anchor="ctr"/>
+          <a:lstStyle/>
+          <a:p>
+            <a:r>
+              <a:rPr lang="en-US" sz="1500" b="1" u="sng" dirty="0" smtClean="0">
+                <a:solidFill>
+                  <a:schemeClr val="tx1"/>
+                </a:solidFill>
+              </a:rPr>
+              <a:t>Syntax:</a:t>
+            </a:r>
+          </a:p>
+          <a:p>
+            <a:r>
+              <a:rPr lang="en-US" sz="1500" dirty="0" err="1">
+                <a:solidFill>
+                  <a:schemeClr val="tx1"/>
+                </a:solidFill>
+              </a:rPr>
+              <a:t>const</a:t>
+            </a:r>
+            <a:r>
+              <a:rPr lang="en-US" sz="1500" dirty="0">
+                <a:solidFill>
+                  <a:schemeClr val="tx1"/>
+                </a:solidFill>
+              </a:rPr>
+              <a:t> </a:t>
+            </a:r>
+            <a:r>
+              <a:rPr lang="en-US" sz="1500" dirty="0" err="1">
+                <a:solidFill>
+                  <a:schemeClr val="tx1"/>
+                </a:solidFill>
+              </a:rPr>
+              <a:t>object_name</a:t>
+            </a:r>
+            <a:r>
+              <a:rPr lang="en-US" sz="1500" dirty="0">
+                <a:solidFill>
+                  <a:schemeClr val="tx1"/>
+                </a:solidFill>
+              </a:rPr>
+              <a:t> = {</a:t>
+            </a:r>
+          </a:p>
+          <a:p>
+            <a:r>
+              <a:rPr lang="en-US" sz="1500" dirty="0">
+                <a:solidFill>
+                  <a:schemeClr val="tx1"/>
+                </a:solidFill>
+              </a:rPr>
+              <a:t>   key1: value1,</a:t>
+            </a:r>
+          </a:p>
+          <a:p>
+            <a:r>
+              <a:rPr lang="en-US" sz="1500" dirty="0">
+                <a:solidFill>
+                  <a:schemeClr val="tx1"/>
+                </a:solidFill>
+              </a:rPr>
+              <a:t>   key2: value2</a:t>
+            </a:r>
+          </a:p>
+          <a:p>
+            <a:r>
+              <a:rPr lang="en-US" sz="1500" dirty="0" smtClean="0">
+                <a:solidFill>
+                  <a:schemeClr val="tx1"/>
+                </a:solidFill>
+              </a:rPr>
+              <a:t>}</a:t>
+            </a:r>
+            <a:endParaRPr lang="en-US" sz="1500" b="1" u="sng" dirty="0">
+              <a:solidFill>
+                <a:schemeClr val="tx1"/>
+              </a:solidFill>
+            </a:endParaRPr>
+          </a:p>
+        </p:txBody>
+      </p:sp>
+      <p:sp>
+        <p:nvSpPr>
+          <p:cNvPr id="17" name="Rectangle 16"/>
+          <p:cNvSpPr/>
+          <p:nvPr/>
+        </p:nvSpPr>
+        <p:spPr>
+          <a:xfrm>
+            <a:off x="332278" y="3220010"/>
+            <a:ext cx="4973685" cy="1559022"/>
+          </a:xfrm>
+          <a:prstGeom prst="rect">
+            <a:avLst/>
+          </a:prstGeom>
+          <a:gradFill flip="none" rotWithShape="1">
+            <a:gsLst>
+              <a:gs pos="0">
+                <a:schemeClr val="bg2"/>
+              </a:gs>
+              <a:gs pos="50000">
+                <a:schemeClr val="accent3">
+                  <a:lumMod val="20000"/>
+                  <a:lumOff val="80000"/>
+                  <a:shade val="67500"/>
+                  <a:satMod val="115000"/>
+                </a:schemeClr>
+              </a:gs>
+              <a:gs pos="100000">
+                <a:schemeClr val="accent3">
+                  <a:lumMod val="20000"/>
+                  <a:lumOff val="80000"/>
+                  <a:shade val="100000"/>
+                  <a:satMod val="115000"/>
+                </a:schemeClr>
+              </a:gs>
+            </a:gsLst>
+            <a:lin ang="6600000" scaled="0"/>
+            <a:tileRect/>
+          </a:gradFill>
+          <a:ln>
+            <a:solidFill>
+              <a:schemeClr val="tx1">
+                <a:lumMod val="50000"/>
+                <a:lumOff val="50000"/>
+              </a:schemeClr>
+            </a:solidFill>
+          </a:ln>
+        </p:spPr>
+        <p:style>
+          <a:lnRef idx="2">
+            <a:schemeClr val="accent1">
+              <a:shade val="50000"/>
+            </a:schemeClr>
+          </a:lnRef>
+          <a:fillRef idx="1">
+            <a:schemeClr val="accent1"/>
+          </a:fillRef>
+          <a:effectRef idx="0">
+            <a:schemeClr val="accent1"/>
+          </a:effectRef>
+          <a:fontRef idx="minor">
+            <a:schemeClr val="lt1"/>
+          </a:fontRef>
+        </p:style>
+        <p:txBody>
+          <a:bodyPr rtlCol="0" anchor="ctr"/>
+          <a:lstStyle/>
+          <a:p>
+            <a:r>
+              <a:rPr lang="en-US" sz="1500" dirty="0">
+                <a:solidFill>
+                  <a:schemeClr val="tx1"/>
+                </a:solidFill>
+              </a:rPr>
+              <a:t>// object creation</a:t>
+            </a:r>
+          </a:p>
+          <a:p>
+            <a:r>
+              <a:rPr lang="en-US" sz="1500" dirty="0" smtClean="0">
+                <a:solidFill>
+                  <a:schemeClr val="tx1"/>
+                </a:solidFill>
+              </a:rPr>
+              <a:t>let </a:t>
+            </a:r>
+            <a:r>
+              <a:rPr lang="en-US" sz="1500" dirty="0">
+                <a:solidFill>
+                  <a:schemeClr val="tx1"/>
+                </a:solidFill>
+              </a:rPr>
+              <a:t>person = { </a:t>
+            </a:r>
+          </a:p>
+          <a:p>
+            <a:r>
+              <a:rPr lang="en-US" sz="1500" dirty="0">
+                <a:solidFill>
+                  <a:schemeClr val="tx1"/>
+                </a:solidFill>
+              </a:rPr>
+              <a:t>    name: </a:t>
+            </a:r>
+            <a:r>
+              <a:rPr lang="en-US" sz="1500" dirty="0" smtClean="0">
+                <a:solidFill>
+                  <a:schemeClr val="tx1"/>
+                </a:solidFill>
+              </a:rPr>
+              <a:t>'John',</a:t>
+            </a:r>
+            <a:endParaRPr lang="en-US" sz="1500" dirty="0">
+              <a:solidFill>
+                <a:schemeClr val="tx1"/>
+              </a:solidFill>
+            </a:endParaRPr>
+          </a:p>
+          <a:p>
+            <a:r>
+              <a:rPr lang="en-US" sz="1500" dirty="0">
+                <a:solidFill>
+                  <a:schemeClr val="tx1"/>
+                </a:solidFill>
+              </a:rPr>
+              <a:t>    age: 20</a:t>
+            </a:r>
+          </a:p>
+          <a:p>
+            <a:r>
+              <a:rPr lang="en-US" sz="1500" dirty="0">
+                <a:solidFill>
+                  <a:schemeClr val="tx1"/>
+                </a:solidFill>
+              </a:rPr>
+              <a:t>};</a:t>
+            </a:r>
+          </a:p>
+          <a:p>
+            <a:r>
+              <a:rPr lang="en-US" sz="1500" dirty="0">
+                <a:solidFill>
+                  <a:schemeClr val="tx1"/>
+                </a:solidFill>
+              </a:rPr>
+              <a:t>console.log(</a:t>
+            </a:r>
+            <a:r>
+              <a:rPr lang="en-US" sz="1500" dirty="0" err="1">
+                <a:solidFill>
+                  <a:schemeClr val="tx1"/>
+                </a:solidFill>
+              </a:rPr>
+              <a:t>typeof</a:t>
+            </a:r>
+            <a:r>
+              <a:rPr lang="en-US" sz="1500" dirty="0">
+                <a:solidFill>
+                  <a:schemeClr val="tx1"/>
+                </a:solidFill>
+              </a:rPr>
+              <a:t> person); // object</a:t>
+            </a:r>
+          </a:p>
+        </p:txBody>
+      </p:sp>
+      <p:pic>
+        <p:nvPicPr>
+          <p:cNvPr id="7" name="Picture 6"/>
+          <p:cNvPicPr>
+            <a:picLocks noChangeAspect="1"/>
+          </p:cNvPicPr>
+          <p:nvPr/>
+        </p:nvPicPr>
+        <p:blipFill>
+          <a:blip r:embed="rId2"/>
+          <a:stretch>
+            <a:fillRect/>
+          </a:stretch>
+        </p:blipFill>
+        <p:spPr>
+          <a:xfrm>
+            <a:off x="6156960" y="1100603"/>
+            <a:ext cx="4876800" cy="1295400"/>
+          </a:xfrm>
+          <a:prstGeom prst="rect">
+            <a:avLst/>
+          </a:prstGeom>
+        </p:spPr>
+      </p:pic>
+      <p:sp>
+        <p:nvSpPr>
+          <p:cNvPr id="2" name="Rectangle 1"/>
+          <p:cNvSpPr/>
+          <p:nvPr/>
+        </p:nvSpPr>
+        <p:spPr>
+          <a:xfrm>
+            <a:off x="6156960" y="3220010"/>
+            <a:ext cx="4208203" cy="369332"/>
+          </a:xfrm>
+          <a:prstGeom prst="rect">
+            <a:avLst/>
+          </a:prstGeom>
+        </p:spPr>
+        <p:txBody>
+          <a:bodyPr wrap="none">
+            <a:spAutoFit/>
+          </a:bodyPr>
+          <a:lstStyle/>
+          <a:p>
+            <a:r>
+              <a:rPr lang="en-US" dirty="0">
+                <a:latin typeface="euclid_circular_a"/>
+              </a:rPr>
+              <a:t>"key: value" pairs are called </a:t>
+            </a:r>
+            <a:r>
+              <a:rPr lang="en-US" b="1" dirty="0">
+                <a:latin typeface="euclid_circular_a"/>
+              </a:rPr>
+              <a:t>properties</a:t>
+            </a:r>
+            <a:endParaRPr lang="en-IN" dirty="0"/>
+          </a:p>
+        </p:txBody>
+      </p:sp>
+    </p:spTree>
+    <p:extLst>
+      <p:ext uri="{BB962C8B-B14F-4D97-AF65-F5344CB8AC3E}">
+        <p14:creationId xmlns="" xmlns:p14="http://schemas.microsoft.com/office/powerpoint/2010/main" val="1954856189"/>
+      </p:ext>
+    </p:extLst>
+  </p:cSld>
+  <p:clrMapOvr>
+    <a:masterClrMapping/>
+  </p:clrMapOvr>
+  <p:timing>
+    <p:tnLst>
+      <p:par>
+        <p:cTn id="1" dur="indefinite" restart="never" nodeType="tmRoot"/>
+      </p:par>
+    </p:tnLst>
+  </p:timing>
+</p:sld>
+</file>
+
+<file path=ppt/slides/slide39.xml><?xml version="1.0" encoding="utf-8"?>
+<p:sld xmlns:a="http://schemas.openxmlformats.org/drawingml/2006/main" xmlns:r="http://schemas.openxmlformats.org/officeDocument/2006/relationships" xmlns:p="http://schemas.openxmlformats.org/presentationml/2006/main">
+  <p:cSld>
+    <p:spTree>
+      <p:nvGrpSpPr>
+        <p:cNvPr id="1" name=""/>
+        <p:cNvGrpSpPr/>
+        <p:nvPr/>
+      </p:nvGrpSpPr>
+      <p:grpSpPr>
+        <a:xfrm>
+          <a:off x="0" y="0"/>
+          <a:ext cx="0" cy="0"/>
+          <a:chOff x="0" y="0"/>
+          <a:chExt cx="0" cy="0"/>
+        </a:xfrm>
+      </p:grpSpPr>
+      <p:sp>
+        <p:nvSpPr>
+          <p:cNvPr id="2" name="Title 1"/>
+          <p:cNvSpPr>
+            <a:spLocks noGrp="1"/>
+          </p:cNvSpPr>
+          <p:nvPr>
+            <p:ph type="title"/>
+          </p:nvPr>
+        </p:nvSpPr>
+        <p:spPr/>
+        <p:txBody>
+          <a:bodyPr/>
+          <a:lstStyle/>
+          <a:p>
+            <a:r>
+              <a:rPr lang="en-IN" dirty="0" smtClean="0"/>
+              <a:t>What is object</a:t>
+            </a:r>
+            <a:endParaRPr lang="en-US" dirty="0"/>
+          </a:p>
+        </p:txBody>
+      </p:sp>
+      <p:pic>
+        <p:nvPicPr>
+          <p:cNvPr id="30722" name="Picture 2"/>
+          <p:cNvPicPr>
+            <a:picLocks noGrp="1" noChangeAspect="1" noChangeArrowheads="1"/>
+          </p:cNvPicPr>
+          <p:nvPr>
+            <p:ph idx="1"/>
+          </p:nvPr>
+        </p:nvPicPr>
+        <p:blipFill>
+          <a:blip r:embed="rId2"/>
+          <a:srcRect/>
+          <a:stretch>
+            <a:fillRect/>
+          </a:stretch>
+        </p:blipFill>
+        <p:spPr bwMode="auto">
+          <a:xfrm>
+            <a:off x="1308100" y="2313782"/>
+            <a:ext cx="8255000" cy="3438525"/>
+          </a:xfrm>
+          <a:prstGeom prst="rect">
+            <a:avLst/>
+          </a:prstGeom>
+          <a:noFill/>
+          <a:ln w="9525">
+            <a:noFill/>
+            <a:miter lim="800000"/>
+            <a:headEnd/>
+            <a:tailEnd/>
+          </a:ln>
+          <a:effectLst/>
+        </p:spPr>
+      </p:pic>
+    </p:spTree>
+  </p:cSld>
+  <p:clrMapOvr>
+    <a:masterClrMapping/>
+  </p:clrMapOvr>
+</p:sld>
+</file>
+
+<file path=ppt/slides/slide4.xml><?xml version="1.0" encoding="utf-8"?>
+<p:sld xmlns:a="http://schemas.openxmlformats.org/drawingml/2006/main" xmlns:r="http://schemas.openxmlformats.org/officeDocument/2006/relationships" xmlns:p="http://schemas.openxmlformats.org/presentationml/2006/main">
+  <p:cSld>
+    <p:spTree>
+      <p:nvGrpSpPr>
+        <p:cNvPr id="1" name=""/>
+        <p:cNvGrpSpPr/>
+        <p:nvPr/>
+      </p:nvGrpSpPr>
+      <p:grpSpPr>
+        <a:xfrm>
+          <a:off x="0" y="0"/>
+          <a:ext cx="0" cy="0"/>
+          <a:chOff x="0" y="0"/>
+          <a:chExt cx="0" cy="0"/>
+        </a:xfrm>
+      </p:grpSpPr>
+      <p:sp>
+        <p:nvSpPr>
+          <p:cNvPr id="2" name="Title 1"/>
+          <p:cNvSpPr>
+            <a:spLocks noGrp="1"/>
+          </p:cNvSpPr>
+          <p:nvPr>
+            <p:ph type="title"/>
+          </p:nvPr>
+        </p:nvSpPr>
+        <p:spPr/>
+        <p:txBody>
+          <a:bodyPr>
+            <a:normAutofit/>
+          </a:bodyPr>
+          <a:lstStyle/>
+          <a:p>
+            <a:r>
+              <a:rPr lang="en-IN" dirty="0" smtClean="0"/>
+              <a:t>Real world problem - transport</a:t>
+            </a:r>
+            <a:endParaRPr lang="en-US" dirty="0"/>
+          </a:p>
+        </p:txBody>
+      </p:sp>
+      <p:pic>
+        <p:nvPicPr>
+          <p:cNvPr id="40962" name="Picture 2"/>
+          <p:cNvPicPr>
+            <a:picLocks noGrp="1" noChangeAspect="1" noChangeArrowheads="1"/>
+          </p:cNvPicPr>
+          <p:nvPr>
+            <p:ph idx="1"/>
+          </p:nvPr>
+        </p:nvPicPr>
+        <p:blipFill>
+          <a:blip r:embed="rId2"/>
+          <a:srcRect/>
+          <a:stretch>
+            <a:fillRect/>
+          </a:stretch>
+        </p:blipFill>
+        <p:spPr bwMode="auto">
+          <a:xfrm>
+            <a:off x="609600" y="1775986"/>
+            <a:ext cx="9652000" cy="4514116"/>
+          </a:xfrm>
+          <a:prstGeom prst="rect">
+            <a:avLst/>
+          </a:prstGeom>
+          <a:noFill/>
+          <a:ln w="9525">
+            <a:noFill/>
+            <a:miter lim="800000"/>
+            <a:headEnd/>
+            <a:tailEnd/>
+          </a:ln>
+          <a:effectLst/>
+        </p:spPr>
+      </p:pic>
+    </p:spTree>
+  </p:cSld>
+  <p:clrMapOvr>
+    <a:masterClrMapping/>
+  </p:clrMapOvr>
+</p:sld>
+</file>
+
+<file path=ppt/slides/slide40.xml><?xml version="1.0" encoding="utf-8"?>
+<p:sld xmlns:a="http://schemas.openxmlformats.org/drawingml/2006/main" xmlns:r="http://schemas.openxmlformats.org/officeDocument/2006/relationships" xmlns:p="http://schemas.openxmlformats.org/presentationml/2006/main">
+  <p:cSld>
+    <p:spTree>
+      <p:nvGrpSpPr>
+        <p:cNvPr id="1" name=""/>
+        <p:cNvGrpSpPr/>
+        <p:nvPr/>
+      </p:nvGrpSpPr>
+      <p:grpSpPr>
+        <a:xfrm>
+          <a:off x="0" y="0"/>
+          <a:ext cx="0" cy="0"/>
+          <a:chOff x="0" y="0"/>
+          <a:chExt cx="0" cy="0"/>
+        </a:xfrm>
+      </p:grpSpPr>
+      <p:sp>
+        <p:nvSpPr>
+          <p:cNvPr id="2" name="Title 1"/>
+          <p:cNvSpPr>
+            <a:spLocks noGrp="1"/>
+          </p:cNvSpPr>
+          <p:nvPr>
+            <p:ph type="title"/>
+          </p:nvPr>
+        </p:nvSpPr>
+        <p:spPr/>
+        <p:txBody>
+          <a:bodyPr/>
+          <a:lstStyle/>
+          <a:p>
+            <a:r>
               <a:rPr lang="en-IN" dirty="0" smtClean="0"/>
               <a:t>Time and space complexity</a:t>
             </a:r>
@@ -11645,7 +12999,7 @@
 </p:sld>
 </file>
 
-<file path=ppt/slides/slide31.xml><?xml version="1.0" encoding="utf-8"?>
+<file path=ppt/slides/slide41.xml><?xml version="1.0" encoding="utf-8"?>
 <p:sld xmlns:a="http://schemas.openxmlformats.org/drawingml/2006/main" xmlns:r="http://schemas.openxmlformats.org/officeDocument/2006/relationships" xmlns:p="http://schemas.openxmlformats.org/presentationml/2006/main">
   <p:cSld>
     <p:spTree>
@@ -11728,7 +13082,7 @@
 </p:sld>
 </file>
 
-<file path=ppt/slides/slide32.xml><?xml version="1.0" encoding="utf-8"?>
+<file path=ppt/slides/slide42.xml><?xml version="1.0" encoding="utf-8"?>
 <p:sld xmlns:a="http://schemas.openxmlformats.org/drawingml/2006/main" xmlns:r="http://schemas.openxmlformats.org/officeDocument/2006/relationships" xmlns:p="http://schemas.openxmlformats.org/presentationml/2006/main">
   <p:cSld>
     <p:spTree>
@@ -12361,7 +13715,7 @@
     </p:spTree>
     <p:extLst>
       <p:ext uri="{BB962C8B-B14F-4D97-AF65-F5344CB8AC3E}">
-        <p14:creationId xmlns:p14="http://schemas.microsoft.com/office/powerpoint/2010/main" xmlns="" val="3616488687"/>
+        <p14:creationId xmlns="" xmlns:p14="http://schemas.microsoft.com/office/powerpoint/2010/main" val="3616488687"/>
       </p:ext>
     </p:extLst>
   </p:cSld>
@@ -12378,7 +13732,7 @@
 </p:sld>
 </file>
 
-<file path=ppt/slides/slide33.xml><?xml version="1.0" encoding="utf-8"?>
+<file path=ppt/slides/slide43.xml><?xml version="1.0" encoding="utf-8"?>
 <p:sld xmlns:a="http://schemas.openxmlformats.org/drawingml/2006/main" xmlns:r="http://schemas.openxmlformats.org/officeDocument/2006/relationships" xmlns:p="http://schemas.openxmlformats.org/presentationml/2006/main">
   <p:cSld>
     <p:spTree>
@@ -12885,7 +14239,7 @@
     </p:spTree>
     <p:extLst>
       <p:ext uri="{BB962C8B-B14F-4D97-AF65-F5344CB8AC3E}">
-        <p14:creationId xmlns:p14="http://schemas.microsoft.com/office/powerpoint/2010/main" xmlns="" val="1076763019"/>
+        <p14:creationId xmlns="" xmlns:p14="http://schemas.microsoft.com/office/powerpoint/2010/main" val="1076763019"/>
       </p:ext>
     </p:extLst>
   </p:cSld>
@@ -12899,91 +14253,6 @@
       </p:par>
     </p:tnLst>
   </p:timing>
-</p:sld>
-</file>
-
-<file path=ppt/slides/slide4.xml><?xml version="1.0" encoding="utf-8"?>
-<p:sld xmlns:a="http://schemas.openxmlformats.org/drawingml/2006/main" xmlns:r="http://schemas.openxmlformats.org/officeDocument/2006/relationships" xmlns:p="http://schemas.openxmlformats.org/presentationml/2006/main">
-  <p:cSld>
-    <p:spTree>
-      <p:nvGrpSpPr>
-        <p:cNvPr id="1" name=""/>
-        <p:cNvGrpSpPr/>
-        <p:nvPr/>
-      </p:nvGrpSpPr>
-      <p:grpSpPr>
-        <a:xfrm>
-          <a:off x="0" y="0"/>
-          <a:ext cx="0" cy="0"/>
-          <a:chOff x="0" y="0"/>
-          <a:chExt cx="0" cy="0"/>
-        </a:xfrm>
-      </p:grpSpPr>
-      <p:sp>
-        <p:nvSpPr>
-          <p:cNvPr id="2" name="Title 1"/>
-          <p:cNvSpPr>
-            <a:spLocks noGrp="1"/>
-          </p:cNvSpPr>
-          <p:nvPr>
-            <p:ph type="title"/>
-          </p:nvPr>
-        </p:nvSpPr>
-        <p:spPr/>
-        <p:txBody>
-          <a:bodyPr>
-            <a:normAutofit/>
-          </a:bodyPr>
-          <a:lstStyle/>
-          <a:p>
-            <a:r>
-              <a:rPr lang="en-IN" dirty="0" smtClean="0"/>
-              <a:t>Real world problem - transport</a:t>
-            </a:r>
-            <a:endParaRPr lang="en-US" dirty="0"/>
-          </a:p>
-        </p:txBody>
-      </p:sp>
-      <p:pic>
-        <p:nvPicPr>
-          <p:cNvPr id="40962" name="Picture 2"/>
-          <p:cNvPicPr>
-            <a:picLocks noGrp="1" noChangeAspect="1" noChangeArrowheads="1"/>
-          </p:cNvPicPr>
-          <p:nvPr>
-            <p:ph idx="1"/>
-          </p:nvPr>
-        </p:nvPicPr>
-        <p:blipFill>
-          <a:blip r:embed="rId2"/>
-          <a:srcRect/>
-          <a:stretch>
-            <a:fillRect/>
-          </a:stretch>
-        </p:blipFill>
-        <p:spPr bwMode="auto">
-          <a:xfrm>
-            <a:off x="609600" y="1775986"/>
-            <a:ext cx="9652000" cy="4514116"/>
-          </a:xfrm>
-          <a:prstGeom prst="rect">
-            <a:avLst/>
-          </a:prstGeom>
-          <a:noFill/>
-          <a:ln w="9525">
-            <a:noFill/>
-            <a:miter lim="800000"/>
-            <a:headEnd/>
-            <a:tailEnd/>
-          </a:ln>
-          <a:effectLst/>
-        </p:spPr>
-      </p:pic>
-    </p:spTree>
-  </p:cSld>
-  <p:clrMapOvr>
-    <a:masterClrMapping/>
-  </p:clrMapOvr>
 </p:sld>
 </file>
 
@@ -14162,7 +15431,7 @@
     </p:spTree>
     <p:extLst>
       <p:ext uri="{BB962C8B-B14F-4D97-AF65-F5344CB8AC3E}">
-        <p14:creationId xmlns:p14="http://schemas.microsoft.com/office/powerpoint/2010/main" xmlns="" val="1247456129"/>
+        <p14:creationId xmlns="" xmlns:p14="http://schemas.microsoft.com/office/powerpoint/2010/main" val="1247456129"/>
       </p:ext>
     </p:extLst>
   </p:cSld>
@@ -14434,7 +15703,7 @@
   <a:extraClrSchemeLst/>
   <a:extLst>
     <a:ext uri="{05A4C25C-085E-4340-85A3-A5531E510DB2}">
-      <thm15:themeFamily xmlns:thm15="http://schemas.microsoft.com/office/thememl/2012/main" xmlns="" name="Office Theme" id="{62F939B6-93AF-4DB8-9C6B-D6C7DFDC589F}" vid="{4A3C46E8-61CC-4603-A589-7422A47A8E4A}"/>
+      <thm15:themeFamily xmlns="" xmlns:thm15="http://schemas.microsoft.com/office/thememl/2012/main" name="Office Theme" id="{62F939B6-93AF-4DB8-9C6B-D6C7DFDC589F}" vid="{4A3C46E8-61CC-4603-A589-7422A47A8E4A}"/>
     </a:ext>
   </a:extLst>
 </a:theme>
